--- a/OSW and Solar Analysis Results.pptx
+++ b/OSW and Solar Analysis Results.pptx
@@ -6,36 +6,50 @@
     <p:sldMasterId id="2147483797" r:id="rId5"/>
   </p:sldMasterIdLst>
   <p:notesMasterIdLst>
-    <p:notesMasterId r:id="rId30"/>
+    <p:notesMasterId r:id="rId28"/>
   </p:notesMasterIdLst>
   <p:sldIdLst>
     <p:sldId id="257" r:id="rId6"/>
-    <p:sldId id="266" r:id="rId7"/>
-    <p:sldId id="414" r:id="rId8"/>
-    <p:sldId id="411" r:id="rId9"/>
-    <p:sldId id="412" r:id="rId10"/>
-    <p:sldId id="413" r:id="rId11"/>
-    <p:sldId id="415" r:id="rId12"/>
-    <p:sldId id="417" r:id="rId13"/>
-    <p:sldId id="418" r:id="rId14"/>
-    <p:sldId id="416" r:id="rId15"/>
-    <p:sldId id="419" r:id="rId16"/>
-    <p:sldId id="420" r:id="rId17"/>
-    <p:sldId id="410" r:id="rId18"/>
-    <p:sldId id="399" r:id="rId19"/>
-    <p:sldId id="400" r:id="rId20"/>
-    <p:sldId id="401" r:id="rId21"/>
-    <p:sldId id="402" r:id="rId22"/>
-    <p:sldId id="403" r:id="rId23"/>
-    <p:sldId id="404" r:id="rId24"/>
-    <p:sldId id="405" r:id="rId25"/>
-    <p:sldId id="406" r:id="rId26"/>
-    <p:sldId id="407" r:id="rId27"/>
-    <p:sldId id="408" r:id="rId28"/>
-    <p:sldId id="409" r:id="rId29"/>
+    <p:sldId id="414" r:id="rId7"/>
+    <p:sldId id="411" r:id="rId8"/>
+    <p:sldId id="412" r:id="rId9"/>
+    <p:sldId id="415" r:id="rId10"/>
+    <p:sldId id="417" r:id="rId11"/>
+    <p:sldId id="418" r:id="rId12"/>
+    <p:sldId id="416" r:id="rId13"/>
+    <p:sldId id="419" r:id="rId14"/>
+    <p:sldId id="420" r:id="rId15"/>
+    <p:sldId id="410" r:id="rId16"/>
+    <p:sldId id="399" r:id="rId17"/>
+    <p:sldId id="400" r:id="rId18"/>
+    <p:sldId id="401" r:id="rId19"/>
+    <p:sldId id="402" r:id="rId20"/>
+    <p:sldId id="403" r:id="rId21"/>
+    <p:sldId id="404" r:id="rId22"/>
+    <p:sldId id="405" r:id="rId23"/>
+    <p:sldId id="406" r:id="rId24"/>
+    <p:sldId id="407" r:id="rId25"/>
+    <p:sldId id="408" r:id="rId26"/>
+    <p:sldId id="409" r:id="rId27"/>
   </p:sldIdLst>
   <p:sldSz cx="12192000" cy="6858000"/>
   <p:notesSz cx="6858000" cy="9144000"/>
+  <p:embeddedFontLst>
+    <p:embeddedFont>
+      <p:font typeface="Gotham Office" panose="02000000000000000000" pitchFamily="2" charset="0"/>
+      <p:regular r:id="rId29"/>
+      <p:bold r:id="rId30"/>
+      <p:italic r:id="rId31"/>
+      <p:boldItalic r:id="rId32"/>
+    </p:embeddedFont>
+    <p:embeddedFont>
+      <p:font typeface="Mercury Office" panose="02000000000000000000" pitchFamily="2" charset="0"/>
+      <p:regular r:id="rId33"/>
+      <p:bold r:id="rId34"/>
+      <p:italic r:id="rId35"/>
+      <p:boldItalic r:id="rId36"/>
+    </p:embeddedFont>
+  </p:embeddedFontLst>
   <p:defaultTextStyle>
     <a:defPPr>
       <a:defRPr lang="en-US"/>
@@ -153,7 +167,7 @@
 <file path=ppt/revisionInfo.xml><?xml version="1.0" encoding="utf-8"?>
 <p1510:revInfo xmlns:a="http://schemas.openxmlformats.org/drawingml/2006/main" xmlns:r="http://schemas.openxmlformats.org/officeDocument/2006/relationships" xmlns:p1510="http://schemas.microsoft.com/office/powerpoint/2015/10/main">
   <p1510:revLst>
-    <p1510:client id="{0DA5E98E-CEA0-4ED6-9C3A-97BDF695BA18}" v="56" dt="2024-08-27T01:49:50.945"/>
+    <p1510:client id="{0DA5E98E-CEA0-4ED6-9C3A-97BDF695BA18}" v="135" dt="2024-09-06T21:56:38.932"/>
   </p1510:revLst>
 </p1510:revInfo>
 </file>
@@ -163,18 +177,18 @@
   <pc:docChgLst>
     <pc:chgData name="Jack Ruzekowicz" userId="d2d0bd53-fe77-44a0-bff6-5fd9e49ad306" providerId="ADAL" clId="{0DA5E98E-CEA0-4ED6-9C3A-97BDF695BA18}"/>
     <pc:docChg chg="undo custSel addSld delSld modSld sldOrd delMainMaster">
-      <pc:chgData name="Jack Ruzekowicz" userId="d2d0bd53-fe77-44a0-bff6-5fd9e49ad306" providerId="ADAL" clId="{0DA5E98E-CEA0-4ED6-9C3A-97BDF695BA18}" dt="2024-08-27T01:51:44.009" v="794" actId="20577"/>
+      <pc:chgData name="Jack Ruzekowicz" userId="d2d0bd53-fe77-44a0-bff6-5fd9e49ad306" providerId="ADAL" clId="{0DA5E98E-CEA0-4ED6-9C3A-97BDF695BA18}" dt="2024-09-06T21:56:38.932" v="980" actId="1076"/>
       <pc:docMkLst>
         <pc:docMk/>
       </pc:docMkLst>
       <pc:sldChg chg="delSp modSp mod">
-        <pc:chgData name="Jack Ruzekowicz" userId="d2d0bd53-fe77-44a0-bff6-5fd9e49ad306" providerId="ADAL" clId="{0DA5E98E-CEA0-4ED6-9C3A-97BDF695BA18}" dt="2024-08-27T01:51:44.009" v="794" actId="20577"/>
+        <pc:chgData name="Jack Ruzekowicz" userId="d2d0bd53-fe77-44a0-bff6-5fd9e49ad306" providerId="ADAL" clId="{0DA5E98E-CEA0-4ED6-9C3A-97BDF695BA18}" dt="2024-09-06T21:02:43.115" v="801" actId="20577"/>
         <pc:sldMkLst>
           <pc:docMk/>
           <pc:sldMk cId="2474097633" sldId="257"/>
         </pc:sldMkLst>
         <pc:spChg chg="mod">
-          <ac:chgData name="Jack Ruzekowicz" userId="d2d0bd53-fe77-44a0-bff6-5fd9e49ad306" providerId="ADAL" clId="{0DA5E98E-CEA0-4ED6-9C3A-97BDF695BA18}" dt="2024-08-27T01:51:44.009" v="794" actId="20577"/>
+          <ac:chgData name="Jack Ruzekowicz" userId="d2d0bd53-fe77-44a0-bff6-5fd9e49ad306" providerId="ADAL" clId="{0DA5E98E-CEA0-4ED6-9C3A-97BDF695BA18}" dt="2024-09-06T21:02:43.115" v="801" actId="20577"/>
           <ac:spMkLst>
             <pc:docMk/>
             <pc:sldMk cId="2474097633" sldId="257"/>
@@ -211,8 +225,8 @@
           <pc:sldMk cId="440067163" sldId="265"/>
         </pc:sldMkLst>
       </pc:sldChg>
-      <pc:sldChg chg="mod modShow">
-        <pc:chgData name="Jack Ruzekowicz" userId="d2d0bd53-fe77-44a0-bff6-5fd9e49ad306" providerId="ADAL" clId="{0DA5E98E-CEA0-4ED6-9C3A-97BDF695BA18}" dt="2024-08-26T19:19:51.800" v="213" actId="729"/>
+      <pc:sldChg chg="del mod modShow">
+        <pc:chgData name="Jack Ruzekowicz" userId="d2d0bd53-fe77-44a0-bff6-5fd9e49ad306" providerId="ADAL" clId="{0DA5E98E-CEA0-4ED6-9C3A-97BDF695BA18}" dt="2024-09-06T21:02:46.085" v="802" actId="47"/>
         <pc:sldMkLst>
           <pc:docMk/>
           <pc:sldMk cId="65253530" sldId="266"/>
@@ -656,8 +670,8 @@
           <pc:sldMk cId="139984438" sldId="398"/>
         </pc:sldMkLst>
       </pc:sldChg>
-      <pc:sldChg chg="addSp delSp modSp mod">
-        <pc:chgData name="Jack Ruzekowicz" userId="d2d0bd53-fe77-44a0-bff6-5fd9e49ad306" providerId="ADAL" clId="{0DA5E98E-CEA0-4ED6-9C3A-97BDF695BA18}" dt="2024-08-26T16:29:34.275" v="9" actId="1076"/>
+      <pc:sldChg chg="addSp delSp modSp mod modClrScheme chgLayout">
+        <pc:chgData name="Jack Ruzekowicz" userId="d2d0bd53-fe77-44a0-bff6-5fd9e49ad306" providerId="ADAL" clId="{0DA5E98E-CEA0-4ED6-9C3A-97BDF695BA18}" dt="2024-09-06T21:35:11.719" v="891" actId="1076"/>
         <pc:sldMkLst>
           <pc:docMk/>
           <pc:sldMk cId="2532757462" sldId="399"/>
@@ -678,242 +692,434 @@
             <ac:picMk id="7" creationId="{0415ACEB-FF9E-2B46-7BD8-6F493EC9C70E}"/>
           </ac:picMkLst>
         </pc:picChg>
-        <pc:picChg chg="add mod">
-          <ac:chgData name="Jack Ruzekowicz" userId="d2d0bd53-fe77-44a0-bff6-5fd9e49ad306" providerId="ADAL" clId="{0DA5E98E-CEA0-4ED6-9C3A-97BDF695BA18}" dt="2024-08-26T16:29:31.344" v="8" actId="1076"/>
+        <pc:picChg chg="add del mod">
+          <ac:chgData name="Jack Ruzekowicz" userId="d2d0bd53-fe77-44a0-bff6-5fd9e49ad306" providerId="ADAL" clId="{0DA5E98E-CEA0-4ED6-9C3A-97BDF695BA18}" dt="2024-09-06T21:16:07.556" v="885" actId="478"/>
           <ac:picMkLst>
             <pc:docMk/>
             <pc:sldMk cId="2532757462" sldId="399"/>
             <ac:picMk id="8" creationId="{0CAD860C-41F2-FF04-B313-B196853F6200}"/>
           </ac:picMkLst>
         </pc:picChg>
-        <pc:picChg chg="add mod">
-          <ac:chgData name="Jack Ruzekowicz" userId="d2d0bd53-fe77-44a0-bff6-5fd9e49ad306" providerId="ADAL" clId="{0DA5E98E-CEA0-4ED6-9C3A-97BDF695BA18}" dt="2024-08-26T16:29:34.275" v="9" actId="1076"/>
+        <pc:picChg chg="add del mod">
+          <ac:chgData name="Jack Ruzekowicz" userId="d2d0bd53-fe77-44a0-bff6-5fd9e49ad306" providerId="ADAL" clId="{0DA5E98E-CEA0-4ED6-9C3A-97BDF695BA18}" dt="2024-09-06T21:16:06.236" v="884" actId="478"/>
           <ac:picMkLst>
             <pc:docMk/>
             <pc:sldMk cId="2532757462" sldId="399"/>
             <ac:picMk id="1026" creationId="{568E4793-5F98-E46B-94F2-F5B08CF4B92B}"/>
           </ac:picMkLst>
         </pc:picChg>
+        <pc:picChg chg="add mod">
+          <ac:chgData name="Jack Ruzekowicz" userId="d2d0bd53-fe77-44a0-bff6-5fd9e49ad306" providerId="ADAL" clId="{0DA5E98E-CEA0-4ED6-9C3A-97BDF695BA18}" dt="2024-09-06T21:35:11.719" v="891" actId="1076"/>
+          <ac:picMkLst>
+            <pc:docMk/>
+            <pc:sldMk cId="2532757462" sldId="399"/>
+            <ac:picMk id="7170" creationId="{35DC972D-FCC8-E822-C98E-81FA90DC727F}"/>
+          </ac:picMkLst>
+        </pc:picChg>
+        <pc:picChg chg="add mod">
+          <ac:chgData name="Jack Ruzekowicz" userId="d2d0bd53-fe77-44a0-bff6-5fd9e49ad306" providerId="ADAL" clId="{0DA5E98E-CEA0-4ED6-9C3A-97BDF695BA18}" dt="2024-09-06T21:35:08.047" v="890" actId="1076"/>
+          <ac:picMkLst>
+            <pc:docMk/>
+            <pc:sldMk cId="2532757462" sldId="399"/>
+            <ac:picMk id="7172" creationId="{5CE39CF0-3AEA-B813-C1DA-E5A0A985DAA9}"/>
+          </ac:picMkLst>
+        </pc:picChg>
       </pc:sldChg>
-      <pc:sldChg chg="addSp modSp new mod">
-        <pc:chgData name="Jack Ruzekowicz" userId="d2d0bd53-fe77-44a0-bff6-5fd9e49ad306" providerId="ADAL" clId="{0DA5E98E-CEA0-4ED6-9C3A-97BDF695BA18}" dt="2024-08-26T16:30:41.181" v="16" actId="1076"/>
+      <pc:sldChg chg="addSp delSp modSp new mod modClrScheme chgLayout">
+        <pc:chgData name="Jack Ruzekowicz" userId="d2d0bd53-fe77-44a0-bff6-5fd9e49ad306" providerId="ADAL" clId="{0DA5E98E-CEA0-4ED6-9C3A-97BDF695BA18}" dt="2024-09-06T21:36:54.911" v="898" actId="1076"/>
         <pc:sldMkLst>
           <pc:docMk/>
           <pc:sldMk cId="2329348410" sldId="400"/>
         </pc:sldMkLst>
-        <pc:picChg chg="add mod">
-          <ac:chgData name="Jack Ruzekowicz" userId="d2d0bd53-fe77-44a0-bff6-5fd9e49ad306" providerId="ADAL" clId="{0DA5E98E-CEA0-4ED6-9C3A-97BDF695BA18}" dt="2024-08-26T16:30:41.181" v="16" actId="1076"/>
+        <pc:picChg chg="add del mod">
+          <ac:chgData name="Jack Ruzekowicz" userId="d2d0bd53-fe77-44a0-bff6-5fd9e49ad306" providerId="ADAL" clId="{0DA5E98E-CEA0-4ED6-9C3A-97BDF695BA18}" dt="2024-09-06T21:36:18.547" v="893" actId="478"/>
           <ac:picMkLst>
             <pc:docMk/>
             <pc:sldMk cId="2329348410" sldId="400"/>
             <ac:picMk id="2" creationId="{7E6E0E77-DBAC-FDAA-046C-FFB0D009E88A}"/>
           </ac:picMkLst>
         </pc:picChg>
-        <pc:picChg chg="add mod">
-          <ac:chgData name="Jack Ruzekowicz" userId="d2d0bd53-fe77-44a0-bff6-5fd9e49ad306" providerId="ADAL" clId="{0DA5E98E-CEA0-4ED6-9C3A-97BDF695BA18}" dt="2024-08-26T16:30:38.244" v="15" actId="1076"/>
+        <pc:picChg chg="add del mod">
+          <ac:chgData name="Jack Ruzekowicz" userId="d2d0bd53-fe77-44a0-bff6-5fd9e49ad306" providerId="ADAL" clId="{0DA5E98E-CEA0-4ED6-9C3A-97BDF695BA18}" dt="2024-09-06T21:36:24.929" v="894" actId="478"/>
           <ac:picMkLst>
             <pc:docMk/>
             <pc:sldMk cId="2329348410" sldId="400"/>
             <ac:picMk id="3" creationId="{7D11EDDE-A0CB-4E5A-AFAA-4741C54205F6}"/>
           </ac:picMkLst>
         </pc:picChg>
+        <pc:picChg chg="add mod">
+          <ac:chgData name="Jack Ruzekowicz" userId="d2d0bd53-fe77-44a0-bff6-5fd9e49ad306" providerId="ADAL" clId="{0DA5E98E-CEA0-4ED6-9C3A-97BDF695BA18}" dt="2024-09-06T21:36:36.082" v="896" actId="1076"/>
+          <ac:picMkLst>
+            <pc:docMk/>
+            <pc:sldMk cId="2329348410" sldId="400"/>
+            <ac:picMk id="8194" creationId="{43E55BDD-9B86-465D-9A97-2DCD60E6D8D6}"/>
+          </ac:picMkLst>
+        </pc:picChg>
+        <pc:picChg chg="add mod">
+          <ac:chgData name="Jack Ruzekowicz" userId="d2d0bd53-fe77-44a0-bff6-5fd9e49ad306" providerId="ADAL" clId="{0DA5E98E-CEA0-4ED6-9C3A-97BDF695BA18}" dt="2024-09-06T21:36:54.911" v="898" actId="1076"/>
+          <ac:picMkLst>
+            <pc:docMk/>
+            <pc:sldMk cId="2329348410" sldId="400"/>
+            <ac:picMk id="8196" creationId="{B774ED26-216B-36C5-FEC8-64CD34758F5B}"/>
+          </ac:picMkLst>
+        </pc:picChg>
       </pc:sldChg>
-      <pc:sldChg chg="addSp modSp new mod">
-        <pc:chgData name="Jack Ruzekowicz" userId="d2d0bd53-fe77-44a0-bff6-5fd9e49ad306" providerId="ADAL" clId="{0DA5E98E-CEA0-4ED6-9C3A-97BDF695BA18}" dt="2024-08-26T16:32:00.288" v="22" actId="1076"/>
+      <pc:sldChg chg="addSp delSp modSp new mod modClrScheme chgLayout">
+        <pc:chgData name="Jack Ruzekowicz" userId="d2d0bd53-fe77-44a0-bff6-5fd9e49ad306" providerId="ADAL" clId="{0DA5E98E-CEA0-4ED6-9C3A-97BDF695BA18}" dt="2024-09-06T21:42:48.453" v="906" actId="1076"/>
         <pc:sldMkLst>
           <pc:docMk/>
           <pc:sldMk cId="2120561052" sldId="401"/>
         </pc:sldMkLst>
-        <pc:picChg chg="add mod">
-          <ac:chgData name="Jack Ruzekowicz" userId="d2d0bd53-fe77-44a0-bff6-5fd9e49ad306" providerId="ADAL" clId="{0DA5E98E-CEA0-4ED6-9C3A-97BDF695BA18}" dt="2024-08-26T16:32:00.288" v="22" actId="1076"/>
+        <pc:picChg chg="add del mod">
+          <ac:chgData name="Jack Ruzekowicz" userId="d2d0bd53-fe77-44a0-bff6-5fd9e49ad306" providerId="ADAL" clId="{0DA5E98E-CEA0-4ED6-9C3A-97BDF695BA18}" dt="2024-09-06T21:41:48.390" v="900" actId="478"/>
           <ac:picMkLst>
             <pc:docMk/>
             <pc:sldMk cId="2120561052" sldId="401"/>
             <ac:picMk id="2" creationId="{DFA2BFB6-D244-C74C-6D55-40D86AC59CB2}"/>
           </ac:picMkLst>
         </pc:picChg>
-        <pc:picChg chg="add mod">
-          <ac:chgData name="Jack Ruzekowicz" userId="d2d0bd53-fe77-44a0-bff6-5fd9e49ad306" providerId="ADAL" clId="{0DA5E98E-CEA0-4ED6-9C3A-97BDF695BA18}" dt="2024-08-26T16:31:57.496" v="21" actId="1076"/>
+        <pc:picChg chg="add del mod">
+          <ac:chgData name="Jack Ruzekowicz" userId="d2d0bd53-fe77-44a0-bff6-5fd9e49ad306" providerId="ADAL" clId="{0DA5E98E-CEA0-4ED6-9C3A-97BDF695BA18}" dt="2024-09-06T21:41:49.664" v="901" actId="478"/>
           <ac:picMkLst>
             <pc:docMk/>
             <pc:sldMk cId="2120561052" sldId="401"/>
             <ac:picMk id="3" creationId="{6F878277-762D-CB74-7F3C-574AF3AEDDC1}"/>
           </ac:picMkLst>
         </pc:picChg>
+        <pc:picChg chg="add mod">
+          <ac:chgData name="Jack Ruzekowicz" userId="d2d0bd53-fe77-44a0-bff6-5fd9e49ad306" providerId="ADAL" clId="{0DA5E98E-CEA0-4ED6-9C3A-97BDF695BA18}" dt="2024-09-06T21:42:48.453" v="906" actId="1076"/>
+          <ac:picMkLst>
+            <pc:docMk/>
+            <pc:sldMk cId="2120561052" sldId="401"/>
+            <ac:picMk id="9218" creationId="{C1DF2CA3-EBAF-027F-95A3-7AC45B16F34F}"/>
+          </ac:picMkLst>
+        </pc:picChg>
+        <pc:picChg chg="add mod">
+          <ac:chgData name="Jack Ruzekowicz" userId="d2d0bd53-fe77-44a0-bff6-5fd9e49ad306" providerId="ADAL" clId="{0DA5E98E-CEA0-4ED6-9C3A-97BDF695BA18}" dt="2024-09-06T21:42:45.400" v="905" actId="1076"/>
+          <ac:picMkLst>
+            <pc:docMk/>
+            <pc:sldMk cId="2120561052" sldId="401"/>
+            <ac:picMk id="9220" creationId="{B9CAEF92-37EA-4FCC-A79F-E69DDF44A323}"/>
+          </ac:picMkLst>
+        </pc:picChg>
       </pc:sldChg>
-      <pc:sldChg chg="addSp modSp new mod">
-        <pc:chgData name="Jack Ruzekowicz" userId="d2d0bd53-fe77-44a0-bff6-5fd9e49ad306" providerId="ADAL" clId="{0DA5E98E-CEA0-4ED6-9C3A-97BDF695BA18}" dt="2024-08-26T16:32:46.432" v="27" actId="1076"/>
+      <pc:sldChg chg="addSp delSp modSp new mod modClrScheme chgLayout">
+        <pc:chgData name="Jack Ruzekowicz" userId="d2d0bd53-fe77-44a0-bff6-5fd9e49ad306" providerId="ADAL" clId="{0DA5E98E-CEA0-4ED6-9C3A-97BDF695BA18}" dt="2024-09-06T21:43:28.796" v="913" actId="1076"/>
         <pc:sldMkLst>
           <pc:docMk/>
           <pc:sldMk cId="1638383254" sldId="402"/>
         </pc:sldMkLst>
-        <pc:picChg chg="add mod">
-          <ac:chgData name="Jack Ruzekowicz" userId="d2d0bd53-fe77-44a0-bff6-5fd9e49ad306" providerId="ADAL" clId="{0DA5E98E-CEA0-4ED6-9C3A-97BDF695BA18}" dt="2024-08-26T16:32:28.904" v="25" actId="1076"/>
+        <pc:picChg chg="add del mod">
+          <ac:chgData name="Jack Ruzekowicz" userId="d2d0bd53-fe77-44a0-bff6-5fd9e49ad306" providerId="ADAL" clId="{0DA5E98E-CEA0-4ED6-9C3A-97BDF695BA18}" dt="2024-09-06T21:42:56.720" v="908" actId="478"/>
           <ac:picMkLst>
             <pc:docMk/>
             <pc:sldMk cId="1638383254" sldId="402"/>
             <ac:picMk id="2" creationId="{E0578D65-9C0A-AB2E-FED2-4F0ACAC36290}"/>
           </ac:picMkLst>
         </pc:picChg>
-        <pc:picChg chg="add mod">
-          <ac:chgData name="Jack Ruzekowicz" userId="d2d0bd53-fe77-44a0-bff6-5fd9e49ad306" providerId="ADAL" clId="{0DA5E98E-CEA0-4ED6-9C3A-97BDF695BA18}" dt="2024-08-26T16:32:46.432" v="27" actId="1076"/>
+        <pc:picChg chg="add del mod">
+          <ac:chgData name="Jack Ruzekowicz" userId="d2d0bd53-fe77-44a0-bff6-5fd9e49ad306" providerId="ADAL" clId="{0DA5E98E-CEA0-4ED6-9C3A-97BDF695BA18}" dt="2024-09-06T21:42:58.170" v="909" actId="478"/>
           <ac:picMkLst>
             <pc:docMk/>
             <pc:sldMk cId="1638383254" sldId="402"/>
             <ac:picMk id="3" creationId="{93047647-4372-F51D-9C18-D1A183B3267E}"/>
           </ac:picMkLst>
         </pc:picChg>
+        <pc:picChg chg="add mod">
+          <ac:chgData name="Jack Ruzekowicz" userId="d2d0bd53-fe77-44a0-bff6-5fd9e49ad306" providerId="ADAL" clId="{0DA5E98E-CEA0-4ED6-9C3A-97BDF695BA18}" dt="2024-09-06T21:43:11.323" v="911" actId="1076"/>
+          <ac:picMkLst>
+            <pc:docMk/>
+            <pc:sldMk cId="1638383254" sldId="402"/>
+            <ac:picMk id="10242" creationId="{219104A8-5A7D-1D9F-040D-8597969FEB4A}"/>
+          </ac:picMkLst>
+        </pc:picChg>
+        <pc:picChg chg="add mod">
+          <ac:chgData name="Jack Ruzekowicz" userId="d2d0bd53-fe77-44a0-bff6-5fd9e49ad306" providerId="ADAL" clId="{0DA5E98E-CEA0-4ED6-9C3A-97BDF695BA18}" dt="2024-09-06T21:43:28.796" v="913" actId="1076"/>
+          <ac:picMkLst>
+            <pc:docMk/>
+            <pc:sldMk cId="1638383254" sldId="402"/>
+            <ac:picMk id="10244" creationId="{45FB7853-1167-E9FA-775E-7784AF203C5C}"/>
+          </ac:picMkLst>
+        </pc:picChg>
       </pc:sldChg>
-      <pc:sldChg chg="addSp modSp new mod">
-        <pc:chgData name="Jack Ruzekowicz" userId="d2d0bd53-fe77-44a0-bff6-5fd9e49ad306" providerId="ADAL" clId="{0DA5E98E-CEA0-4ED6-9C3A-97BDF695BA18}" dt="2024-08-26T16:51:09.093" v="58" actId="1076"/>
+      <pc:sldChg chg="addSp delSp modSp new mod modClrScheme chgLayout">
+        <pc:chgData name="Jack Ruzekowicz" userId="d2d0bd53-fe77-44a0-bff6-5fd9e49ad306" providerId="ADAL" clId="{0DA5E98E-CEA0-4ED6-9C3A-97BDF695BA18}" dt="2024-09-06T21:44:58.194" v="922" actId="1076"/>
         <pc:sldMkLst>
           <pc:docMk/>
           <pc:sldMk cId="713573717" sldId="403"/>
         </pc:sldMkLst>
-        <pc:picChg chg="add mod">
-          <ac:chgData name="Jack Ruzekowicz" userId="d2d0bd53-fe77-44a0-bff6-5fd9e49ad306" providerId="ADAL" clId="{0DA5E98E-CEA0-4ED6-9C3A-97BDF695BA18}" dt="2024-08-26T16:51:09.093" v="58" actId="1076"/>
+        <pc:picChg chg="add del mod">
+          <ac:chgData name="Jack Ruzekowicz" userId="d2d0bd53-fe77-44a0-bff6-5fd9e49ad306" providerId="ADAL" clId="{0DA5E98E-CEA0-4ED6-9C3A-97BDF695BA18}" dt="2024-09-06T21:43:39.296" v="915" actId="478"/>
           <ac:picMkLst>
             <pc:docMk/>
             <pc:sldMk cId="713573717" sldId="403"/>
             <ac:picMk id="2" creationId="{B6586367-9813-CDF1-D498-12FF1BB28B3C}"/>
           </ac:picMkLst>
         </pc:picChg>
-        <pc:picChg chg="add mod">
-          <ac:chgData name="Jack Ruzekowicz" userId="d2d0bd53-fe77-44a0-bff6-5fd9e49ad306" providerId="ADAL" clId="{0DA5E98E-CEA0-4ED6-9C3A-97BDF695BA18}" dt="2024-08-26T16:51:06.399" v="57" actId="1076"/>
+        <pc:picChg chg="add del mod">
+          <ac:chgData name="Jack Ruzekowicz" userId="d2d0bd53-fe77-44a0-bff6-5fd9e49ad306" providerId="ADAL" clId="{0DA5E98E-CEA0-4ED6-9C3A-97BDF695BA18}" dt="2024-09-06T21:43:41.016" v="916" actId="478"/>
           <ac:picMkLst>
             <pc:docMk/>
             <pc:sldMk cId="713573717" sldId="403"/>
             <ac:picMk id="3" creationId="{9C9499A1-BC14-A39F-4B4B-3701629152BC}"/>
           </ac:picMkLst>
         </pc:picChg>
+        <pc:picChg chg="add mod">
+          <ac:chgData name="Jack Ruzekowicz" userId="d2d0bd53-fe77-44a0-bff6-5fd9e49ad306" providerId="ADAL" clId="{0DA5E98E-CEA0-4ED6-9C3A-97BDF695BA18}" dt="2024-09-06T21:44:56.311" v="921" actId="1076"/>
+          <ac:picMkLst>
+            <pc:docMk/>
+            <pc:sldMk cId="713573717" sldId="403"/>
+            <ac:picMk id="11266" creationId="{B2BC2D92-CC53-B8CC-0ABC-4F5037331CCF}"/>
+          </ac:picMkLst>
+        </pc:picChg>
+        <pc:picChg chg="add mod">
+          <ac:chgData name="Jack Ruzekowicz" userId="d2d0bd53-fe77-44a0-bff6-5fd9e49ad306" providerId="ADAL" clId="{0DA5E98E-CEA0-4ED6-9C3A-97BDF695BA18}" dt="2024-09-06T21:44:58.194" v="922" actId="1076"/>
+          <ac:picMkLst>
+            <pc:docMk/>
+            <pc:sldMk cId="713573717" sldId="403"/>
+            <ac:picMk id="11268" creationId="{605C790B-E18C-16B7-DBEE-632F487C74C1}"/>
+          </ac:picMkLst>
+        </pc:picChg>
       </pc:sldChg>
-      <pc:sldChg chg="addSp modSp new mod">
-        <pc:chgData name="Jack Ruzekowicz" userId="d2d0bd53-fe77-44a0-bff6-5fd9e49ad306" providerId="ADAL" clId="{0DA5E98E-CEA0-4ED6-9C3A-97BDF695BA18}" dt="2024-08-26T16:51:19.618" v="59" actId="1076"/>
+      <pc:sldChg chg="addSp delSp modSp new mod modClrScheme chgLayout">
+        <pc:chgData name="Jack Ruzekowicz" userId="d2d0bd53-fe77-44a0-bff6-5fd9e49ad306" providerId="ADAL" clId="{0DA5E98E-CEA0-4ED6-9C3A-97BDF695BA18}" dt="2024-09-06T21:45:57.888" v="929" actId="1076"/>
         <pc:sldMkLst>
           <pc:docMk/>
           <pc:sldMk cId="3638153159" sldId="404"/>
         </pc:sldMkLst>
-        <pc:picChg chg="add mod">
-          <ac:chgData name="Jack Ruzekowicz" userId="d2d0bd53-fe77-44a0-bff6-5fd9e49ad306" providerId="ADAL" clId="{0DA5E98E-CEA0-4ED6-9C3A-97BDF695BA18}" dt="2024-08-26T16:33:33.407" v="34" actId="1076"/>
+        <pc:picChg chg="add del mod">
+          <ac:chgData name="Jack Ruzekowicz" userId="d2d0bd53-fe77-44a0-bff6-5fd9e49ad306" providerId="ADAL" clId="{0DA5E98E-CEA0-4ED6-9C3A-97BDF695BA18}" dt="2024-09-06T21:45:40.393" v="924" actId="478"/>
           <ac:picMkLst>
             <pc:docMk/>
             <pc:sldMk cId="3638153159" sldId="404"/>
             <ac:picMk id="2" creationId="{36E24FAA-EEF5-3689-E851-628F53A772C2}"/>
           </ac:picMkLst>
         </pc:picChg>
-        <pc:picChg chg="add mod">
-          <ac:chgData name="Jack Ruzekowicz" userId="d2d0bd53-fe77-44a0-bff6-5fd9e49ad306" providerId="ADAL" clId="{0DA5E98E-CEA0-4ED6-9C3A-97BDF695BA18}" dt="2024-08-26T16:51:19.618" v="59" actId="1076"/>
+        <pc:picChg chg="add del mod">
+          <ac:chgData name="Jack Ruzekowicz" userId="d2d0bd53-fe77-44a0-bff6-5fd9e49ad306" providerId="ADAL" clId="{0DA5E98E-CEA0-4ED6-9C3A-97BDF695BA18}" dt="2024-09-06T21:45:46.676" v="927" actId="478"/>
           <ac:picMkLst>
             <pc:docMk/>
             <pc:sldMk cId="3638153159" sldId="404"/>
             <ac:picMk id="3" creationId="{44A3B84B-627F-C7CB-D87D-068706E82F9A}"/>
           </ac:picMkLst>
         </pc:picChg>
+        <pc:picChg chg="add mod">
+          <ac:chgData name="Jack Ruzekowicz" userId="d2d0bd53-fe77-44a0-bff6-5fd9e49ad306" providerId="ADAL" clId="{0DA5E98E-CEA0-4ED6-9C3A-97BDF695BA18}" dt="2024-09-06T21:45:44.502" v="926" actId="1076"/>
+          <ac:picMkLst>
+            <pc:docMk/>
+            <pc:sldMk cId="3638153159" sldId="404"/>
+            <ac:picMk id="12290" creationId="{82120583-90B2-9B4E-1AE7-9CF657A91CED}"/>
+          </ac:picMkLst>
+        </pc:picChg>
+        <pc:picChg chg="add mod">
+          <ac:chgData name="Jack Ruzekowicz" userId="d2d0bd53-fe77-44a0-bff6-5fd9e49ad306" providerId="ADAL" clId="{0DA5E98E-CEA0-4ED6-9C3A-97BDF695BA18}" dt="2024-09-06T21:45:57.888" v="929" actId="1076"/>
+          <ac:picMkLst>
+            <pc:docMk/>
+            <pc:sldMk cId="3638153159" sldId="404"/>
+            <ac:picMk id="12292" creationId="{3BD44451-8721-B285-6946-571DF3565C29}"/>
+          </ac:picMkLst>
+        </pc:picChg>
       </pc:sldChg>
-      <pc:sldChg chg="addSp modSp new mod">
-        <pc:chgData name="Jack Ruzekowicz" userId="d2d0bd53-fe77-44a0-bff6-5fd9e49ad306" providerId="ADAL" clId="{0DA5E98E-CEA0-4ED6-9C3A-97BDF695BA18}" dt="2024-08-26T16:51:30.905" v="61" actId="1076"/>
+      <pc:sldChg chg="addSp delSp modSp new mod modClrScheme chgLayout">
+        <pc:chgData name="Jack Ruzekowicz" userId="d2d0bd53-fe77-44a0-bff6-5fd9e49ad306" providerId="ADAL" clId="{0DA5E98E-CEA0-4ED6-9C3A-97BDF695BA18}" dt="2024-09-06T21:48:26.999" v="938" actId="1076"/>
         <pc:sldMkLst>
           <pc:docMk/>
           <pc:sldMk cId="2504327771" sldId="405"/>
         </pc:sldMkLst>
-        <pc:picChg chg="add mod">
-          <ac:chgData name="Jack Ruzekowicz" userId="d2d0bd53-fe77-44a0-bff6-5fd9e49ad306" providerId="ADAL" clId="{0DA5E98E-CEA0-4ED6-9C3A-97BDF695BA18}" dt="2024-08-26T16:51:30.905" v="61" actId="1076"/>
+        <pc:picChg chg="add del mod">
+          <ac:chgData name="Jack Ruzekowicz" userId="d2d0bd53-fe77-44a0-bff6-5fd9e49ad306" providerId="ADAL" clId="{0DA5E98E-CEA0-4ED6-9C3A-97BDF695BA18}" dt="2024-09-06T21:47:49.057" v="931" actId="478"/>
           <ac:picMkLst>
             <pc:docMk/>
             <pc:sldMk cId="2504327771" sldId="405"/>
             <ac:picMk id="2" creationId="{1DB0C96C-2CB7-A349-B3F3-147BFBEB55AA}"/>
           </ac:picMkLst>
         </pc:picChg>
-        <pc:picChg chg="add mod">
-          <ac:chgData name="Jack Ruzekowicz" userId="d2d0bd53-fe77-44a0-bff6-5fd9e49ad306" providerId="ADAL" clId="{0DA5E98E-CEA0-4ED6-9C3A-97BDF695BA18}" dt="2024-08-26T16:51:26.540" v="60" actId="1076"/>
+        <pc:picChg chg="add del mod">
+          <ac:chgData name="Jack Ruzekowicz" userId="d2d0bd53-fe77-44a0-bff6-5fd9e49ad306" providerId="ADAL" clId="{0DA5E98E-CEA0-4ED6-9C3A-97BDF695BA18}" dt="2024-09-06T21:47:50.334" v="932" actId="478"/>
           <ac:picMkLst>
             <pc:docMk/>
             <pc:sldMk cId="2504327771" sldId="405"/>
             <ac:picMk id="3" creationId="{77605C85-9013-5A7E-8B1B-B5604776B2C8}"/>
           </ac:picMkLst>
         </pc:picChg>
+        <pc:picChg chg="add mod">
+          <ac:chgData name="Jack Ruzekowicz" userId="d2d0bd53-fe77-44a0-bff6-5fd9e49ad306" providerId="ADAL" clId="{0DA5E98E-CEA0-4ED6-9C3A-97BDF695BA18}" dt="2024-09-06T21:48:24.973" v="937" actId="1076"/>
+          <ac:picMkLst>
+            <pc:docMk/>
+            <pc:sldMk cId="2504327771" sldId="405"/>
+            <ac:picMk id="13314" creationId="{4982EC83-104E-4A30-64D7-9C79DB8F3FE9}"/>
+          </ac:picMkLst>
+        </pc:picChg>
+        <pc:picChg chg="add mod">
+          <ac:chgData name="Jack Ruzekowicz" userId="d2d0bd53-fe77-44a0-bff6-5fd9e49ad306" providerId="ADAL" clId="{0DA5E98E-CEA0-4ED6-9C3A-97BDF695BA18}" dt="2024-09-06T21:48:26.999" v="938" actId="1076"/>
+          <ac:picMkLst>
+            <pc:docMk/>
+            <pc:sldMk cId="2504327771" sldId="405"/>
+            <ac:picMk id="13316" creationId="{DCA1A851-508D-B4F9-854C-A385B1CFB42B}"/>
+          </ac:picMkLst>
+        </pc:picChg>
       </pc:sldChg>
-      <pc:sldChg chg="addSp modSp new mod">
-        <pc:chgData name="Jack Ruzekowicz" userId="d2d0bd53-fe77-44a0-bff6-5fd9e49ad306" providerId="ADAL" clId="{0DA5E98E-CEA0-4ED6-9C3A-97BDF695BA18}" dt="2024-08-26T16:57:23.094" v="65" actId="1076"/>
+      <pc:sldChg chg="addSp delSp modSp new mod modClrScheme chgLayout">
+        <pc:chgData name="Jack Ruzekowicz" userId="d2d0bd53-fe77-44a0-bff6-5fd9e49ad306" providerId="ADAL" clId="{0DA5E98E-CEA0-4ED6-9C3A-97BDF695BA18}" dt="2024-09-06T21:52:48.021" v="962" actId="1076"/>
         <pc:sldMkLst>
           <pc:docMk/>
           <pc:sldMk cId="728547961" sldId="406"/>
         </pc:sldMkLst>
-        <pc:picChg chg="add mod">
-          <ac:chgData name="Jack Ruzekowicz" userId="d2d0bd53-fe77-44a0-bff6-5fd9e49ad306" providerId="ADAL" clId="{0DA5E98E-CEA0-4ED6-9C3A-97BDF695BA18}" dt="2024-08-26T16:57:20.328" v="64" actId="1076"/>
+        <pc:picChg chg="add del mod">
+          <ac:chgData name="Jack Ruzekowicz" userId="d2d0bd53-fe77-44a0-bff6-5fd9e49ad306" providerId="ADAL" clId="{0DA5E98E-CEA0-4ED6-9C3A-97BDF695BA18}" dt="2024-09-06T21:48:38.925" v="940" actId="478"/>
           <ac:picMkLst>
             <pc:docMk/>
             <pc:sldMk cId="728547961" sldId="406"/>
             <ac:picMk id="2" creationId="{59B7702F-D3AE-211F-B8D0-02642A919420}"/>
           </ac:picMkLst>
         </pc:picChg>
-        <pc:picChg chg="add mod">
-          <ac:chgData name="Jack Ruzekowicz" userId="d2d0bd53-fe77-44a0-bff6-5fd9e49ad306" providerId="ADAL" clId="{0DA5E98E-CEA0-4ED6-9C3A-97BDF695BA18}" dt="2024-08-26T16:57:23.094" v="65" actId="1076"/>
+        <pc:picChg chg="add del mod">
+          <ac:chgData name="Jack Ruzekowicz" userId="d2d0bd53-fe77-44a0-bff6-5fd9e49ad306" providerId="ADAL" clId="{0DA5E98E-CEA0-4ED6-9C3A-97BDF695BA18}" dt="2024-09-06T21:48:40.676" v="941" actId="478"/>
           <ac:picMkLst>
             <pc:docMk/>
             <pc:sldMk cId="728547961" sldId="406"/>
             <ac:picMk id="3" creationId="{C874EE36-A2ED-D596-2A81-4803E92F1D4E}"/>
           </ac:picMkLst>
         </pc:picChg>
+        <pc:picChg chg="add mod">
+          <ac:chgData name="Jack Ruzekowicz" userId="d2d0bd53-fe77-44a0-bff6-5fd9e49ad306" providerId="ADAL" clId="{0DA5E98E-CEA0-4ED6-9C3A-97BDF695BA18}" dt="2024-09-06T21:52:48.021" v="962" actId="1076"/>
+          <ac:picMkLst>
+            <pc:docMk/>
+            <pc:sldMk cId="728547961" sldId="406"/>
+            <ac:picMk id="4" creationId="{C4606694-5A3D-359A-D5C1-35ED8A3E5C9D}"/>
+          </ac:picMkLst>
+        </pc:picChg>
+        <pc:picChg chg="add del mod">
+          <ac:chgData name="Jack Ruzekowicz" userId="d2d0bd53-fe77-44a0-bff6-5fd9e49ad306" providerId="ADAL" clId="{0DA5E98E-CEA0-4ED6-9C3A-97BDF695BA18}" dt="2024-09-06T21:52:18.840" v="957" actId="478"/>
+          <ac:picMkLst>
+            <pc:docMk/>
+            <pc:sldMk cId="728547961" sldId="406"/>
+            <ac:picMk id="14338" creationId="{67771A96-E9B4-AD8F-CF85-8D48A3272B5A}"/>
+          </ac:picMkLst>
+        </pc:picChg>
+        <pc:picChg chg="add mod">
+          <ac:chgData name="Jack Ruzekowicz" userId="d2d0bd53-fe77-44a0-bff6-5fd9e49ad306" providerId="ADAL" clId="{0DA5E98E-CEA0-4ED6-9C3A-97BDF695BA18}" dt="2024-09-06T21:52:44.650" v="961" actId="1076"/>
+          <ac:picMkLst>
+            <pc:docMk/>
+            <pc:sldMk cId="728547961" sldId="406"/>
+            <ac:picMk id="14340" creationId="{929B55A5-A5BB-83D1-0849-B2CDD42ADABD}"/>
+          </ac:picMkLst>
+        </pc:picChg>
       </pc:sldChg>
-      <pc:sldChg chg="addSp modSp new mod">
-        <pc:chgData name="Jack Ruzekowicz" userId="d2d0bd53-fe77-44a0-bff6-5fd9e49ad306" providerId="ADAL" clId="{0DA5E98E-CEA0-4ED6-9C3A-97BDF695BA18}" dt="2024-08-26T16:57:55.446" v="68" actId="1076"/>
+      <pc:sldChg chg="addSp delSp modSp new mod modClrScheme chgLayout">
+        <pc:chgData name="Jack Ruzekowicz" userId="d2d0bd53-fe77-44a0-bff6-5fd9e49ad306" providerId="ADAL" clId="{0DA5E98E-CEA0-4ED6-9C3A-97BDF695BA18}" dt="2024-09-06T21:54:21.496" v="969" actId="1076"/>
         <pc:sldMkLst>
           <pc:docMk/>
           <pc:sldMk cId="4268036222" sldId="407"/>
         </pc:sldMkLst>
-        <pc:picChg chg="add mod">
-          <ac:chgData name="Jack Ruzekowicz" userId="d2d0bd53-fe77-44a0-bff6-5fd9e49ad306" providerId="ADAL" clId="{0DA5E98E-CEA0-4ED6-9C3A-97BDF695BA18}" dt="2024-08-26T16:57:47.692" v="67" actId="1076"/>
+        <pc:picChg chg="add del mod">
+          <ac:chgData name="Jack Ruzekowicz" userId="d2d0bd53-fe77-44a0-bff6-5fd9e49ad306" providerId="ADAL" clId="{0DA5E98E-CEA0-4ED6-9C3A-97BDF695BA18}" dt="2024-09-06T21:50:29.069" v="948" actId="478"/>
           <ac:picMkLst>
             <pc:docMk/>
             <pc:sldMk cId="4268036222" sldId="407"/>
             <ac:picMk id="2" creationId="{074ED847-0FC1-6180-B45E-D33960823D25}"/>
           </ac:picMkLst>
         </pc:picChg>
-        <pc:picChg chg="add mod">
-          <ac:chgData name="Jack Ruzekowicz" userId="d2d0bd53-fe77-44a0-bff6-5fd9e49ad306" providerId="ADAL" clId="{0DA5E98E-CEA0-4ED6-9C3A-97BDF695BA18}" dt="2024-08-26T16:57:55.446" v="68" actId="1076"/>
+        <pc:picChg chg="add del mod">
+          <ac:chgData name="Jack Ruzekowicz" userId="d2d0bd53-fe77-44a0-bff6-5fd9e49ad306" providerId="ADAL" clId="{0DA5E98E-CEA0-4ED6-9C3A-97BDF695BA18}" dt="2024-09-06T21:50:30.452" v="949" actId="478"/>
           <ac:picMkLst>
             <pc:docMk/>
             <pc:sldMk cId="4268036222" sldId="407"/>
             <ac:picMk id="3" creationId="{92FE9175-010A-36EE-FDD1-E1D497CF7CB7}"/>
           </ac:picMkLst>
         </pc:picChg>
+        <pc:picChg chg="add del mod">
+          <ac:chgData name="Jack Ruzekowicz" userId="d2d0bd53-fe77-44a0-bff6-5fd9e49ad306" providerId="ADAL" clId="{0DA5E98E-CEA0-4ED6-9C3A-97BDF695BA18}" dt="2024-09-06T21:53:47.325" v="963" actId="478"/>
+          <ac:picMkLst>
+            <pc:docMk/>
+            <pc:sldMk cId="4268036222" sldId="407"/>
+            <ac:picMk id="15362" creationId="{B83D126A-0B69-1DD3-1432-265910664987}"/>
+          </ac:picMkLst>
+        </pc:picChg>
+        <pc:picChg chg="add mod">
+          <ac:chgData name="Jack Ruzekowicz" userId="d2d0bd53-fe77-44a0-bff6-5fd9e49ad306" providerId="ADAL" clId="{0DA5E98E-CEA0-4ED6-9C3A-97BDF695BA18}" dt="2024-09-06T21:54:21.496" v="969" actId="1076"/>
+          <ac:picMkLst>
+            <pc:docMk/>
+            <pc:sldMk cId="4268036222" sldId="407"/>
+            <ac:picMk id="15364" creationId="{6A5D8D71-51C9-9C85-58E8-8A8A70BD4A58}"/>
+          </ac:picMkLst>
+        </pc:picChg>
+        <pc:picChg chg="add mod">
+          <ac:chgData name="Jack Ruzekowicz" userId="d2d0bd53-fe77-44a0-bff6-5fd9e49ad306" providerId="ADAL" clId="{0DA5E98E-CEA0-4ED6-9C3A-97BDF695BA18}" dt="2024-09-06T21:54:19.474" v="968" actId="1076"/>
+          <ac:picMkLst>
+            <pc:docMk/>
+            <pc:sldMk cId="4268036222" sldId="407"/>
+            <ac:picMk id="15366" creationId="{9FD37391-9E51-523C-1C53-39D231180384}"/>
+          </ac:picMkLst>
+        </pc:picChg>
       </pc:sldChg>
-      <pc:sldChg chg="addSp modSp new mod">
-        <pc:chgData name="Jack Ruzekowicz" userId="d2d0bd53-fe77-44a0-bff6-5fd9e49ad306" providerId="ADAL" clId="{0DA5E98E-CEA0-4ED6-9C3A-97BDF695BA18}" dt="2024-08-26T16:58:33.249" v="71" actId="1076"/>
+      <pc:sldChg chg="addSp delSp modSp new mod modClrScheme chgLayout">
+        <pc:chgData name="Jack Ruzekowicz" userId="d2d0bd53-fe77-44a0-bff6-5fd9e49ad306" providerId="ADAL" clId="{0DA5E98E-CEA0-4ED6-9C3A-97BDF695BA18}" dt="2024-09-06T21:55:17.121" v="974" actId="1076"/>
         <pc:sldMkLst>
           <pc:docMk/>
           <pc:sldMk cId="378910861" sldId="408"/>
         </pc:sldMkLst>
-        <pc:picChg chg="add mod">
-          <ac:chgData name="Jack Ruzekowicz" userId="d2d0bd53-fe77-44a0-bff6-5fd9e49ad306" providerId="ADAL" clId="{0DA5E98E-CEA0-4ED6-9C3A-97BDF695BA18}" dt="2024-08-26T16:58:33.249" v="71" actId="1076"/>
+        <pc:picChg chg="add del mod">
+          <ac:chgData name="Jack Ruzekowicz" userId="d2d0bd53-fe77-44a0-bff6-5fd9e49ad306" providerId="ADAL" clId="{0DA5E98E-CEA0-4ED6-9C3A-97BDF695BA18}" dt="2024-09-06T21:51:40.607" v="955" actId="478"/>
           <ac:picMkLst>
             <pc:docMk/>
             <pc:sldMk cId="378910861" sldId="408"/>
             <ac:picMk id="2" creationId="{80F440F3-6625-2E3C-D191-A4DA0A989A6E}"/>
           </ac:picMkLst>
         </pc:picChg>
-        <pc:picChg chg="add mod">
-          <ac:chgData name="Jack Ruzekowicz" userId="d2d0bd53-fe77-44a0-bff6-5fd9e49ad306" providerId="ADAL" clId="{0DA5E98E-CEA0-4ED6-9C3A-97BDF695BA18}" dt="2024-08-26T16:58:19.795" v="70" actId="1076"/>
+        <pc:picChg chg="add del mod">
+          <ac:chgData name="Jack Ruzekowicz" userId="d2d0bd53-fe77-44a0-bff6-5fd9e49ad306" providerId="ADAL" clId="{0DA5E98E-CEA0-4ED6-9C3A-97BDF695BA18}" dt="2024-09-06T21:51:42.026" v="956" actId="478"/>
           <ac:picMkLst>
             <pc:docMk/>
             <pc:sldMk cId="378910861" sldId="408"/>
             <ac:picMk id="3" creationId="{0F07845D-03C0-A190-0E06-EE1985D80072}"/>
           </ac:picMkLst>
         </pc:picChg>
+        <pc:picChg chg="add mod">
+          <ac:chgData name="Jack Ruzekowicz" userId="d2d0bd53-fe77-44a0-bff6-5fd9e49ad306" providerId="ADAL" clId="{0DA5E98E-CEA0-4ED6-9C3A-97BDF695BA18}" dt="2024-09-06T21:55:17.121" v="974" actId="1076"/>
+          <ac:picMkLst>
+            <pc:docMk/>
+            <pc:sldMk cId="378910861" sldId="408"/>
+            <ac:picMk id="16386" creationId="{286BFF87-5EA7-DD18-FB00-D6C189C15F5F}"/>
+          </ac:picMkLst>
+        </pc:picChg>
+        <pc:picChg chg="add mod">
+          <ac:chgData name="Jack Ruzekowicz" userId="d2d0bd53-fe77-44a0-bff6-5fd9e49ad306" providerId="ADAL" clId="{0DA5E98E-CEA0-4ED6-9C3A-97BDF695BA18}" dt="2024-09-06T21:55:14.569" v="973" actId="1076"/>
+          <ac:picMkLst>
+            <pc:docMk/>
+            <pc:sldMk cId="378910861" sldId="408"/>
+            <ac:picMk id="16388" creationId="{FBE46ADB-48B4-7119-E263-37305C1FB10B}"/>
+          </ac:picMkLst>
+        </pc:picChg>
       </pc:sldChg>
-      <pc:sldChg chg="addSp new">
-        <pc:chgData name="Jack Ruzekowicz" userId="d2d0bd53-fe77-44a0-bff6-5fd9e49ad306" providerId="ADAL" clId="{0DA5E98E-CEA0-4ED6-9C3A-97BDF695BA18}" dt="2024-08-26T16:50:07.553" v="53"/>
+      <pc:sldChg chg="addSp delSp modSp new mod modClrScheme chgLayout">
+        <pc:chgData name="Jack Ruzekowicz" userId="d2d0bd53-fe77-44a0-bff6-5fd9e49ad306" providerId="ADAL" clId="{0DA5E98E-CEA0-4ED6-9C3A-97BDF695BA18}" dt="2024-09-06T21:56:38.932" v="980" actId="1076"/>
         <pc:sldMkLst>
           <pc:docMk/>
           <pc:sldMk cId="3036538926" sldId="409"/>
         </pc:sldMkLst>
-        <pc:picChg chg="add">
-          <ac:chgData name="Jack Ruzekowicz" userId="d2d0bd53-fe77-44a0-bff6-5fd9e49ad306" providerId="ADAL" clId="{0DA5E98E-CEA0-4ED6-9C3A-97BDF695BA18}" dt="2024-08-26T16:50:07.553" v="53"/>
+        <pc:picChg chg="add del">
+          <ac:chgData name="Jack Ruzekowicz" userId="d2d0bd53-fe77-44a0-bff6-5fd9e49ad306" providerId="ADAL" clId="{0DA5E98E-CEA0-4ED6-9C3A-97BDF695BA18}" dt="2024-09-06T21:55:25.942" v="976" actId="478"/>
           <ac:picMkLst>
             <pc:docMk/>
             <pc:sldMk cId="3036538926" sldId="409"/>
             <ac:picMk id="2" creationId="{D18E7E9F-3DB9-D49C-A830-7B311EBBC8FD}"/>
+          </ac:picMkLst>
+        </pc:picChg>
+        <pc:picChg chg="add mod">
+          <ac:chgData name="Jack Ruzekowicz" userId="d2d0bd53-fe77-44a0-bff6-5fd9e49ad306" providerId="ADAL" clId="{0DA5E98E-CEA0-4ED6-9C3A-97BDF695BA18}" dt="2024-09-06T21:55:47.744" v="978" actId="1076"/>
+          <ac:picMkLst>
+            <pc:docMk/>
+            <pc:sldMk cId="3036538926" sldId="409"/>
+            <ac:picMk id="17410" creationId="{F739C8FA-0E6A-0E2E-8710-37F7F5C6069D}"/>
+          </ac:picMkLst>
+        </pc:picChg>
+        <pc:picChg chg="add mod">
+          <ac:chgData name="Jack Ruzekowicz" userId="d2d0bd53-fe77-44a0-bff6-5fd9e49ad306" providerId="ADAL" clId="{0DA5E98E-CEA0-4ED6-9C3A-97BDF695BA18}" dt="2024-09-06T21:56:38.932" v="980" actId="1076"/>
+          <ac:picMkLst>
+            <pc:docMk/>
+            <pc:sldMk cId="3036538926" sldId="409"/>
+            <ac:picMk id="17412" creationId="{06F7545C-CE2B-1195-B352-60BB883EC7A8}"/>
           </ac:picMkLst>
         </pc:picChg>
       </pc:sldChg>
@@ -947,8 +1153,8 @@
           </ac:spMkLst>
         </pc:spChg>
       </pc:sldChg>
-      <pc:sldChg chg="addSp modSp new mod setBg">
-        <pc:chgData name="Jack Ruzekowicz" userId="d2d0bd53-fe77-44a0-bff6-5fd9e49ad306" providerId="ADAL" clId="{0DA5E98E-CEA0-4ED6-9C3A-97BDF695BA18}" dt="2024-08-27T01:42:29.027" v="640" actId="1076"/>
+      <pc:sldChg chg="addSp modSp new mod setBg modClrScheme chgLayout">
+        <pc:chgData name="Jack Ruzekowicz" userId="d2d0bd53-fe77-44a0-bff6-5fd9e49ad306" providerId="ADAL" clId="{0DA5E98E-CEA0-4ED6-9C3A-97BDF695BA18}" dt="2024-09-06T21:15:59.479" v="882" actId="700"/>
         <pc:sldMkLst>
           <pc:docMk/>
           <pc:sldMk cId="1091884933" sldId="410"/>
@@ -962,22 +1168,38 @@
           </ac:spMkLst>
         </pc:spChg>
       </pc:sldChg>
-      <pc:sldChg chg="addSp modSp new mod">
-        <pc:chgData name="Jack Ruzekowicz" userId="d2d0bd53-fe77-44a0-bff6-5fd9e49ad306" providerId="ADAL" clId="{0DA5E98E-CEA0-4ED6-9C3A-97BDF695BA18}" dt="2024-08-26T23:46:36.613" v="583" actId="122"/>
+      <pc:sldChg chg="addSp delSp modSp new mod modClrScheme chgLayout">
+        <pc:chgData name="Jack Ruzekowicz" userId="d2d0bd53-fe77-44a0-bff6-5fd9e49ad306" providerId="ADAL" clId="{0DA5E98E-CEA0-4ED6-9C3A-97BDF695BA18}" dt="2024-09-06T21:15:14.991" v="874" actId="700"/>
         <pc:sldMkLst>
           <pc:docMk/>
           <pc:sldMk cId="3308027752" sldId="411"/>
         </pc:sldMkLst>
         <pc:spChg chg="add mod">
-          <ac:chgData name="Jack Ruzekowicz" userId="d2d0bd53-fe77-44a0-bff6-5fd9e49ad306" providerId="ADAL" clId="{0DA5E98E-CEA0-4ED6-9C3A-97BDF695BA18}" dt="2024-08-26T23:46:36.613" v="583" actId="122"/>
+          <ac:chgData name="Jack Ruzekowicz" userId="d2d0bd53-fe77-44a0-bff6-5fd9e49ad306" providerId="ADAL" clId="{0DA5E98E-CEA0-4ED6-9C3A-97BDF695BA18}" dt="2024-09-06T21:05:27.807" v="817" actId="20577"/>
           <ac:spMkLst>
             <pc:docMk/>
             <pc:sldMk cId="3308027752" sldId="411"/>
             <ac:spMk id="2" creationId="{BC39DF0C-3F5D-8089-EE43-7B5F4782B1E2}"/>
           </ac:spMkLst>
         </pc:spChg>
+        <pc:picChg chg="add">
+          <ac:chgData name="Jack Ruzekowicz" userId="d2d0bd53-fe77-44a0-bff6-5fd9e49ad306" providerId="ADAL" clId="{0DA5E98E-CEA0-4ED6-9C3A-97BDF695BA18}" dt="2024-09-06T21:03:18.880" v="803"/>
+          <ac:picMkLst>
+            <pc:docMk/>
+            <pc:sldMk cId="3308027752" sldId="411"/>
+            <ac:picMk id="1026" creationId="{1226C4B1-EA62-B086-821C-8234C8B00860}"/>
+          </ac:picMkLst>
+        </pc:picChg>
         <pc:picChg chg="add mod">
-          <ac:chgData name="Jack Ruzekowicz" userId="d2d0bd53-fe77-44a0-bff6-5fd9e49ad306" providerId="ADAL" clId="{0DA5E98E-CEA0-4ED6-9C3A-97BDF695BA18}" dt="2024-08-26T23:42:43.218" v="357" actId="1076"/>
+          <ac:chgData name="Jack Ruzekowicz" userId="d2d0bd53-fe77-44a0-bff6-5fd9e49ad306" providerId="ADAL" clId="{0DA5E98E-CEA0-4ED6-9C3A-97BDF695BA18}" dt="2024-09-06T21:03:27.846" v="806" actId="1076"/>
+          <ac:picMkLst>
+            <pc:docMk/>
+            <pc:sldMk cId="3308027752" sldId="411"/>
+            <ac:picMk id="1028" creationId="{D38A2426-8A2F-6671-3244-393998DE3431}"/>
+          </ac:picMkLst>
+        </pc:picChg>
+        <pc:picChg chg="add del mod">
+          <ac:chgData name="Jack Ruzekowicz" userId="d2d0bd53-fe77-44a0-bff6-5fd9e49ad306" providerId="ADAL" clId="{0DA5E98E-CEA0-4ED6-9C3A-97BDF695BA18}" dt="2024-09-06T21:03:23.827" v="804" actId="478"/>
           <ac:picMkLst>
             <pc:docMk/>
             <pc:sldMk cId="3308027752" sldId="411"/>
@@ -985,31 +1207,39 @@
           </ac:picMkLst>
         </pc:picChg>
       </pc:sldChg>
-      <pc:sldChg chg="addSp modSp new mod">
-        <pc:chgData name="Jack Ruzekowicz" userId="d2d0bd53-fe77-44a0-bff6-5fd9e49ad306" providerId="ADAL" clId="{0DA5E98E-CEA0-4ED6-9C3A-97BDF695BA18}" dt="2024-08-26T23:48:11.019" v="618" actId="1038"/>
+      <pc:sldChg chg="addSp delSp modSp new mod modClrScheme chgLayout">
+        <pc:chgData name="Jack Ruzekowicz" userId="d2d0bd53-fe77-44a0-bff6-5fd9e49ad306" providerId="ADAL" clId="{0DA5E98E-CEA0-4ED6-9C3A-97BDF695BA18}" dt="2024-09-06T21:15:27.245" v="875" actId="700"/>
         <pc:sldMkLst>
           <pc:docMk/>
           <pc:sldMk cId="2002264308" sldId="412"/>
         </pc:sldMkLst>
         <pc:spChg chg="add mod">
-          <ac:chgData name="Jack Ruzekowicz" userId="d2d0bd53-fe77-44a0-bff6-5fd9e49ad306" providerId="ADAL" clId="{0DA5E98E-CEA0-4ED6-9C3A-97BDF695BA18}" dt="2024-08-26T23:47:23.748" v="614" actId="1076"/>
+          <ac:chgData name="Jack Ruzekowicz" userId="d2d0bd53-fe77-44a0-bff6-5fd9e49ad306" providerId="ADAL" clId="{0DA5E98E-CEA0-4ED6-9C3A-97BDF695BA18}" dt="2024-09-06T21:07:01.901" v="844" actId="20577"/>
           <ac:spMkLst>
             <pc:docMk/>
             <pc:sldMk cId="2002264308" sldId="412"/>
             <ac:spMk id="3" creationId="{F958B001-C038-DE34-5098-1C2796E94624}"/>
           </ac:spMkLst>
         </pc:spChg>
-        <pc:picChg chg="add mod">
-          <ac:chgData name="Jack Ruzekowicz" userId="d2d0bd53-fe77-44a0-bff6-5fd9e49ad306" providerId="ADAL" clId="{0DA5E98E-CEA0-4ED6-9C3A-97BDF695BA18}" dt="2024-08-26T23:48:11.019" v="618" actId="1038"/>
+        <pc:picChg chg="add del mod">
+          <ac:chgData name="Jack Ruzekowicz" userId="d2d0bd53-fe77-44a0-bff6-5fd9e49ad306" providerId="ADAL" clId="{0DA5E98E-CEA0-4ED6-9C3A-97BDF695BA18}" dt="2024-09-06T21:05:01.717" v="807" actId="478"/>
           <ac:picMkLst>
             <pc:docMk/>
             <pc:sldMk cId="2002264308" sldId="412"/>
             <ac:picMk id="2" creationId="{D747779B-79DB-16E8-D612-2934267B5EB2}"/>
           </ac:picMkLst>
         </pc:picChg>
+        <pc:picChg chg="add">
+          <ac:chgData name="Jack Ruzekowicz" userId="d2d0bd53-fe77-44a0-bff6-5fd9e49ad306" providerId="ADAL" clId="{0DA5E98E-CEA0-4ED6-9C3A-97BDF695BA18}" dt="2024-09-06T21:05:02.849" v="808"/>
+          <ac:picMkLst>
+            <pc:docMk/>
+            <pc:sldMk cId="2002264308" sldId="412"/>
+            <ac:picMk id="2050" creationId="{1E8AD506-7E6F-AC06-45F6-AD8B002912B3}"/>
+          </ac:picMkLst>
+        </pc:picChg>
       </pc:sldChg>
-      <pc:sldChg chg="addSp delSp modSp new mod">
-        <pc:chgData name="Jack Ruzekowicz" userId="d2d0bd53-fe77-44a0-bff6-5fd9e49ad306" providerId="ADAL" clId="{0DA5E98E-CEA0-4ED6-9C3A-97BDF695BA18}" dt="2024-08-27T00:02:27.634" v="625" actId="20577"/>
+      <pc:sldChg chg="addSp delSp modSp new del mod">
+        <pc:chgData name="Jack Ruzekowicz" userId="d2d0bd53-fe77-44a0-bff6-5fd9e49ad306" providerId="ADAL" clId="{0DA5E98E-CEA0-4ED6-9C3A-97BDF695BA18}" dt="2024-09-06T21:05:33.379" v="818" actId="47"/>
         <pc:sldMkLst>
           <pc:docMk/>
           <pc:sldMk cId="296057206" sldId="413"/>
@@ -1047,8 +1277,8 @@
           </ac:picMkLst>
         </pc:picChg>
       </pc:sldChg>
-      <pc:sldChg chg="addSp modSp new mod">
-        <pc:chgData name="Jack Ruzekowicz" userId="d2d0bd53-fe77-44a0-bff6-5fd9e49ad306" providerId="ADAL" clId="{0DA5E98E-CEA0-4ED6-9C3A-97BDF695BA18}" dt="2024-08-26T18:40:26.780" v="150" actId="20577"/>
+      <pc:sldChg chg="addSp modSp new mod modClrScheme chgLayout">
+        <pc:chgData name="Jack Ruzekowicz" userId="d2d0bd53-fe77-44a0-bff6-5fd9e49ad306" providerId="ADAL" clId="{0DA5E98E-CEA0-4ED6-9C3A-97BDF695BA18}" dt="2024-09-06T21:15:02.193" v="873" actId="700"/>
         <pc:sldMkLst>
           <pc:docMk/>
           <pc:sldMk cId="3499906704" sldId="414"/>
@@ -1062,8 +1292,8 @@
           </ac:spMkLst>
         </pc:spChg>
       </pc:sldChg>
-      <pc:sldChg chg="addSp delSp modSp new mod">
-        <pc:chgData name="Jack Ruzekowicz" userId="d2d0bd53-fe77-44a0-bff6-5fd9e49ad306" providerId="ADAL" clId="{0DA5E98E-CEA0-4ED6-9C3A-97BDF695BA18}" dt="2024-08-26T19:10:43.490" v="201" actId="1076"/>
+      <pc:sldChg chg="addSp delSp modSp new mod modClrScheme chgLayout">
+        <pc:chgData name="Jack Ruzekowicz" userId="d2d0bd53-fe77-44a0-bff6-5fd9e49ad306" providerId="ADAL" clId="{0DA5E98E-CEA0-4ED6-9C3A-97BDF695BA18}" dt="2024-09-06T21:15:32.826" v="876" actId="700"/>
         <pc:sldMkLst>
           <pc:docMk/>
           <pc:sldMk cId="3413482869" sldId="415"/>
@@ -1085,8 +1315,8 @@
           </ac:picMkLst>
         </pc:picChg>
       </pc:sldChg>
-      <pc:sldChg chg="addSp modSp new mod">
-        <pc:chgData name="Jack Ruzekowicz" userId="d2d0bd53-fe77-44a0-bff6-5fd9e49ad306" providerId="ADAL" clId="{0DA5E98E-CEA0-4ED6-9C3A-97BDF695BA18}" dt="2024-08-27T01:49:00.720" v="723" actId="20577"/>
+      <pc:sldChg chg="addSp modSp new mod modClrScheme chgLayout">
+        <pc:chgData name="Jack Ruzekowicz" userId="d2d0bd53-fe77-44a0-bff6-5fd9e49ad306" providerId="ADAL" clId="{0DA5E98E-CEA0-4ED6-9C3A-97BDF695BA18}" dt="2024-09-06T21:15:46.141" v="879" actId="700"/>
         <pc:sldMkLst>
           <pc:docMk/>
           <pc:sldMk cId="896129942" sldId="416"/>
@@ -1100,95 +1330,127 @@
           </ac:spMkLst>
         </pc:spChg>
       </pc:sldChg>
-      <pc:sldChg chg="addSp modSp new mod">
-        <pc:chgData name="Jack Ruzekowicz" userId="d2d0bd53-fe77-44a0-bff6-5fd9e49ad306" providerId="ADAL" clId="{0DA5E98E-CEA0-4ED6-9C3A-97BDF695BA18}" dt="2024-08-27T01:44:42.936" v="704" actId="20577"/>
+      <pc:sldChg chg="addSp delSp modSp new mod modClrScheme chgLayout">
+        <pc:chgData name="Jack Ruzekowicz" userId="d2d0bd53-fe77-44a0-bff6-5fd9e49ad306" providerId="ADAL" clId="{0DA5E98E-CEA0-4ED6-9C3A-97BDF695BA18}" dt="2024-09-06T21:15:37.903" v="877" actId="700"/>
         <pc:sldMkLst>
           <pc:docMk/>
           <pc:sldMk cId="2102227046" sldId="417"/>
         </pc:sldMkLst>
         <pc:spChg chg="add mod">
-          <ac:chgData name="Jack Ruzekowicz" userId="d2d0bd53-fe77-44a0-bff6-5fd9e49ad306" providerId="ADAL" clId="{0DA5E98E-CEA0-4ED6-9C3A-97BDF695BA18}" dt="2024-08-27T01:44:42.936" v="704" actId="20577"/>
+          <ac:chgData name="Jack Ruzekowicz" userId="d2d0bd53-fe77-44a0-bff6-5fd9e49ad306" providerId="ADAL" clId="{0DA5E98E-CEA0-4ED6-9C3A-97BDF695BA18}" dt="2024-09-06T21:05:45.506" v="823" actId="20577"/>
           <ac:spMkLst>
             <pc:docMk/>
             <pc:sldMk cId="2102227046" sldId="417"/>
             <ac:spMk id="3" creationId="{48DCFD48-67D9-6B80-4EA0-0555E8D5489D}"/>
           </ac:spMkLst>
         </pc:spChg>
-        <pc:picChg chg="add">
-          <ac:chgData name="Jack Ruzekowicz" userId="d2d0bd53-fe77-44a0-bff6-5fd9e49ad306" providerId="ADAL" clId="{0DA5E98E-CEA0-4ED6-9C3A-97BDF695BA18}" dt="2024-08-26T19:13:48.640" v="203"/>
+        <pc:picChg chg="add del">
+          <ac:chgData name="Jack Ruzekowicz" userId="d2d0bd53-fe77-44a0-bff6-5fd9e49ad306" providerId="ADAL" clId="{0DA5E98E-CEA0-4ED6-9C3A-97BDF695BA18}" dt="2024-09-06T21:07:10.947" v="845" actId="478"/>
           <ac:picMkLst>
             <pc:docMk/>
             <pc:sldMk cId="2102227046" sldId="417"/>
             <ac:picMk id="2" creationId="{156FF4DD-BA39-F4C7-98FB-042CD885F6C1}"/>
           </ac:picMkLst>
         </pc:picChg>
+        <pc:picChg chg="add mod">
+          <ac:chgData name="Jack Ruzekowicz" userId="d2d0bd53-fe77-44a0-bff6-5fd9e49ad306" providerId="ADAL" clId="{0DA5E98E-CEA0-4ED6-9C3A-97BDF695BA18}" dt="2024-09-06T21:07:44.051" v="847" actId="1076"/>
+          <ac:picMkLst>
+            <pc:docMk/>
+            <pc:sldMk cId="2102227046" sldId="417"/>
+            <ac:picMk id="3074" creationId="{D3560410-4D61-D4AD-4288-193AB3B7471C}"/>
+          </ac:picMkLst>
+        </pc:picChg>
       </pc:sldChg>
-      <pc:sldChg chg="addSp modSp new mod">
-        <pc:chgData name="Jack Ruzekowicz" userId="d2d0bd53-fe77-44a0-bff6-5fd9e49ad306" providerId="ADAL" clId="{0DA5E98E-CEA0-4ED6-9C3A-97BDF695BA18}" dt="2024-08-27T01:44:11.100" v="690" actId="20577"/>
+      <pc:sldChg chg="addSp delSp modSp new mod modClrScheme chgLayout">
+        <pc:chgData name="Jack Ruzekowicz" userId="d2d0bd53-fe77-44a0-bff6-5fd9e49ad306" providerId="ADAL" clId="{0DA5E98E-CEA0-4ED6-9C3A-97BDF695BA18}" dt="2024-09-06T21:15:41.853" v="878" actId="700"/>
         <pc:sldMkLst>
           <pc:docMk/>
           <pc:sldMk cId="1820511277" sldId="418"/>
         </pc:sldMkLst>
         <pc:spChg chg="add mod">
-          <ac:chgData name="Jack Ruzekowicz" userId="d2d0bd53-fe77-44a0-bff6-5fd9e49ad306" providerId="ADAL" clId="{0DA5E98E-CEA0-4ED6-9C3A-97BDF695BA18}" dt="2024-08-27T01:44:11.100" v="690" actId="20577"/>
+          <ac:chgData name="Jack Ruzekowicz" userId="d2d0bd53-fe77-44a0-bff6-5fd9e49ad306" providerId="ADAL" clId="{0DA5E98E-CEA0-4ED6-9C3A-97BDF695BA18}" dt="2024-09-06T21:06:52.661" v="843" actId="20577"/>
           <ac:spMkLst>
             <pc:docMk/>
             <pc:sldMk cId="1820511277" sldId="418"/>
             <ac:spMk id="3" creationId="{3F0B3D5C-0DA3-5371-EC06-B59F7580B432}"/>
           </ac:spMkLst>
         </pc:spChg>
-        <pc:picChg chg="add">
-          <ac:chgData name="Jack Ruzekowicz" userId="d2d0bd53-fe77-44a0-bff6-5fd9e49ad306" providerId="ADAL" clId="{0DA5E98E-CEA0-4ED6-9C3A-97BDF695BA18}" dt="2024-08-26T19:14:18.026" v="205"/>
+        <pc:picChg chg="add del">
+          <ac:chgData name="Jack Ruzekowicz" userId="d2d0bd53-fe77-44a0-bff6-5fd9e49ad306" providerId="ADAL" clId="{0DA5E98E-CEA0-4ED6-9C3A-97BDF695BA18}" dt="2024-09-06T21:07:49.059" v="848" actId="478"/>
           <ac:picMkLst>
             <pc:docMk/>
             <pc:sldMk cId="1820511277" sldId="418"/>
             <ac:picMk id="2" creationId="{C216B790-6AA6-31E5-E5C1-7BE684B93665}"/>
           </ac:picMkLst>
         </pc:picChg>
+        <pc:picChg chg="add">
+          <ac:chgData name="Jack Ruzekowicz" userId="d2d0bd53-fe77-44a0-bff6-5fd9e49ad306" providerId="ADAL" clId="{0DA5E98E-CEA0-4ED6-9C3A-97BDF695BA18}" dt="2024-09-06T21:08:00.235" v="849"/>
+          <ac:picMkLst>
+            <pc:docMk/>
+            <pc:sldMk cId="1820511277" sldId="418"/>
+            <ac:picMk id="4098" creationId="{1C4BD9E8-BC44-5119-DAB6-65BFDE1FF295}"/>
+          </ac:picMkLst>
+        </pc:picChg>
       </pc:sldChg>
-      <pc:sldChg chg="addSp modSp new mod">
-        <pc:chgData name="Jack Ruzekowicz" userId="d2d0bd53-fe77-44a0-bff6-5fd9e49ad306" providerId="ADAL" clId="{0DA5E98E-CEA0-4ED6-9C3A-97BDF695BA18}" dt="2024-08-27T01:47:25.202" v="715" actId="20577"/>
+      <pc:sldChg chg="addSp delSp modSp new mod modClrScheme chgLayout">
+        <pc:chgData name="Jack Ruzekowicz" userId="d2d0bd53-fe77-44a0-bff6-5fd9e49ad306" providerId="ADAL" clId="{0DA5E98E-CEA0-4ED6-9C3A-97BDF695BA18}" dt="2024-09-06T21:15:50.136" v="880" actId="700"/>
         <pc:sldMkLst>
           <pc:docMk/>
           <pc:sldMk cId="3661765130" sldId="419"/>
         </pc:sldMkLst>
         <pc:spChg chg="add mod">
-          <ac:chgData name="Jack Ruzekowicz" userId="d2d0bd53-fe77-44a0-bff6-5fd9e49ad306" providerId="ADAL" clId="{0DA5E98E-CEA0-4ED6-9C3A-97BDF695BA18}" dt="2024-08-27T01:47:25.202" v="715" actId="20577"/>
+          <ac:chgData name="Jack Ruzekowicz" userId="d2d0bd53-fe77-44a0-bff6-5fd9e49ad306" providerId="ADAL" clId="{0DA5E98E-CEA0-4ED6-9C3A-97BDF695BA18}" dt="2024-09-06T21:08:50.429" v="858" actId="20577"/>
           <ac:spMkLst>
             <pc:docMk/>
             <pc:sldMk cId="3661765130" sldId="419"/>
             <ac:spMk id="3" creationId="{3F9BFEA8-806D-3CB8-42C7-D616CA2477C8}"/>
           </ac:spMkLst>
         </pc:spChg>
-        <pc:picChg chg="add">
-          <ac:chgData name="Jack Ruzekowicz" userId="d2d0bd53-fe77-44a0-bff6-5fd9e49ad306" providerId="ADAL" clId="{0DA5E98E-CEA0-4ED6-9C3A-97BDF695BA18}" dt="2024-08-26T19:15:46.382" v="207"/>
+        <pc:picChg chg="add del">
+          <ac:chgData name="Jack Ruzekowicz" userId="d2d0bd53-fe77-44a0-bff6-5fd9e49ad306" providerId="ADAL" clId="{0DA5E98E-CEA0-4ED6-9C3A-97BDF695BA18}" dt="2024-09-06T21:09:16.913" v="868" actId="478"/>
           <ac:picMkLst>
             <pc:docMk/>
             <pc:sldMk cId="3661765130" sldId="419"/>
             <ac:picMk id="2" creationId="{520F7099-6147-72B9-88C0-16F1D6A3DDFD}"/>
           </ac:picMkLst>
         </pc:picChg>
+        <pc:picChg chg="add mod">
+          <ac:chgData name="Jack Ruzekowicz" userId="d2d0bd53-fe77-44a0-bff6-5fd9e49ad306" providerId="ADAL" clId="{0DA5E98E-CEA0-4ED6-9C3A-97BDF695BA18}" dt="2024-09-06T21:09:33.543" v="870" actId="1076"/>
+          <ac:picMkLst>
+            <pc:docMk/>
+            <pc:sldMk cId="3661765130" sldId="419"/>
+            <ac:picMk id="5122" creationId="{84488649-FBF4-3D1D-FCE3-2CF779F6A96E}"/>
+          </ac:picMkLst>
+        </pc:picChg>
       </pc:sldChg>
-      <pc:sldChg chg="addSp modSp new mod">
-        <pc:chgData name="Jack Ruzekowicz" userId="d2d0bd53-fe77-44a0-bff6-5fd9e49ad306" providerId="ADAL" clId="{0DA5E98E-CEA0-4ED6-9C3A-97BDF695BA18}" dt="2024-08-27T01:49:58.633" v="732" actId="20577"/>
+      <pc:sldChg chg="addSp delSp modSp new mod modClrScheme chgLayout">
+        <pc:chgData name="Jack Ruzekowicz" userId="d2d0bd53-fe77-44a0-bff6-5fd9e49ad306" providerId="ADAL" clId="{0DA5E98E-CEA0-4ED6-9C3A-97BDF695BA18}" dt="2024-09-06T21:15:55.035" v="881" actId="700"/>
         <pc:sldMkLst>
           <pc:docMk/>
           <pc:sldMk cId="4001056247" sldId="420"/>
         </pc:sldMkLst>
         <pc:spChg chg="add mod">
-          <ac:chgData name="Jack Ruzekowicz" userId="d2d0bd53-fe77-44a0-bff6-5fd9e49ad306" providerId="ADAL" clId="{0DA5E98E-CEA0-4ED6-9C3A-97BDF695BA18}" dt="2024-08-27T01:49:58.633" v="732" actId="20577"/>
+          <ac:chgData name="Jack Ruzekowicz" userId="d2d0bd53-fe77-44a0-bff6-5fd9e49ad306" providerId="ADAL" clId="{0DA5E98E-CEA0-4ED6-9C3A-97BDF695BA18}" dt="2024-09-06T21:09:12.687" v="867" actId="20577"/>
           <ac:spMkLst>
             <pc:docMk/>
             <pc:sldMk cId="4001056247" sldId="420"/>
             <ac:spMk id="3" creationId="{E6E41DF4-BC5E-A9CE-400D-3C0E95E4880F}"/>
           </ac:spMkLst>
         </pc:spChg>
-        <pc:picChg chg="add">
-          <ac:chgData name="Jack Ruzekowicz" userId="d2d0bd53-fe77-44a0-bff6-5fd9e49ad306" providerId="ADAL" clId="{0DA5E98E-CEA0-4ED6-9C3A-97BDF695BA18}" dt="2024-08-26T19:16:23.941" v="209"/>
+        <pc:picChg chg="add del">
+          <ac:chgData name="Jack Ruzekowicz" userId="d2d0bd53-fe77-44a0-bff6-5fd9e49ad306" providerId="ADAL" clId="{0DA5E98E-CEA0-4ED6-9C3A-97BDF695BA18}" dt="2024-09-06T21:11:39.901" v="871" actId="478"/>
           <ac:picMkLst>
             <pc:docMk/>
             <pc:sldMk cId="4001056247" sldId="420"/>
             <ac:picMk id="2" creationId="{653B713E-4E7B-8888-7664-07644F541C67}"/>
+          </ac:picMkLst>
+        </pc:picChg>
+        <pc:picChg chg="add">
+          <ac:chgData name="Jack Ruzekowicz" userId="d2d0bd53-fe77-44a0-bff6-5fd9e49ad306" providerId="ADAL" clId="{0DA5E98E-CEA0-4ED6-9C3A-97BDF695BA18}" dt="2024-09-06T21:11:40.866" v="872"/>
+          <ac:picMkLst>
+            <pc:docMk/>
+            <pc:sldMk cId="4001056247" sldId="420"/>
+            <ac:picMk id="6146" creationId="{09C5620E-8662-CFFF-67BF-65F48D2FA93C}"/>
           </ac:picMkLst>
         </pc:picChg>
       </pc:sldChg>
@@ -1681,7 +1943,7 @@
           <a:p>
             <a:fld id="{0BFE824E-63EA-43DF-86D0-F3E6FA1EF52D}" type="datetimeFigureOut">
               <a:rPr lang="en-US" smtClean="0"/>
-              <a:t>8/26/2024</a:t>
+              <a:t>8/28/2024</a:t>
             </a:fld>
             <a:endParaRPr lang="en-US"/>
           </a:p>
@@ -2059,12 +2321,7 @@
             <p:ph type="sldImg"/>
           </p:nvPr>
         </p:nvSpPr>
-        <p:spPr>
-          <a:xfrm>
-            <a:off x="381000" y="685800"/>
-            <a:ext cx="6096000" cy="3429000"/>
-          </a:xfrm>
-        </p:spPr>
+        <p:spPr/>
       </p:sp>
       <p:sp>
         <p:nvSpPr>
@@ -2081,116 +2338,8 @@
           <a:bodyPr/>
           <a:lstStyle/>
           <a:p>
-            <a:r>
-              <a:rPr lang="en-US" dirty="0"/>
-              <a:t>These are</a:t>
-            </a:r>
-            <a:r>
-              <a:rPr lang="en-US" baseline="0" dirty="0"/>
-              <a:t> UCS’s ten brand colors (not including black and shades of gray). </a:t>
-            </a:r>
-          </a:p>
-          <a:p>
-            <a:r>
-              <a:rPr lang="en-US" baseline="0" dirty="0"/>
-              <a:t>Do not use them for text (not as much contrast as white) except as an accent. </a:t>
-            </a:r>
-          </a:p>
-          <a:p>
-            <a:r>
-              <a:rPr lang="en-US" baseline="0" dirty="0"/>
-              <a:t>Do use them for graphics, accents, and other visual elements.</a:t>
-            </a:r>
-            <a:r>
-              <a:rPr lang="en-US" dirty="0"/>
-              <a:t> </a:t>
-            </a:r>
-          </a:p>
-          <a:p>
             <a:endParaRPr lang="en-US" dirty="0"/>
           </a:p>
-          <a:p>
-            <a:r>
-              <a:rPr lang="en-US" dirty="0"/>
-              <a:t>Orange, dark green, indigo, medium blue, and cyan are used as accent colors for UCS publications. These colors are also provided as Microsoft Office palette files to get you partway to using UCS colors in your project. R/G/B values for additional UCS colors are provided in this slide.</a:t>
-            </a:r>
-            <a:endParaRPr lang="en-US" baseline="0" dirty="0"/>
-          </a:p>
-          <a:p>
-            <a:endParaRPr lang="en-US" baseline="0" dirty="0"/>
-          </a:p>
-          <a:p>
-            <a:r>
-              <a:rPr lang="en-US" dirty="0"/>
-              <a:t>To install the UCS color palettes onto your computer, save the files in the following folder</a:t>
-            </a:r>
-            <a:r>
-              <a:rPr lang="en-US" baseline="0" dirty="0"/>
-              <a:t> (note that you may need to enable seeing hidden folders the directories):</a:t>
-            </a:r>
-            <a:endParaRPr lang="en-US" dirty="0"/>
-          </a:p>
-          <a:p>
-            <a:r>
-              <a:rPr lang="en-US" b="1" dirty="0"/>
-              <a:t>Windows - C:\Users\[your name]\</a:t>
-            </a:r>
-            <a:r>
-              <a:rPr lang="en-US" b="1" dirty="0" err="1"/>
-              <a:t>AppData</a:t>
-            </a:r>
-            <a:r>
-              <a:rPr lang="en-US" b="1" dirty="0"/>
-              <a:t>\Roaming\Microsoft\Templates\Document Themes\Theme Colors</a:t>
-            </a:r>
-          </a:p>
-          <a:p>
-            <a:pPr marL="0" marR="0" lvl="0" indent="0" algn="l" defTabSz="914400" rtl="0" eaLnBrk="1" fontAlgn="auto" latinLnBrk="0" hangingPunct="1">
-              <a:lnSpc>
-                <a:spcPct val="100000"/>
-              </a:lnSpc>
-              <a:spcBef>
-                <a:spcPts val="0"/>
-              </a:spcBef>
-              <a:spcAft>
-                <a:spcPts val="0"/>
-              </a:spcAft>
-              <a:buClrTx/>
-              <a:buSzTx/>
-              <a:buFontTx/>
-              <a:buNone/>
-              <a:tabLst/>
-              <a:defRPr/>
-            </a:pPr>
-            <a:r>
-              <a:rPr lang="en-US" b="1" dirty="0"/>
-              <a:t>Mac – Library\Group Containers\Office\User Content\Themes\Theme Colors</a:t>
-            </a:r>
-          </a:p>
-          <a:p>
-            <a:endParaRPr lang="en-US" dirty="0"/>
-          </a:p>
-          <a:p>
-            <a:r>
-              <a:rPr lang="en-US" dirty="0"/>
-              <a:t>You may need to restart your Microsoft Office programs in order to begin seeing the new palettes. Contact Cynthia if you need assistance installing these files.</a:t>
-            </a:r>
-          </a:p>
-          <a:p>
-            <a:endParaRPr lang="en-US" dirty="0"/>
-          </a:p>
-          <a:p>
-            <a:endParaRPr lang="en-US" baseline="0" dirty="0"/>
-          </a:p>
-          <a:p>
-            <a:endParaRPr lang="en-US" baseline="0" dirty="0"/>
-          </a:p>
-          <a:p>
-            <a:endParaRPr lang="en-US" baseline="0" dirty="0"/>
-          </a:p>
-          <a:p>
-            <a:endParaRPr lang="en-US" dirty="0"/>
-          </a:p>
         </p:txBody>
       </p:sp>
       <p:sp>
@@ -2200,7 +2349,7 @@
             <a:spLocks noGrp="1"/>
           </p:cNvSpPr>
           <p:nvPr>
-            <p:ph type="sldNum" sz="quarter" idx="10"/>
+            <p:ph type="sldNum" sz="quarter" idx="5"/>
           </p:nvPr>
         </p:nvSpPr>
         <p:spPr/>
@@ -2210,7 +2359,7 @@
           <a:p>
             <a:fld id="{9E104D0F-F07C-450D-8DE4-E7F416492908}" type="slidenum">
               <a:rPr lang="en-US" smtClean="0"/>
-              <a:t>2</a:t>
+              <a:t>11</a:t>
             </a:fld>
             <a:endParaRPr lang="en-US"/>
           </a:p>
@@ -2219,7 +2368,7 @@
     </p:spTree>
     <p:extLst>
       <p:ext uri="{BB962C8B-B14F-4D97-AF65-F5344CB8AC3E}">
-        <p14:creationId xmlns:p14="http://schemas.microsoft.com/office/powerpoint/2010/main" val="3682886562"/>
+        <p14:creationId xmlns:p14="http://schemas.microsoft.com/office/powerpoint/2010/main" val="377765105"/>
       </p:ext>
     </p:extLst>
   </p:cSld>
@@ -2294,7 +2443,7 @@
           <a:p>
             <a:fld id="{9E104D0F-F07C-450D-8DE4-E7F416492908}" type="slidenum">
               <a:rPr lang="en-US" smtClean="0"/>
-              <a:t>13</a:t>
+              <a:t>12</a:t>
             </a:fld>
             <a:endParaRPr lang="en-US"/>
           </a:p>
@@ -2303,7 +2452,7 @@
     </p:spTree>
     <p:extLst>
       <p:ext uri="{BB962C8B-B14F-4D97-AF65-F5344CB8AC3E}">
-        <p14:creationId xmlns:p14="http://schemas.microsoft.com/office/powerpoint/2010/main" val="377765105"/>
+        <p14:creationId xmlns:p14="http://schemas.microsoft.com/office/powerpoint/2010/main" val="258524515"/>
       </p:ext>
     </p:extLst>
   </p:cSld>
@@ -2378,7 +2527,7 @@
           <a:p>
             <a:fld id="{9E104D0F-F07C-450D-8DE4-E7F416492908}" type="slidenum">
               <a:rPr lang="en-US" smtClean="0"/>
-              <a:t>14</a:t>
+              <a:t>18</a:t>
             </a:fld>
             <a:endParaRPr lang="en-US"/>
           </a:p>
@@ -2387,7 +2536,7 @@
     </p:spTree>
     <p:extLst>
       <p:ext uri="{BB962C8B-B14F-4D97-AF65-F5344CB8AC3E}">
-        <p14:creationId xmlns:p14="http://schemas.microsoft.com/office/powerpoint/2010/main" val="258524515"/>
+        <p14:creationId xmlns:p14="http://schemas.microsoft.com/office/powerpoint/2010/main" val="1474566591"/>
       </p:ext>
     </p:extLst>
   </p:cSld>
@@ -2462,91 +2611,7 @@
           <a:p>
             <a:fld id="{9E104D0F-F07C-450D-8DE4-E7F416492908}" type="slidenum">
               <a:rPr lang="en-US" smtClean="0"/>
-              <a:t>20</a:t>
-            </a:fld>
-            <a:endParaRPr lang="en-US"/>
-          </a:p>
-        </p:txBody>
-      </p:sp>
-    </p:spTree>
-    <p:extLst>
-      <p:ext uri="{BB962C8B-B14F-4D97-AF65-F5344CB8AC3E}">
-        <p14:creationId xmlns:p14="http://schemas.microsoft.com/office/powerpoint/2010/main" val="1474566591"/>
-      </p:ext>
-    </p:extLst>
-  </p:cSld>
-  <p:clrMapOvr>
-    <a:masterClrMapping/>
-  </p:clrMapOvr>
-</p:notes>
-</file>
-
-<file path=ppt/notesSlides/notesSlide6.xml><?xml version="1.0" encoding="utf-8"?>
-<p:notes xmlns:a="http://schemas.openxmlformats.org/drawingml/2006/main" xmlns:r="http://schemas.openxmlformats.org/officeDocument/2006/relationships" xmlns:p="http://schemas.openxmlformats.org/presentationml/2006/main">
-  <p:cSld>
-    <p:spTree>
-      <p:nvGrpSpPr>
-        <p:cNvPr id="1" name=""/>
-        <p:cNvGrpSpPr/>
-        <p:nvPr/>
-      </p:nvGrpSpPr>
-      <p:grpSpPr>
-        <a:xfrm>
-          <a:off x="0" y="0"/>
-          <a:ext cx="0" cy="0"/>
-          <a:chOff x="0" y="0"/>
-          <a:chExt cx="0" cy="0"/>
-        </a:xfrm>
-      </p:grpSpPr>
-      <p:sp>
-        <p:nvSpPr>
-          <p:cNvPr id="2" name="Slide Image Placeholder 1"/>
-          <p:cNvSpPr>
-            <a:spLocks noGrp="1" noRot="1" noChangeAspect="1"/>
-          </p:cNvSpPr>
-          <p:nvPr>
-            <p:ph type="sldImg"/>
-          </p:nvPr>
-        </p:nvSpPr>
-        <p:spPr/>
-      </p:sp>
-      <p:sp>
-        <p:nvSpPr>
-          <p:cNvPr id="3" name="Notes Placeholder 2"/>
-          <p:cNvSpPr>
-            <a:spLocks noGrp="1"/>
-          </p:cNvSpPr>
-          <p:nvPr>
-            <p:ph type="body" idx="1"/>
-          </p:nvPr>
-        </p:nvSpPr>
-        <p:spPr/>
-        <p:txBody>
-          <a:bodyPr/>
-          <a:lstStyle/>
-          <a:p>
-            <a:endParaRPr lang="en-US" dirty="0"/>
-          </a:p>
-        </p:txBody>
-      </p:sp>
-      <p:sp>
-        <p:nvSpPr>
-          <p:cNvPr id="4" name="Slide Number Placeholder 3"/>
-          <p:cNvSpPr>
-            <a:spLocks noGrp="1"/>
-          </p:cNvSpPr>
-          <p:nvPr>
-            <p:ph type="sldNum" sz="quarter" idx="5"/>
-          </p:nvPr>
-        </p:nvSpPr>
-        <p:spPr/>
-        <p:txBody>
-          <a:bodyPr/>
-          <a:lstStyle/>
-          <a:p>
-            <a:fld id="{9E104D0F-F07C-450D-8DE4-E7F416492908}" type="slidenum">
-              <a:rPr lang="en-US" smtClean="0"/>
-              <a:t>21</a:t>
+              <a:t>19</a:t>
             </a:fld>
             <a:endParaRPr lang="en-US"/>
           </a:p>
@@ -2947,7 +3012,7 @@
           <a:p>
             <a:fld id="{77B49959-1422-F54F-BD61-6C9CC9D1405D}" type="datetimeFigureOut">
               <a:rPr lang="en-US" smtClean="0"/>
-              <a:t>8/26/2024</a:t>
+              <a:t>8/28/2024</a:t>
             </a:fld>
             <a:endParaRPr lang="en-US"/>
           </a:p>
@@ -3185,7 +3250,7 @@
           <a:p>
             <a:fld id="{77B49959-1422-F54F-BD61-6C9CC9D1405D}" type="datetimeFigureOut">
               <a:rPr lang="en-US" smtClean="0"/>
-              <a:t>8/26/2024</a:t>
+              <a:t>8/28/2024</a:t>
             </a:fld>
             <a:endParaRPr lang="en-US"/>
           </a:p>
@@ -3377,7 +3442,7 @@
                 </a:solidFill>
               </a:rPr>
               <a:pPr/>
-              <a:t>8/26/2024</a:t>
+              <a:t>8/28/2024</a:t>
             </a:fld>
             <a:endParaRPr lang="en-US">
               <a:solidFill>
@@ -3626,7 +3691,7 @@
           <a:p>
             <a:fld id="{A16EE57E-A625-EF4B-90CE-8C282D302AC1}" type="datetimeFigureOut">
               <a:rPr lang="en-US" smtClean="0"/>
-              <a:t>8/26/2024</a:t>
+              <a:t>8/28/2024</a:t>
             </a:fld>
             <a:endParaRPr lang="en-US"/>
           </a:p>
@@ -3824,7 +3889,7 @@
           <a:p>
             <a:fld id="{A16EE57E-A625-EF4B-90CE-8C282D302AC1}" type="datetimeFigureOut">
               <a:rPr lang="en-US" smtClean="0"/>
-              <a:t>8/26/2024</a:t>
+              <a:t>8/28/2024</a:t>
             </a:fld>
             <a:endParaRPr lang="en-US"/>
           </a:p>
@@ -4099,7 +4164,7 @@
           <a:p>
             <a:fld id="{A16EE57E-A625-EF4B-90CE-8C282D302AC1}" type="datetimeFigureOut">
               <a:rPr lang="en-US" smtClean="0"/>
-              <a:t>8/26/2024</a:t>
+              <a:t>8/28/2024</a:t>
             </a:fld>
             <a:endParaRPr lang="en-US"/>
           </a:p>
@@ -4364,7 +4429,7 @@
           <a:p>
             <a:fld id="{A16EE57E-A625-EF4B-90CE-8C282D302AC1}" type="datetimeFigureOut">
               <a:rPr lang="en-US" smtClean="0"/>
-              <a:t>8/26/2024</a:t>
+              <a:t>8/28/2024</a:t>
             </a:fld>
             <a:endParaRPr lang="en-US"/>
           </a:p>
@@ -4776,7 +4841,7 @@
           <a:p>
             <a:fld id="{A16EE57E-A625-EF4B-90CE-8C282D302AC1}" type="datetimeFigureOut">
               <a:rPr lang="en-US" smtClean="0"/>
-              <a:t>8/26/2024</a:t>
+              <a:t>8/28/2024</a:t>
             </a:fld>
             <a:endParaRPr lang="en-US"/>
           </a:p>
@@ -4917,7 +4982,7 @@
           <a:p>
             <a:fld id="{A16EE57E-A625-EF4B-90CE-8C282D302AC1}" type="datetimeFigureOut">
               <a:rPr lang="en-US" smtClean="0"/>
-              <a:t>8/26/2024</a:t>
+              <a:t>8/28/2024</a:t>
             </a:fld>
             <a:endParaRPr lang="en-US"/>
           </a:p>
@@ -5573,7 +5638,7 @@
           <a:p>
             <a:fld id="{A16EE57E-A625-EF4B-90CE-8C282D302AC1}" type="datetimeFigureOut">
               <a:rPr lang="en-US" smtClean="0"/>
-              <a:t>8/26/2024</a:t>
+              <a:t>8/28/2024</a:t>
             </a:fld>
             <a:endParaRPr lang="en-US"/>
           </a:p>
@@ -5861,7 +5926,7 @@
           <a:p>
             <a:fld id="{A16EE57E-A625-EF4B-90CE-8C282D302AC1}" type="datetimeFigureOut">
               <a:rPr lang="en-US" smtClean="0"/>
-              <a:t>8/26/2024</a:t>
+              <a:t>8/28/2024</a:t>
             </a:fld>
             <a:endParaRPr lang="en-US"/>
           </a:p>
@@ -6059,7 +6124,7 @@
           <a:p>
             <a:fld id="{A16EE57E-A625-EF4B-90CE-8C282D302AC1}" type="datetimeFigureOut">
               <a:rPr lang="en-US" smtClean="0"/>
-              <a:t>8/26/2024</a:t>
+              <a:t>8/28/2024</a:t>
             </a:fld>
             <a:endParaRPr lang="en-US"/>
           </a:p>
@@ -6267,7 +6332,7 @@
           <a:p>
             <a:fld id="{A16EE57E-A625-EF4B-90CE-8C282D302AC1}" type="datetimeFigureOut">
               <a:rPr lang="en-US" smtClean="0"/>
-              <a:t>8/26/2024</a:t>
+              <a:t>8/28/2024</a:t>
             </a:fld>
             <a:endParaRPr lang="en-US"/>
           </a:p>
@@ -6584,7 +6649,7 @@
           <a:p>
             <a:fld id="{77B49959-1422-F54F-BD61-6C9CC9D1405D}" type="datetimeFigureOut">
               <a:rPr lang="en-US" smtClean="0"/>
-              <a:t>8/26/2024</a:t>
+              <a:t>8/28/2024</a:t>
             </a:fld>
             <a:endParaRPr lang="en-US"/>
           </a:p>
@@ -7035,7 +7100,7 @@
           <a:p>
             <a:fld id="{77B49959-1422-F54F-BD61-6C9CC9D1405D}" type="datetimeFigureOut">
               <a:rPr lang="en-US" smtClean="0"/>
-              <a:t>8/26/2024</a:t>
+              <a:t>8/28/2024</a:t>
             </a:fld>
             <a:endParaRPr lang="en-US"/>
           </a:p>
@@ -7208,7 +7273,7 @@
           <a:p>
             <a:fld id="{77B49959-1422-F54F-BD61-6C9CC9D1405D}" type="datetimeFigureOut">
               <a:rPr lang="en-US" smtClean="0"/>
-              <a:t>8/26/2024</a:t>
+              <a:t>8/28/2024</a:t>
             </a:fld>
             <a:endParaRPr lang="en-US"/>
           </a:p>
@@ -7345,7 +7410,7 @@
           <a:p>
             <a:fld id="{77B49959-1422-F54F-BD61-6C9CC9D1405D}" type="datetimeFigureOut">
               <a:rPr lang="en-US" smtClean="0"/>
-              <a:t>8/26/2024</a:t>
+              <a:t>8/28/2024</a:t>
             </a:fld>
             <a:endParaRPr lang="en-US"/>
           </a:p>
@@ -7689,7 +7754,7 @@
           <a:p>
             <a:fld id="{77B49959-1422-F54F-BD61-6C9CC9D1405D}" type="datetimeFigureOut">
               <a:rPr lang="en-US" smtClean="0"/>
-              <a:t>8/26/2024</a:t>
+              <a:t>8/28/2024</a:t>
             </a:fld>
             <a:endParaRPr lang="en-US"/>
           </a:p>
@@ -8010,7 +8075,7 @@
           <a:p>
             <a:fld id="{77B49959-1422-F54F-BD61-6C9CC9D1405D}" type="datetimeFigureOut">
               <a:rPr lang="en-US" smtClean="0"/>
-              <a:t>8/26/2024</a:t>
+              <a:t>8/28/2024</a:t>
             </a:fld>
             <a:endParaRPr lang="en-US"/>
           </a:p>
@@ -8598,7 +8663,7 @@
           <a:p>
             <a:fld id="{A16EE57E-A625-EF4B-90CE-8C282D302AC1}" type="datetimeFigureOut">
               <a:rPr lang="en-US" smtClean="0"/>
-              <a:t>8/26/2024</a:t>
+              <a:t>8/28/2024</a:t>
             </a:fld>
             <a:endParaRPr lang="en-US"/>
           </a:p>
@@ -9024,7 +9089,7 @@
         <p:spPr>
           <a:xfrm>
             <a:off x="1524000" y="1212871"/>
-            <a:ext cx="9144000" cy="1846659"/>
+            <a:ext cx="9144000" cy="2862322"/>
           </a:xfrm>
           <a:prstGeom prst="rect">
             <a:avLst/>
@@ -9058,7 +9123,7 @@
                 <a:latin typeface="Mercury Office" panose="02000000000000000000" pitchFamily="2" charset="0"/>
                 <a:cs typeface="Calibri"/>
               </a:rPr>
-              <a:t>Last updated: 8/26/2023 by Jack Ruzekowicz</a:t>
+              <a:t>Last updated: 9/6/2023 by Jack Ruzekowicz</a:t>
             </a:r>
           </a:p>
           <a:p>
@@ -9089,10 +9154,134 @@
 <file path=ppt/slides/slide10.xml><?xml version="1.0" encoding="utf-8"?>
 <p:sld xmlns:a="http://schemas.openxmlformats.org/drawingml/2006/main" xmlns:r="http://schemas.openxmlformats.org/officeDocument/2006/relationships" xmlns:p="http://schemas.openxmlformats.org/presentationml/2006/main">
   <p:cSld>
+    <p:spTree>
+      <p:nvGrpSpPr>
+        <p:cNvPr id="1" name=""/>
+        <p:cNvGrpSpPr/>
+        <p:nvPr/>
+      </p:nvGrpSpPr>
+      <p:grpSpPr>
+        <a:xfrm>
+          <a:off x="0" y="0"/>
+          <a:ext cx="0" cy="0"/>
+          <a:chOff x="0" y="0"/>
+          <a:chExt cx="0" cy="0"/>
+        </a:xfrm>
+      </p:grpSpPr>
+      <p:sp>
+        <p:nvSpPr>
+          <p:cNvPr id="3" name="TextBox 2">
+            <a:extLst>
+              <a:ext uri="{FF2B5EF4-FFF2-40B4-BE49-F238E27FC236}">
+                <a16:creationId xmlns:a16="http://schemas.microsoft.com/office/drawing/2014/main" id="{E6E41DF4-BC5E-A9CE-400D-3C0E95E4880F}"/>
+              </a:ext>
+            </a:extLst>
+          </p:cNvPr>
+          <p:cNvSpPr txBox="1"/>
+          <p:nvPr/>
+        </p:nvSpPr>
+        <p:spPr>
+          <a:xfrm>
+            <a:off x="24142" y="135756"/>
+            <a:ext cx="12167858" cy="954107"/>
+          </a:xfrm>
+          <a:prstGeom prst="rect">
+            <a:avLst/>
+          </a:prstGeom>
+          <a:noFill/>
+        </p:spPr>
+        <p:txBody>
+          <a:bodyPr wrap="square" rtlCol="0" anchor="ctr">
+            <a:spAutoFit/>
+          </a:bodyPr>
+          <a:lstStyle/>
+          <a:p>
+            <a:pPr algn="ctr"/>
+            <a:r>
+              <a:rPr lang="en-US" sz="2800" b="1" dirty="0">
+                <a:solidFill>
+                  <a:prstClr val="white"/>
+                </a:solidFill>
+                <a:latin typeface="Gotham Office" panose="02000000000000000000" pitchFamily="2" charset="0"/>
+              </a:rPr>
+              <a:t>Days of Elevated Risk with Varying MWs of OSW + 12000 MW Solar for Winters 2000 to 2022</a:t>
+            </a:r>
+            <a:endParaRPr lang="en-US" sz="2800" b="1" baseline="30000" dirty="0">
+              <a:solidFill>
+                <a:prstClr val="white"/>
+              </a:solidFill>
+              <a:latin typeface="Gotham Office" panose="02000000000000000000" pitchFamily="2" charset="0"/>
+            </a:endParaRPr>
+          </a:p>
+        </p:txBody>
+      </p:sp>
+      <p:pic>
+        <p:nvPicPr>
+          <p:cNvPr id="6146" name="Picture 2">
+            <a:extLst>
+              <a:ext uri="{FF2B5EF4-FFF2-40B4-BE49-F238E27FC236}">
+                <a16:creationId xmlns:a16="http://schemas.microsoft.com/office/drawing/2014/main" id="{09C5620E-8662-CFFF-67BF-65F48D2FA93C}"/>
+              </a:ext>
+            </a:extLst>
+          </p:cNvPr>
+          <p:cNvPicPr>
+            <a:picLocks noChangeAspect="1" noChangeArrowheads="1"/>
+          </p:cNvPicPr>
+          <p:nvPr/>
+        </p:nvPicPr>
+        <p:blipFill>
+          <a:blip r:embed="rId2">
+            <a:extLst>
+              <a:ext uri="{28A0092B-C50C-407E-A947-70E740481C1C}">
+                <a14:useLocalDpi xmlns:a14="http://schemas.microsoft.com/office/drawing/2010/main" val="0"/>
+              </a:ext>
+            </a:extLst>
+          </a:blip>
+          <a:srcRect/>
+          <a:stretch>
+            <a:fillRect/>
+          </a:stretch>
+        </p:blipFill>
+        <p:spPr bwMode="auto">
+          <a:xfrm>
+            <a:off x="0" y="1401763"/>
+            <a:ext cx="12192000" cy="4052887"/>
+          </a:xfrm>
+          <a:prstGeom prst="rect">
+            <a:avLst/>
+          </a:prstGeom>
+          <a:noFill/>
+          <a:extLst>
+            <a:ext uri="{909E8E84-426E-40DD-AFC4-6F175D3DCCD1}">
+              <a14:hiddenFill xmlns:a14="http://schemas.microsoft.com/office/drawing/2010/main">
+                <a:solidFill>
+                  <a:srgbClr val="FFFFFF"/>
+                </a:solidFill>
+              </a14:hiddenFill>
+            </a:ext>
+          </a:extLst>
+        </p:spPr>
+      </p:pic>
+    </p:spTree>
+    <p:extLst>
+      <p:ext uri="{BB962C8B-B14F-4D97-AF65-F5344CB8AC3E}">
+        <p14:creationId xmlns:p14="http://schemas.microsoft.com/office/powerpoint/2010/main" val="4001056247"/>
+      </p:ext>
+    </p:extLst>
+  </p:cSld>
+  <p:clrMapOvr>
+    <a:masterClrMapping/>
+  </p:clrMapOvr>
+</p:sld>
+</file>
+
+<file path=ppt/slides/slide11.xml><?xml version="1.0" encoding="utf-8"?>
+<p:sld xmlns:a="http://schemas.openxmlformats.org/drawingml/2006/main" xmlns:r="http://schemas.openxmlformats.org/officeDocument/2006/relationships" xmlns:p="http://schemas.openxmlformats.org/presentationml/2006/main">
+  <p:cSld>
     <p:bg>
       <p:bgPr>
         <a:solidFill>
-          <a:srgbClr val="FF0093"/>
+          <a:srgbClr val="FF522B"/>
         </a:solidFill>
         <a:effectLst/>
       </p:bgPr>
@@ -9116,7 +9305,7 @@
           <p:cNvPr id="2" name="TextBox 1">
             <a:extLst>
               <a:ext uri="{FF2B5EF4-FFF2-40B4-BE49-F238E27FC236}">
-                <a16:creationId xmlns:a16="http://schemas.microsoft.com/office/drawing/2014/main" id="{B04394C9-E3AA-2ACC-FBDD-BDA4ECF954C9}"/>
+                <a16:creationId xmlns:a16="http://schemas.microsoft.com/office/drawing/2014/main" id="{9B92BD52-C778-1B8A-FF58-85ADB6C0EAB1}"/>
               </a:ext>
             </a:extLst>
           </p:cNvPr>
@@ -9125,8 +9314,8 @@
         </p:nvSpPr>
         <p:spPr>
           <a:xfrm>
-            <a:off x="1524000" y="2028616"/>
-            <a:ext cx="9144000" cy="2308324"/>
+            <a:off x="1524000" y="1720840"/>
+            <a:ext cx="9144000" cy="3416320"/>
           </a:xfrm>
           <a:prstGeom prst="rect">
             <a:avLst/>
@@ -9148,7 +9337,7 @@
                 <a:latin typeface="Gotham Office" panose="02000000000000000000" pitchFamily="2" charset="0"/>
                 <a:cs typeface="Arial" panose="020B0604020202020204" pitchFamily="34" charset="0"/>
               </a:rPr>
-              <a:t>Notebook 3: Winter OSW + Solar Analysis</a:t>
+              <a:t>Notebook 4: Winter OSW + Solar Heatmaps by Year</a:t>
             </a:r>
           </a:p>
         </p:txBody>
@@ -9156,114 +9345,7 @@
     </p:spTree>
     <p:extLst>
       <p:ext uri="{BB962C8B-B14F-4D97-AF65-F5344CB8AC3E}">
-        <p14:creationId xmlns:p14="http://schemas.microsoft.com/office/powerpoint/2010/main" val="896129942"/>
-      </p:ext>
-    </p:extLst>
-  </p:cSld>
-  <p:clrMapOvr>
-    <a:masterClrMapping/>
-  </p:clrMapOvr>
-</p:sld>
-</file>
-
-<file path=ppt/slides/slide11.xml><?xml version="1.0" encoding="utf-8"?>
-<p:sld xmlns:a="http://schemas.openxmlformats.org/drawingml/2006/main" xmlns:r="http://schemas.openxmlformats.org/officeDocument/2006/relationships" xmlns:p="http://schemas.openxmlformats.org/presentationml/2006/main">
-  <p:cSld>
-    <p:spTree>
-      <p:nvGrpSpPr>
-        <p:cNvPr id="1" name=""/>
-        <p:cNvGrpSpPr/>
-        <p:nvPr/>
-      </p:nvGrpSpPr>
-      <p:grpSpPr>
-        <a:xfrm>
-          <a:off x="0" y="0"/>
-          <a:ext cx="0" cy="0"/>
-          <a:chOff x="0" y="0"/>
-          <a:chExt cx="0" cy="0"/>
-        </a:xfrm>
-      </p:grpSpPr>
-      <p:pic>
-        <p:nvPicPr>
-          <p:cNvPr id="2" name="Picture 1">
-            <a:extLst>
-              <a:ext uri="{FF2B5EF4-FFF2-40B4-BE49-F238E27FC236}">
-                <a16:creationId xmlns:a16="http://schemas.microsoft.com/office/drawing/2014/main" id="{520F7099-6147-72B9-88C0-16F1D6A3DDFD}"/>
-              </a:ext>
-            </a:extLst>
-          </p:cNvPr>
-          <p:cNvPicPr>
-            <a:picLocks noChangeAspect="1"/>
-          </p:cNvPicPr>
-          <p:nvPr/>
-        </p:nvPicPr>
-        <p:blipFill>
-          <a:blip r:embed="rId2"/>
-          <a:stretch>
-            <a:fillRect/>
-          </a:stretch>
-        </p:blipFill>
-        <p:spPr>
-          <a:xfrm>
-            <a:off x="1966912" y="1076325"/>
-            <a:ext cx="8258175" cy="4705350"/>
-          </a:xfrm>
-          <a:prstGeom prst="rect">
-            <a:avLst/>
-          </a:prstGeom>
-        </p:spPr>
-      </p:pic>
-      <p:sp>
-        <p:nvSpPr>
-          <p:cNvPr id="3" name="TextBox 2">
-            <a:extLst>
-              <a:ext uri="{FF2B5EF4-FFF2-40B4-BE49-F238E27FC236}">
-                <a16:creationId xmlns:a16="http://schemas.microsoft.com/office/drawing/2014/main" id="{3F9BFEA8-806D-3CB8-42C7-D616CA2477C8}"/>
-              </a:ext>
-            </a:extLst>
-          </p:cNvPr>
-          <p:cNvSpPr txBox="1"/>
-          <p:nvPr/>
-        </p:nvSpPr>
-        <p:spPr>
-          <a:xfrm>
-            <a:off x="277114" y="56242"/>
-            <a:ext cx="11637771" cy="954107"/>
-          </a:xfrm>
-          <a:prstGeom prst="rect">
-            <a:avLst/>
-          </a:prstGeom>
-          <a:noFill/>
-        </p:spPr>
-        <p:txBody>
-          <a:bodyPr wrap="square" rtlCol="0" anchor="ctr">
-            <a:spAutoFit/>
-          </a:bodyPr>
-          <a:lstStyle/>
-          <a:p>
-            <a:pPr algn="ctr"/>
-            <a:r>
-              <a:rPr lang="en-US" sz="2800" b="1" dirty="0">
-                <a:solidFill>
-                  <a:prstClr val="white"/>
-                </a:solidFill>
-                <a:latin typeface="Gotham Office" panose="02000000000000000000" pitchFamily="2" charset="0"/>
-              </a:rPr>
-              <a:t>Winter 2021-2022 Load and Loads after Theoretical OSW and Solar Installations</a:t>
-            </a:r>
-            <a:endParaRPr lang="en-US" sz="2800" b="1" baseline="30000" dirty="0">
-              <a:solidFill>
-                <a:prstClr val="white"/>
-              </a:solidFill>
-              <a:latin typeface="Gotham Office" panose="02000000000000000000" pitchFamily="2" charset="0"/>
-            </a:endParaRPr>
-          </a:p>
-        </p:txBody>
-      </p:sp>
-    </p:spTree>
-    <p:extLst>
-      <p:ext uri="{BB962C8B-B14F-4D97-AF65-F5344CB8AC3E}">
-        <p14:creationId xmlns:p14="http://schemas.microsoft.com/office/powerpoint/2010/main" val="3661765130"/>
+        <p14:creationId xmlns:p14="http://schemas.microsoft.com/office/powerpoint/2010/main" val="1091884933"/>
       </p:ext>
     </p:extLst>
   </p:cSld>
@@ -9292,85 +9374,102 @@
       </p:grpSpPr>
       <p:pic>
         <p:nvPicPr>
-          <p:cNvPr id="2" name="Picture 1">
-            <a:extLst>
-              <a:ext uri="{FF2B5EF4-FFF2-40B4-BE49-F238E27FC236}">
-                <a16:creationId xmlns:a16="http://schemas.microsoft.com/office/drawing/2014/main" id="{653B713E-4E7B-8888-7664-07644F541C67}"/>
+          <p:cNvPr id="7170" name="Picture 2">
+            <a:extLst>
+              <a:ext uri="{FF2B5EF4-FFF2-40B4-BE49-F238E27FC236}">
+                <a16:creationId xmlns:a16="http://schemas.microsoft.com/office/drawing/2014/main" id="{35DC972D-FCC8-E822-C98E-81FA90DC727F}"/>
               </a:ext>
             </a:extLst>
           </p:cNvPr>
           <p:cNvPicPr>
-            <a:picLocks noChangeAspect="1"/>
+            <a:picLocks noChangeAspect="1" noChangeArrowheads="1"/>
           </p:cNvPicPr>
           <p:nvPr/>
         </p:nvPicPr>
         <p:blipFill>
-          <a:blip r:embed="rId2"/>
+          <a:blip r:embed="rId3">
+            <a:extLst>
+              <a:ext uri="{28A0092B-C50C-407E-A947-70E740481C1C}">
+                <a14:useLocalDpi xmlns:a14="http://schemas.microsoft.com/office/drawing/2010/main" val="0"/>
+              </a:ext>
+            </a:extLst>
+          </a:blip>
+          <a:srcRect/>
           <a:stretch>
             <a:fillRect/>
           </a:stretch>
         </p:blipFill>
-        <p:spPr>
+        <p:spPr bwMode="auto">
           <a:xfrm>
-            <a:off x="0" y="1402458"/>
-            <a:ext cx="12192000" cy="4053083"/>
-          </a:xfrm>
-          <a:prstGeom prst="rect">
-            <a:avLst/>
-          </a:prstGeom>
-        </p:spPr>
-      </p:pic>
-      <p:sp>
-        <p:nvSpPr>
-          <p:cNvPr id="3" name="TextBox 2">
-            <a:extLst>
-              <a:ext uri="{FF2B5EF4-FFF2-40B4-BE49-F238E27FC236}">
-                <a16:creationId xmlns:a16="http://schemas.microsoft.com/office/drawing/2014/main" id="{E6E41DF4-BC5E-A9CE-400D-3C0E95E4880F}"/>
-              </a:ext>
-            </a:extLst>
-          </p:cNvPr>
-          <p:cNvSpPr txBox="1"/>
-          <p:nvPr/>
-        </p:nvSpPr>
-        <p:spPr>
-          <a:xfrm>
-            <a:off x="24142" y="135756"/>
-            <a:ext cx="12167858" cy="954107"/>
+            <a:off x="616642" y="1156044"/>
+            <a:ext cx="5048250" cy="4333875"/>
           </a:xfrm>
           <a:prstGeom prst="rect">
             <a:avLst/>
           </a:prstGeom>
           <a:noFill/>
+          <a:extLst>
+            <a:ext uri="{909E8E84-426E-40DD-AFC4-6F175D3DCCD1}">
+              <a14:hiddenFill xmlns:a14="http://schemas.microsoft.com/office/drawing/2010/main">
+                <a:solidFill>
+                  <a:srgbClr val="FFFFFF"/>
+                </a:solidFill>
+              </a14:hiddenFill>
+            </a:ext>
+          </a:extLst>
         </p:spPr>
-        <p:txBody>
-          <a:bodyPr wrap="square" rtlCol="0" anchor="ctr">
-            <a:spAutoFit/>
-          </a:bodyPr>
-          <a:lstStyle/>
-          <a:p>
-            <a:pPr algn="ctr"/>
-            <a:r>
-              <a:rPr lang="en-US" sz="2800" b="1" dirty="0">
+      </p:pic>
+      <p:pic>
+        <p:nvPicPr>
+          <p:cNvPr id="7172" name="Picture 4">
+            <a:extLst>
+              <a:ext uri="{FF2B5EF4-FFF2-40B4-BE49-F238E27FC236}">
+                <a16:creationId xmlns:a16="http://schemas.microsoft.com/office/drawing/2014/main" id="{5CE39CF0-3AEA-B813-C1DA-E5A0A985DAA9}"/>
+              </a:ext>
+            </a:extLst>
+          </p:cNvPr>
+          <p:cNvPicPr>
+            <a:picLocks noChangeAspect="1" noChangeArrowheads="1"/>
+          </p:cNvPicPr>
+          <p:nvPr/>
+        </p:nvPicPr>
+        <p:blipFill>
+          <a:blip r:embed="rId4">
+            <a:extLst>
+              <a:ext uri="{28A0092B-C50C-407E-A947-70E740481C1C}">
+                <a14:useLocalDpi xmlns:a14="http://schemas.microsoft.com/office/drawing/2010/main" val="0"/>
+              </a:ext>
+            </a:extLst>
+          </a:blip>
+          <a:srcRect/>
+          <a:stretch>
+            <a:fillRect/>
+          </a:stretch>
+        </p:blipFill>
+        <p:spPr bwMode="auto">
+          <a:xfrm>
+            <a:off x="6527109" y="1156044"/>
+            <a:ext cx="5048250" cy="4333875"/>
+          </a:xfrm>
+          <a:prstGeom prst="rect">
+            <a:avLst/>
+          </a:prstGeom>
+          <a:noFill/>
+          <a:extLst>
+            <a:ext uri="{909E8E84-426E-40DD-AFC4-6F175D3DCCD1}">
+              <a14:hiddenFill xmlns:a14="http://schemas.microsoft.com/office/drawing/2010/main">
                 <a:solidFill>
-                  <a:prstClr val="white"/>
+                  <a:srgbClr val="FFFFFF"/>
                 </a:solidFill>
-                <a:latin typeface="Gotham Office" panose="02000000000000000000" pitchFamily="2" charset="0"/>
-              </a:rPr>
-              <a:t>Days of Elevated Risk with Varying Levels of OSW Capacity + Solar for Winters 2000 to 2022</a:t>
-            </a:r>
-            <a:endParaRPr lang="en-US" sz="2800" b="1" baseline="30000" dirty="0">
-              <a:solidFill>
-                <a:prstClr val="white"/>
-              </a:solidFill>
-              <a:latin typeface="Gotham Office" panose="02000000000000000000" pitchFamily="2" charset="0"/>
-            </a:endParaRPr>
-          </a:p>
-        </p:txBody>
-      </p:sp>
+              </a14:hiddenFill>
+            </a:ext>
+          </a:extLst>
+        </p:spPr>
+      </p:pic>
     </p:spTree>
     <p:extLst>
       <p:ext uri="{BB962C8B-B14F-4D97-AF65-F5344CB8AC3E}">
-        <p14:creationId xmlns:p14="http://schemas.microsoft.com/office/powerpoint/2010/main" val="4001056247"/>
+        <p14:creationId xmlns:p14="http://schemas.microsoft.com/office/powerpoint/2010/main" val="2532757462"/>
       </p:ext>
     </p:extLst>
   </p:cSld>
@@ -9383,14 +9482,6 @@
 <file path=ppt/slides/slide13.xml><?xml version="1.0" encoding="utf-8"?>
 <p:sld xmlns:a="http://schemas.openxmlformats.org/drawingml/2006/main" xmlns:r="http://schemas.openxmlformats.org/officeDocument/2006/relationships" xmlns:p="http://schemas.openxmlformats.org/presentationml/2006/main">
   <p:cSld>
-    <p:bg>
-      <p:bgPr>
-        <a:solidFill>
-          <a:srgbClr val="FF522B"/>
-        </a:solidFill>
-        <a:effectLst/>
-      </p:bgPr>
-    </p:bg>
     <p:spTree>
       <p:nvGrpSpPr>
         <p:cNvPr id="1" name=""/>
@@ -9405,52 +9496,104 @@
           <a:chExt cx="0" cy="0"/>
         </a:xfrm>
       </p:grpSpPr>
-      <p:sp>
-        <p:nvSpPr>
-          <p:cNvPr id="2" name="TextBox 1">
-            <a:extLst>
-              <a:ext uri="{FF2B5EF4-FFF2-40B4-BE49-F238E27FC236}">
-                <a16:creationId xmlns:a16="http://schemas.microsoft.com/office/drawing/2014/main" id="{9B92BD52-C778-1B8A-FF58-85ADB6C0EAB1}"/>
-              </a:ext>
-            </a:extLst>
-          </p:cNvPr>
-          <p:cNvSpPr txBox="1"/>
+      <p:pic>
+        <p:nvPicPr>
+          <p:cNvPr id="8194" name="Picture 2">
+            <a:extLst>
+              <a:ext uri="{FF2B5EF4-FFF2-40B4-BE49-F238E27FC236}">
+                <a16:creationId xmlns:a16="http://schemas.microsoft.com/office/drawing/2014/main" id="{43E55BDD-9B86-465D-9A97-2DCD60E6D8D6}"/>
+              </a:ext>
+            </a:extLst>
+          </p:cNvPr>
+          <p:cNvPicPr>
+            <a:picLocks noChangeAspect="1" noChangeArrowheads="1"/>
+          </p:cNvPicPr>
           <p:nvPr/>
-        </p:nvSpPr>
-        <p:spPr>
+        </p:nvPicPr>
+        <p:blipFill>
+          <a:blip r:embed="rId2">
+            <a:extLst>
+              <a:ext uri="{28A0092B-C50C-407E-A947-70E740481C1C}">
+                <a14:useLocalDpi xmlns:a14="http://schemas.microsoft.com/office/drawing/2010/main" val="0"/>
+              </a:ext>
+            </a:extLst>
+          </a:blip>
+          <a:srcRect/>
+          <a:stretch>
+            <a:fillRect/>
+          </a:stretch>
+        </p:blipFill>
+        <p:spPr bwMode="auto">
           <a:xfrm>
-            <a:off x="1524000" y="1720840"/>
-            <a:ext cx="9144000" cy="3416320"/>
+            <a:off x="682901" y="1129542"/>
+            <a:ext cx="5048250" cy="4333875"/>
           </a:xfrm>
           <a:prstGeom prst="rect">
             <a:avLst/>
           </a:prstGeom>
           <a:noFill/>
+          <a:extLst>
+            <a:ext uri="{909E8E84-426E-40DD-AFC4-6F175D3DCCD1}">
+              <a14:hiddenFill xmlns:a14="http://schemas.microsoft.com/office/drawing/2010/main">
+                <a:solidFill>
+                  <a:srgbClr val="FFFFFF"/>
+                </a:solidFill>
+              </a14:hiddenFill>
+            </a:ext>
+          </a:extLst>
         </p:spPr>
-        <p:txBody>
-          <a:bodyPr wrap="square" rtlCol="0">
-            <a:spAutoFit/>
-          </a:bodyPr>
-          <a:lstStyle/>
-          <a:p>
-            <a:pPr algn="ctr"/>
-            <a:r>
-              <a:rPr lang="en-US" sz="7200" b="1" dirty="0">
+      </p:pic>
+      <p:pic>
+        <p:nvPicPr>
+          <p:cNvPr id="8196" name="Picture 4">
+            <a:extLst>
+              <a:ext uri="{FF2B5EF4-FFF2-40B4-BE49-F238E27FC236}">
+                <a16:creationId xmlns:a16="http://schemas.microsoft.com/office/drawing/2014/main" id="{B774ED26-216B-36C5-FEC8-64CD34758F5B}"/>
+              </a:ext>
+            </a:extLst>
+          </p:cNvPr>
+          <p:cNvPicPr>
+            <a:picLocks noChangeAspect="1" noChangeArrowheads="1"/>
+          </p:cNvPicPr>
+          <p:nvPr/>
+        </p:nvPicPr>
+        <p:blipFill>
+          <a:blip r:embed="rId3">
+            <a:extLst>
+              <a:ext uri="{28A0092B-C50C-407E-A947-70E740481C1C}">
+                <a14:useLocalDpi xmlns:a14="http://schemas.microsoft.com/office/drawing/2010/main" val="0"/>
+              </a:ext>
+            </a:extLst>
+          </a:blip>
+          <a:srcRect/>
+          <a:stretch>
+            <a:fillRect/>
+          </a:stretch>
+        </p:blipFill>
+        <p:spPr bwMode="auto">
+          <a:xfrm>
+            <a:off x="6460849" y="1129541"/>
+            <a:ext cx="5048250" cy="4333875"/>
+          </a:xfrm>
+          <a:prstGeom prst="rect">
+            <a:avLst/>
+          </a:prstGeom>
+          <a:noFill/>
+          <a:extLst>
+            <a:ext uri="{909E8E84-426E-40DD-AFC4-6F175D3DCCD1}">
+              <a14:hiddenFill xmlns:a14="http://schemas.microsoft.com/office/drawing/2010/main">
                 <a:solidFill>
-                  <a:prstClr val="white"/>
+                  <a:srgbClr val="FFFFFF"/>
                 </a:solidFill>
-                <a:latin typeface="Gotham Office" panose="02000000000000000000" pitchFamily="2" charset="0"/>
-                <a:cs typeface="Arial" panose="020B0604020202020204" pitchFamily="34" charset="0"/>
-              </a:rPr>
-              <a:t>Notebook 4: Winter OSW + Solar Heatmaps by Year</a:t>
-            </a:r>
-          </a:p>
-        </p:txBody>
-      </p:sp>
+              </a14:hiddenFill>
+            </a:ext>
+          </a:extLst>
+        </p:spPr>
+      </p:pic>
     </p:spTree>
     <p:extLst>
       <p:ext uri="{BB962C8B-B14F-4D97-AF65-F5344CB8AC3E}">
-        <p14:creationId xmlns:p14="http://schemas.microsoft.com/office/powerpoint/2010/main" val="1091884933"/>
+        <p14:creationId xmlns:p14="http://schemas.microsoft.com/office/powerpoint/2010/main" val="2329348410"/>
       </p:ext>
     </p:extLst>
   </p:cSld>
@@ -9479,10 +9622,10 @@
       </p:grpSpPr>
       <p:pic>
         <p:nvPicPr>
-          <p:cNvPr id="1026" name="Picture 2">
-            <a:extLst>
-              <a:ext uri="{FF2B5EF4-FFF2-40B4-BE49-F238E27FC236}">
-                <a16:creationId xmlns:a16="http://schemas.microsoft.com/office/drawing/2014/main" id="{568E4793-5F98-E46B-94F2-F5B08CF4B92B}"/>
+          <p:cNvPr id="9218" name="Picture 2">
+            <a:extLst>
+              <a:ext uri="{FF2B5EF4-FFF2-40B4-BE49-F238E27FC236}">
+                <a16:creationId xmlns:a16="http://schemas.microsoft.com/office/drawing/2014/main" id="{C1DF2CA3-EBAF-027F-95A3-7AC45B16F34F}"/>
               </a:ext>
             </a:extLst>
           </p:cNvPr>
@@ -9492,7 +9635,7 @@
           <p:nvPr/>
         </p:nvPicPr>
         <p:blipFill>
-          <a:blip r:embed="rId3">
+          <a:blip r:embed="rId2">
             <a:extLst>
               <a:ext uri="{28A0092B-C50C-407E-A947-70E740481C1C}">
                 <a14:useLocalDpi xmlns:a14="http://schemas.microsoft.com/office/drawing/2010/main" val="0"/>
@@ -9506,7 +9649,7 @@
         </p:blipFill>
         <p:spPr bwMode="auto">
           <a:xfrm>
-            <a:off x="735911" y="864496"/>
+            <a:off x="795959" y="1262062"/>
             <a:ext cx="5048250" cy="4333875"/>
           </a:xfrm>
           <a:prstGeom prst="rect">
@@ -9526,38 +9669,55 @@
       </p:pic>
       <p:pic>
         <p:nvPicPr>
-          <p:cNvPr id="8" name="Picture 7">
-            <a:extLst>
-              <a:ext uri="{FF2B5EF4-FFF2-40B4-BE49-F238E27FC236}">
-                <a16:creationId xmlns:a16="http://schemas.microsoft.com/office/drawing/2014/main" id="{0CAD860C-41F2-FF04-B313-B196853F6200}"/>
+          <p:cNvPr id="9220" name="Picture 4">
+            <a:extLst>
+              <a:ext uri="{FF2B5EF4-FFF2-40B4-BE49-F238E27FC236}">
+                <a16:creationId xmlns:a16="http://schemas.microsoft.com/office/drawing/2014/main" id="{B9CAEF92-37EA-4FCC-A79F-E69DDF44A323}"/>
               </a:ext>
             </a:extLst>
           </p:cNvPr>
           <p:cNvPicPr>
-            <a:picLocks noChangeAspect="1"/>
+            <a:picLocks noChangeAspect="1" noChangeArrowheads="1"/>
           </p:cNvPicPr>
           <p:nvPr/>
         </p:nvPicPr>
         <p:blipFill>
-          <a:blip r:embed="rId4"/>
+          <a:blip r:embed="rId3">
+            <a:extLst>
+              <a:ext uri="{28A0092B-C50C-407E-A947-70E740481C1C}">
+                <a14:useLocalDpi xmlns:a14="http://schemas.microsoft.com/office/drawing/2010/main" val="0"/>
+              </a:ext>
+            </a:extLst>
+          </a:blip>
+          <a:srcRect/>
           <a:stretch>
             <a:fillRect/>
           </a:stretch>
         </p:blipFill>
-        <p:spPr>
+        <p:spPr bwMode="auto">
           <a:xfrm>
-            <a:off x="6407840" y="864497"/>
+            <a:off x="6460849" y="1245496"/>
             <a:ext cx="5048250" cy="4333875"/>
           </a:xfrm>
           <a:prstGeom prst="rect">
             <a:avLst/>
           </a:prstGeom>
+          <a:noFill/>
+          <a:extLst>
+            <a:ext uri="{909E8E84-426E-40DD-AFC4-6F175D3DCCD1}">
+              <a14:hiddenFill xmlns:a14="http://schemas.microsoft.com/office/drawing/2010/main">
+                <a:solidFill>
+                  <a:srgbClr val="FFFFFF"/>
+                </a:solidFill>
+              </a14:hiddenFill>
+            </a:ext>
+          </a:extLst>
         </p:spPr>
       </p:pic>
     </p:spTree>
     <p:extLst>
       <p:ext uri="{BB962C8B-B14F-4D97-AF65-F5344CB8AC3E}">
-        <p14:creationId xmlns:p14="http://schemas.microsoft.com/office/powerpoint/2010/main" val="2532757462"/>
+        <p14:creationId xmlns:p14="http://schemas.microsoft.com/office/powerpoint/2010/main" val="2120561052"/>
       </p:ext>
     </p:extLst>
   </p:cSld>
@@ -9586,68 +9746,102 @@
       </p:grpSpPr>
       <p:pic>
         <p:nvPicPr>
-          <p:cNvPr id="2" name="Picture 1">
-            <a:extLst>
-              <a:ext uri="{FF2B5EF4-FFF2-40B4-BE49-F238E27FC236}">
-                <a16:creationId xmlns:a16="http://schemas.microsoft.com/office/drawing/2014/main" id="{7E6E0E77-DBAC-FDAA-046C-FFB0D009E88A}"/>
+          <p:cNvPr id="10242" name="Picture 2">
+            <a:extLst>
+              <a:ext uri="{FF2B5EF4-FFF2-40B4-BE49-F238E27FC236}">
+                <a16:creationId xmlns:a16="http://schemas.microsoft.com/office/drawing/2014/main" id="{219104A8-5A7D-1D9F-040D-8597969FEB4A}"/>
               </a:ext>
             </a:extLst>
           </p:cNvPr>
           <p:cNvPicPr>
-            <a:picLocks noChangeAspect="1"/>
+            <a:picLocks noChangeAspect="1" noChangeArrowheads="1"/>
           </p:cNvPicPr>
           <p:nvPr/>
         </p:nvPicPr>
         <p:blipFill>
-          <a:blip r:embed="rId2"/>
+          <a:blip r:embed="rId2">
+            <a:extLst>
+              <a:ext uri="{28A0092B-C50C-407E-A947-70E740481C1C}">
+                <a14:useLocalDpi xmlns:a14="http://schemas.microsoft.com/office/drawing/2010/main" val="0"/>
+              </a:ext>
+            </a:extLst>
+          </a:blip>
+          <a:srcRect/>
           <a:stretch>
             <a:fillRect/>
           </a:stretch>
         </p:blipFill>
-        <p:spPr>
+        <p:spPr bwMode="auto">
           <a:xfrm>
-            <a:off x="722658" y="970514"/>
+            <a:off x="749162" y="1262062"/>
             <a:ext cx="5048250" cy="4333875"/>
           </a:xfrm>
           <a:prstGeom prst="rect">
             <a:avLst/>
           </a:prstGeom>
+          <a:noFill/>
+          <a:extLst>
+            <a:ext uri="{909E8E84-426E-40DD-AFC4-6F175D3DCCD1}">
+              <a14:hiddenFill xmlns:a14="http://schemas.microsoft.com/office/drawing/2010/main">
+                <a:solidFill>
+                  <a:srgbClr val="FFFFFF"/>
+                </a:solidFill>
+              </a14:hiddenFill>
+            </a:ext>
+          </a:extLst>
         </p:spPr>
       </p:pic>
       <p:pic>
         <p:nvPicPr>
-          <p:cNvPr id="3" name="Picture 2">
-            <a:extLst>
-              <a:ext uri="{FF2B5EF4-FFF2-40B4-BE49-F238E27FC236}">
-                <a16:creationId xmlns:a16="http://schemas.microsoft.com/office/drawing/2014/main" id="{7D11EDDE-A0CB-4E5A-AFAA-4741C54205F6}"/>
+          <p:cNvPr id="10244" name="Picture 4">
+            <a:extLst>
+              <a:ext uri="{FF2B5EF4-FFF2-40B4-BE49-F238E27FC236}">
+                <a16:creationId xmlns:a16="http://schemas.microsoft.com/office/drawing/2014/main" id="{45FB7853-1167-E9FA-775E-7784AF203C5C}"/>
               </a:ext>
             </a:extLst>
           </p:cNvPr>
           <p:cNvPicPr>
-            <a:picLocks noChangeAspect="1"/>
+            <a:picLocks noChangeAspect="1" noChangeArrowheads="1"/>
           </p:cNvPicPr>
           <p:nvPr/>
         </p:nvPicPr>
         <p:blipFill>
-          <a:blip r:embed="rId3"/>
+          <a:blip r:embed="rId3">
+            <a:extLst>
+              <a:ext uri="{28A0092B-C50C-407E-A947-70E740481C1C}">
+                <a14:useLocalDpi xmlns:a14="http://schemas.microsoft.com/office/drawing/2010/main" val="0"/>
+              </a:ext>
+            </a:extLst>
+          </a:blip>
+          <a:srcRect/>
           <a:stretch>
             <a:fillRect/>
           </a:stretch>
         </p:blipFill>
-        <p:spPr>
+        <p:spPr bwMode="auto">
           <a:xfrm>
-            <a:off x="6421093" y="970514"/>
+            <a:off x="6394590" y="1262062"/>
             <a:ext cx="5048250" cy="4333875"/>
           </a:xfrm>
           <a:prstGeom prst="rect">
             <a:avLst/>
           </a:prstGeom>
+          <a:noFill/>
+          <a:extLst>
+            <a:ext uri="{909E8E84-426E-40DD-AFC4-6F175D3DCCD1}">
+              <a14:hiddenFill xmlns:a14="http://schemas.microsoft.com/office/drawing/2010/main">
+                <a:solidFill>
+                  <a:srgbClr val="FFFFFF"/>
+                </a:solidFill>
+              </a14:hiddenFill>
+            </a:ext>
+          </a:extLst>
         </p:spPr>
       </p:pic>
     </p:spTree>
     <p:extLst>
       <p:ext uri="{BB962C8B-B14F-4D97-AF65-F5344CB8AC3E}">
-        <p14:creationId xmlns:p14="http://schemas.microsoft.com/office/powerpoint/2010/main" val="2329348410"/>
+        <p14:creationId xmlns:p14="http://schemas.microsoft.com/office/powerpoint/2010/main" val="1638383254"/>
       </p:ext>
     </p:extLst>
   </p:cSld>
@@ -9676,68 +9870,102 @@
       </p:grpSpPr>
       <p:pic>
         <p:nvPicPr>
-          <p:cNvPr id="2" name="Picture 1">
-            <a:extLst>
-              <a:ext uri="{FF2B5EF4-FFF2-40B4-BE49-F238E27FC236}">
-                <a16:creationId xmlns:a16="http://schemas.microsoft.com/office/drawing/2014/main" id="{DFA2BFB6-D244-C74C-6D55-40D86AC59CB2}"/>
+          <p:cNvPr id="11266" name="Picture 2">
+            <a:extLst>
+              <a:ext uri="{FF2B5EF4-FFF2-40B4-BE49-F238E27FC236}">
+                <a16:creationId xmlns:a16="http://schemas.microsoft.com/office/drawing/2014/main" id="{B2BC2D92-CC53-B8CC-0ABC-4F5037331CCF}"/>
               </a:ext>
             </a:extLst>
           </p:cNvPr>
           <p:cNvPicPr>
-            <a:picLocks noChangeAspect="1"/>
+            <a:picLocks noChangeAspect="1" noChangeArrowheads="1"/>
           </p:cNvPicPr>
           <p:nvPr/>
         </p:nvPicPr>
         <p:blipFill>
-          <a:blip r:embed="rId2"/>
+          <a:blip r:embed="rId2">
+            <a:extLst>
+              <a:ext uri="{28A0092B-C50C-407E-A947-70E740481C1C}">
+                <a14:useLocalDpi xmlns:a14="http://schemas.microsoft.com/office/drawing/2010/main" val="0"/>
+              </a:ext>
+            </a:extLst>
+          </a:blip>
+          <a:srcRect/>
           <a:stretch>
             <a:fillRect/>
           </a:stretch>
         </p:blipFill>
-        <p:spPr>
+        <p:spPr bwMode="auto">
           <a:xfrm>
-            <a:off x="709405" y="917504"/>
+            <a:off x="682900" y="1262062"/>
             <a:ext cx="5048250" cy="4333875"/>
           </a:xfrm>
           <a:prstGeom prst="rect">
             <a:avLst/>
           </a:prstGeom>
+          <a:noFill/>
+          <a:extLst>
+            <a:ext uri="{909E8E84-426E-40DD-AFC4-6F175D3DCCD1}">
+              <a14:hiddenFill xmlns:a14="http://schemas.microsoft.com/office/drawing/2010/main">
+                <a:solidFill>
+                  <a:srgbClr val="FFFFFF"/>
+                </a:solidFill>
+              </a14:hiddenFill>
+            </a:ext>
+          </a:extLst>
         </p:spPr>
       </p:pic>
       <p:pic>
         <p:nvPicPr>
-          <p:cNvPr id="3" name="Picture 2">
-            <a:extLst>
-              <a:ext uri="{FF2B5EF4-FFF2-40B4-BE49-F238E27FC236}">
-                <a16:creationId xmlns:a16="http://schemas.microsoft.com/office/drawing/2014/main" id="{6F878277-762D-CB74-7F3C-574AF3AEDDC1}"/>
+          <p:cNvPr id="11268" name="Picture 4">
+            <a:extLst>
+              <a:ext uri="{FF2B5EF4-FFF2-40B4-BE49-F238E27FC236}">
+                <a16:creationId xmlns:a16="http://schemas.microsoft.com/office/drawing/2014/main" id="{605C790B-E18C-16B7-DBEE-632F487C74C1}"/>
               </a:ext>
             </a:extLst>
           </p:cNvPr>
           <p:cNvPicPr>
-            <a:picLocks noChangeAspect="1"/>
+            <a:picLocks noChangeAspect="1" noChangeArrowheads="1"/>
           </p:cNvPicPr>
           <p:nvPr/>
         </p:nvPicPr>
         <p:blipFill>
-          <a:blip r:embed="rId3"/>
+          <a:blip r:embed="rId3">
+            <a:extLst>
+              <a:ext uri="{28A0092B-C50C-407E-A947-70E740481C1C}">
+                <a14:useLocalDpi xmlns:a14="http://schemas.microsoft.com/office/drawing/2010/main" val="0"/>
+              </a:ext>
+            </a:extLst>
+          </a:blip>
+          <a:srcRect/>
           <a:stretch>
             <a:fillRect/>
           </a:stretch>
         </p:blipFill>
-        <p:spPr>
+        <p:spPr bwMode="auto">
           <a:xfrm>
-            <a:off x="6434345" y="917504"/>
+            <a:off x="6460850" y="1262062"/>
             <a:ext cx="5048250" cy="4333875"/>
           </a:xfrm>
           <a:prstGeom prst="rect">
             <a:avLst/>
           </a:prstGeom>
+          <a:noFill/>
+          <a:extLst>
+            <a:ext uri="{909E8E84-426E-40DD-AFC4-6F175D3DCCD1}">
+              <a14:hiddenFill xmlns:a14="http://schemas.microsoft.com/office/drawing/2010/main">
+                <a:solidFill>
+                  <a:srgbClr val="FFFFFF"/>
+                </a:solidFill>
+              </a14:hiddenFill>
+            </a:ext>
+          </a:extLst>
         </p:spPr>
       </p:pic>
     </p:spTree>
     <p:extLst>
       <p:ext uri="{BB962C8B-B14F-4D97-AF65-F5344CB8AC3E}">
-        <p14:creationId xmlns:p14="http://schemas.microsoft.com/office/powerpoint/2010/main" val="2120561052"/>
+        <p14:creationId xmlns:p14="http://schemas.microsoft.com/office/powerpoint/2010/main" val="713573717"/>
       </p:ext>
     </p:extLst>
   </p:cSld>
@@ -9766,68 +9994,102 @@
       </p:grpSpPr>
       <p:pic>
         <p:nvPicPr>
-          <p:cNvPr id="2" name="Picture 1">
-            <a:extLst>
-              <a:ext uri="{FF2B5EF4-FFF2-40B4-BE49-F238E27FC236}">
-                <a16:creationId xmlns:a16="http://schemas.microsoft.com/office/drawing/2014/main" id="{E0578D65-9C0A-AB2E-FED2-4F0ACAC36290}"/>
+          <p:cNvPr id="12290" name="Picture 2">
+            <a:extLst>
+              <a:ext uri="{FF2B5EF4-FFF2-40B4-BE49-F238E27FC236}">
+                <a16:creationId xmlns:a16="http://schemas.microsoft.com/office/drawing/2014/main" id="{82120583-90B2-9B4E-1AE7-9CF657A91CED}"/>
               </a:ext>
             </a:extLst>
           </p:cNvPr>
           <p:cNvPicPr>
-            <a:picLocks noChangeAspect="1"/>
+            <a:picLocks noChangeAspect="1" noChangeArrowheads="1"/>
           </p:cNvPicPr>
           <p:nvPr/>
         </p:nvPicPr>
         <p:blipFill>
-          <a:blip r:embed="rId2"/>
+          <a:blip r:embed="rId2">
+            <a:extLst>
+              <a:ext uri="{28A0092B-C50C-407E-A947-70E740481C1C}">
+                <a14:useLocalDpi xmlns:a14="http://schemas.microsoft.com/office/drawing/2010/main" val="0"/>
+              </a:ext>
+            </a:extLst>
+          </a:blip>
+          <a:srcRect/>
           <a:stretch>
             <a:fillRect/>
           </a:stretch>
         </p:blipFill>
-        <p:spPr>
+        <p:spPr bwMode="auto">
           <a:xfrm>
-            <a:off x="669649" y="1050027"/>
+            <a:off x="722657" y="904253"/>
             <a:ext cx="5048250" cy="4333875"/>
           </a:xfrm>
           <a:prstGeom prst="rect">
             <a:avLst/>
           </a:prstGeom>
+          <a:noFill/>
+          <a:extLst>
+            <a:ext uri="{909E8E84-426E-40DD-AFC4-6F175D3DCCD1}">
+              <a14:hiddenFill xmlns:a14="http://schemas.microsoft.com/office/drawing/2010/main">
+                <a:solidFill>
+                  <a:srgbClr val="FFFFFF"/>
+                </a:solidFill>
+              </a14:hiddenFill>
+            </a:ext>
+          </a:extLst>
         </p:spPr>
       </p:pic>
       <p:pic>
         <p:nvPicPr>
-          <p:cNvPr id="3" name="Picture 2">
-            <a:extLst>
-              <a:ext uri="{FF2B5EF4-FFF2-40B4-BE49-F238E27FC236}">
-                <a16:creationId xmlns:a16="http://schemas.microsoft.com/office/drawing/2014/main" id="{93047647-4372-F51D-9C18-D1A183B3267E}"/>
+          <p:cNvPr id="12292" name="Picture 4">
+            <a:extLst>
+              <a:ext uri="{FF2B5EF4-FFF2-40B4-BE49-F238E27FC236}">
+                <a16:creationId xmlns:a16="http://schemas.microsoft.com/office/drawing/2014/main" id="{3BD44451-8721-B285-6946-571DF3565C29}"/>
               </a:ext>
             </a:extLst>
           </p:cNvPr>
           <p:cNvPicPr>
-            <a:picLocks noChangeAspect="1"/>
+            <a:picLocks noChangeAspect="1" noChangeArrowheads="1"/>
           </p:cNvPicPr>
           <p:nvPr/>
         </p:nvPicPr>
         <p:blipFill>
-          <a:blip r:embed="rId3"/>
+          <a:blip r:embed="rId3">
+            <a:extLst>
+              <a:ext uri="{28A0092B-C50C-407E-A947-70E740481C1C}">
+                <a14:useLocalDpi xmlns:a14="http://schemas.microsoft.com/office/drawing/2010/main" val="0"/>
+              </a:ext>
+            </a:extLst>
+          </a:blip>
+          <a:srcRect/>
           <a:stretch>
             <a:fillRect/>
           </a:stretch>
         </p:blipFill>
-        <p:spPr>
+        <p:spPr bwMode="auto">
           <a:xfrm>
-            <a:off x="6474101" y="1050026"/>
+            <a:off x="6421093" y="904253"/>
             <a:ext cx="5048250" cy="4333875"/>
           </a:xfrm>
           <a:prstGeom prst="rect">
             <a:avLst/>
           </a:prstGeom>
+          <a:noFill/>
+          <a:extLst>
+            <a:ext uri="{909E8E84-426E-40DD-AFC4-6F175D3DCCD1}">
+              <a14:hiddenFill xmlns:a14="http://schemas.microsoft.com/office/drawing/2010/main">
+                <a:solidFill>
+                  <a:srgbClr val="FFFFFF"/>
+                </a:solidFill>
+              </a14:hiddenFill>
+            </a:ext>
+          </a:extLst>
         </p:spPr>
       </p:pic>
     </p:spTree>
     <p:extLst>
       <p:ext uri="{BB962C8B-B14F-4D97-AF65-F5344CB8AC3E}">
-        <p14:creationId xmlns:p14="http://schemas.microsoft.com/office/powerpoint/2010/main" val="1638383254"/>
+        <p14:creationId xmlns:p14="http://schemas.microsoft.com/office/powerpoint/2010/main" val="3638153159"/>
       </p:ext>
     </p:extLst>
   </p:cSld>
@@ -9856,68 +10118,102 @@
       </p:grpSpPr>
       <p:pic>
         <p:nvPicPr>
-          <p:cNvPr id="2" name="Picture 1">
-            <a:extLst>
-              <a:ext uri="{FF2B5EF4-FFF2-40B4-BE49-F238E27FC236}">
-                <a16:creationId xmlns:a16="http://schemas.microsoft.com/office/drawing/2014/main" id="{B6586367-9813-CDF1-D498-12FF1BB28B3C}"/>
+          <p:cNvPr id="13314" name="Picture 2">
+            <a:extLst>
+              <a:ext uri="{FF2B5EF4-FFF2-40B4-BE49-F238E27FC236}">
+                <a16:creationId xmlns:a16="http://schemas.microsoft.com/office/drawing/2014/main" id="{4982EC83-104E-4A30-64D7-9C79DB8F3FE9}"/>
               </a:ext>
             </a:extLst>
           </p:cNvPr>
           <p:cNvPicPr>
-            <a:picLocks noChangeAspect="1"/>
+            <a:picLocks noChangeAspect="1" noChangeArrowheads="1"/>
           </p:cNvPicPr>
           <p:nvPr/>
         </p:nvPicPr>
         <p:blipFill>
-          <a:blip r:embed="rId2"/>
+          <a:blip r:embed="rId3">
+            <a:extLst>
+              <a:ext uri="{28A0092B-C50C-407E-A947-70E740481C1C}">
+                <a14:useLocalDpi xmlns:a14="http://schemas.microsoft.com/office/drawing/2010/main" val="0"/>
+              </a:ext>
+            </a:extLst>
+          </a:blip>
+          <a:srcRect/>
           <a:stretch>
             <a:fillRect/>
           </a:stretch>
         </p:blipFill>
-        <p:spPr>
+        <p:spPr bwMode="auto">
           <a:xfrm>
-            <a:off x="722655" y="890999"/>
+            <a:off x="749162" y="1262061"/>
             <a:ext cx="5048250" cy="4333875"/>
           </a:xfrm>
           <a:prstGeom prst="rect">
             <a:avLst/>
           </a:prstGeom>
+          <a:noFill/>
+          <a:extLst>
+            <a:ext uri="{909E8E84-426E-40DD-AFC4-6F175D3DCCD1}">
+              <a14:hiddenFill xmlns:a14="http://schemas.microsoft.com/office/drawing/2010/main">
+                <a:solidFill>
+                  <a:srgbClr val="FFFFFF"/>
+                </a:solidFill>
+              </a14:hiddenFill>
+            </a:ext>
+          </a:extLst>
         </p:spPr>
       </p:pic>
       <p:pic>
         <p:nvPicPr>
-          <p:cNvPr id="3" name="Picture 2">
-            <a:extLst>
-              <a:ext uri="{FF2B5EF4-FFF2-40B4-BE49-F238E27FC236}">
-                <a16:creationId xmlns:a16="http://schemas.microsoft.com/office/drawing/2014/main" id="{9C9499A1-BC14-A39F-4B4B-3701629152BC}"/>
+          <p:cNvPr id="13316" name="Picture 4">
+            <a:extLst>
+              <a:ext uri="{FF2B5EF4-FFF2-40B4-BE49-F238E27FC236}">
+                <a16:creationId xmlns:a16="http://schemas.microsoft.com/office/drawing/2014/main" id="{DCA1A851-508D-B4F9-854C-A385B1CFB42B}"/>
               </a:ext>
             </a:extLst>
           </p:cNvPr>
           <p:cNvPicPr>
-            <a:picLocks noChangeAspect="1"/>
+            <a:picLocks noChangeAspect="1" noChangeArrowheads="1"/>
           </p:cNvPicPr>
           <p:nvPr/>
         </p:nvPicPr>
         <p:blipFill>
-          <a:blip r:embed="rId3"/>
+          <a:blip r:embed="rId4">
+            <a:extLst>
+              <a:ext uri="{28A0092B-C50C-407E-A947-70E740481C1C}">
+                <a14:useLocalDpi xmlns:a14="http://schemas.microsoft.com/office/drawing/2010/main" val="0"/>
+              </a:ext>
+            </a:extLst>
+          </a:blip>
+          <a:srcRect/>
           <a:stretch>
             <a:fillRect/>
           </a:stretch>
         </p:blipFill>
-        <p:spPr>
+        <p:spPr bwMode="auto">
           <a:xfrm>
-            <a:off x="6421095" y="890999"/>
+            <a:off x="6394590" y="1262061"/>
             <a:ext cx="5048250" cy="4333875"/>
           </a:xfrm>
           <a:prstGeom prst="rect">
             <a:avLst/>
           </a:prstGeom>
+          <a:noFill/>
+          <a:extLst>
+            <a:ext uri="{909E8E84-426E-40DD-AFC4-6F175D3DCCD1}">
+              <a14:hiddenFill xmlns:a14="http://schemas.microsoft.com/office/drawing/2010/main">
+                <a:solidFill>
+                  <a:srgbClr val="FFFFFF"/>
+                </a:solidFill>
+              </a14:hiddenFill>
+            </a:ext>
+          </a:extLst>
         </p:spPr>
       </p:pic>
     </p:spTree>
     <p:extLst>
       <p:ext uri="{BB962C8B-B14F-4D97-AF65-F5344CB8AC3E}">
-        <p14:creationId xmlns:p14="http://schemas.microsoft.com/office/powerpoint/2010/main" val="713573717"/>
+        <p14:creationId xmlns:p14="http://schemas.microsoft.com/office/powerpoint/2010/main" val="2504327771"/>
       </p:ext>
     </p:extLst>
   </p:cSld>
@@ -9946,68 +10242,102 @@
       </p:grpSpPr>
       <p:pic>
         <p:nvPicPr>
-          <p:cNvPr id="2" name="Picture 1">
-            <a:extLst>
-              <a:ext uri="{FF2B5EF4-FFF2-40B4-BE49-F238E27FC236}">
-                <a16:creationId xmlns:a16="http://schemas.microsoft.com/office/drawing/2014/main" id="{36E24FAA-EEF5-3689-E851-628F53A772C2}"/>
+          <p:cNvPr id="14340" name="Picture 4">
+            <a:extLst>
+              <a:ext uri="{FF2B5EF4-FFF2-40B4-BE49-F238E27FC236}">
+                <a16:creationId xmlns:a16="http://schemas.microsoft.com/office/drawing/2014/main" id="{929B55A5-A5BB-83D1-0849-B2CDD42ADABD}"/>
               </a:ext>
             </a:extLst>
           </p:cNvPr>
           <p:cNvPicPr>
-            <a:picLocks noChangeAspect="1"/>
+            <a:picLocks noChangeAspect="1" noChangeArrowheads="1"/>
           </p:cNvPicPr>
           <p:nvPr/>
         </p:nvPicPr>
         <p:blipFill>
-          <a:blip r:embed="rId2"/>
+          <a:blip r:embed="rId3">
+            <a:extLst>
+              <a:ext uri="{28A0092B-C50C-407E-A947-70E740481C1C}">
+                <a14:useLocalDpi xmlns:a14="http://schemas.microsoft.com/office/drawing/2010/main" val="0"/>
+              </a:ext>
+            </a:extLst>
+          </a:blip>
+          <a:srcRect/>
           <a:stretch>
             <a:fillRect/>
           </a:stretch>
         </p:blipFill>
-        <p:spPr>
+        <p:spPr bwMode="auto">
           <a:xfrm>
-            <a:off x="722658" y="904253"/>
+            <a:off x="762415" y="1262061"/>
             <a:ext cx="5048250" cy="4333875"/>
           </a:xfrm>
           <a:prstGeom prst="rect">
             <a:avLst/>
           </a:prstGeom>
+          <a:noFill/>
+          <a:extLst>
+            <a:ext uri="{909E8E84-426E-40DD-AFC4-6F175D3DCCD1}">
+              <a14:hiddenFill xmlns:a14="http://schemas.microsoft.com/office/drawing/2010/main">
+                <a:solidFill>
+                  <a:srgbClr val="FFFFFF"/>
+                </a:solidFill>
+              </a14:hiddenFill>
+            </a:ext>
+          </a:extLst>
         </p:spPr>
       </p:pic>
       <p:pic>
         <p:nvPicPr>
-          <p:cNvPr id="3" name="Picture 2">
-            <a:extLst>
-              <a:ext uri="{FF2B5EF4-FFF2-40B4-BE49-F238E27FC236}">
-                <a16:creationId xmlns:a16="http://schemas.microsoft.com/office/drawing/2014/main" id="{44A3B84B-627F-C7CB-D87D-068706E82F9A}"/>
+          <p:cNvPr id="4" name="Picture 2">
+            <a:extLst>
+              <a:ext uri="{FF2B5EF4-FFF2-40B4-BE49-F238E27FC236}">
+                <a16:creationId xmlns:a16="http://schemas.microsoft.com/office/drawing/2014/main" id="{C4606694-5A3D-359A-D5C1-35ED8A3E5C9D}"/>
               </a:ext>
             </a:extLst>
           </p:cNvPr>
           <p:cNvPicPr>
-            <a:picLocks noChangeAspect="1"/>
+            <a:picLocks noChangeAspect="1" noChangeArrowheads="1"/>
           </p:cNvPicPr>
           <p:nvPr/>
         </p:nvPicPr>
         <p:blipFill>
-          <a:blip r:embed="rId3"/>
+          <a:blip r:embed="rId4">
+            <a:extLst>
+              <a:ext uri="{28A0092B-C50C-407E-A947-70E740481C1C}">
+                <a14:useLocalDpi xmlns:a14="http://schemas.microsoft.com/office/drawing/2010/main" val="0"/>
+              </a:ext>
+            </a:extLst>
+          </a:blip>
+          <a:srcRect/>
           <a:stretch>
             <a:fillRect/>
           </a:stretch>
         </p:blipFill>
-        <p:spPr>
+        <p:spPr bwMode="auto">
           <a:xfrm>
-            <a:off x="6421094" y="904253"/>
+            <a:off x="6381337" y="1271998"/>
             <a:ext cx="5048250" cy="4333875"/>
           </a:xfrm>
           <a:prstGeom prst="rect">
             <a:avLst/>
           </a:prstGeom>
+          <a:noFill/>
+          <a:extLst>
+            <a:ext uri="{909E8E84-426E-40DD-AFC4-6F175D3DCCD1}">
+              <a14:hiddenFill xmlns:a14="http://schemas.microsoft.com/office/drawing/2010/main">
+                <a:solidFill>
+                  <a:srgbClr val="FFFFFF"/>
+                </a:solidFill>
+              </a14:hiddenFill>
+            </a:ext>
+          </a:extLst>
         </p:spPr>
       </p:pic>
     </p:spTree>
     <p:extLst>
       <p:ext uri="{BB962C8B-B14F-4D97-AF65-F5344CB8AC3E}">
-        <p14:creationId xmlns:p14="http://schemas.microsoft.com/office/powerpoint/2010/main" val="3638153159"/>
+        <p14:creationId xmlns:p14="http://schemas.microsoft.com/office/powerpoint/2010/main" val="728547961"/>
       </p:ext>
     </p:extLst>
   </p:cSld>
@@ -10018,8 +10348,16 @@
 </file>
 
 <file path=ppt/slides/slide2.xml><?xml version="1.0" encoding="utf-8"?>
-<p:sld xmlns:a="http://schemas.openxmlformats.org/drawingml/2006/main" xmlns:r="http://schemas.openxmlformats.org/officeDocument/2006/relationships" xmlns:p="http://schemas.openxmlformats.org/presentationml/2006/main" show="0">
+<p:sld xmlns:a="http://schemas.openxmlformats.org/drawingml/2006/main" xmlns:r="http://schemas.openxmlformats.org/officeDocument/2006/relationships" xmlns:p="http://schemas.openxmlformats.org/presentationml/2006/main">
   <p:cSld>
+    <p:bg>
+      <p:bgPr>
+        <a:solidFill>
+          <a:srgbClr val="3044B5"/>
+        </a:solidFill>
+        <a:effectLst/>
+      </p:bgPr>
+    </p:bg>
     <p:spTree>
       <p:nvGrpSpPr>
         <p:cNvPr id="1" name=""/>
@@ -10036,75 +10374,20 @@
       </p:grpSpPr>
       <p:sp>
         <p:nvSpPr>
-          <p:cNvPr id="2" name="Rectangle 1"/>
-          <p:cNvSpPr/>
+          <p:cNvPr id="2" name="TextBox 1">
+            <a:extLst>
+              <a:ext uri="{FF2B5EF4-FFF2-40B4-BE49-F238E27FC236}">
+                <a16:creationId xmlns:a16="http://schemas.microsoft.com/office/drawing/2014/main" id="{282B1677-928F-38E4-EDCE-B877D305C869}"/>
+              </a:ext>
+            </a:extLst>
+          </p:cNvPr>
+          <p:cNvSpPr txBox="1"/>
           <p:nvPr/>
         </p:nvSpPr>
         <p:spPr>
           <a:xfrm>
-            <a:off x="1533809" y="371420"/>
-            <a:ext cx="9144000" cy="1446550"/>
-          </a:xfrm>
-          <a:prstGeom prst="rect">
-            <a:avLst/>
-          </a:prstGeom>
-        </p:spPr>
-        <p:txBody>
-          <a:bodyPr wrap="square">
-            <a:spAutoFit/>
-          </a:bodyPr>
-          <a:lstStyle/>
-          <a:p>
-            <a:pPr algn="ctr"/>
-            <a:r>
-              <a:rPr lang="en-US" sz="4400" dirty="0">
-                <a:solidFill>
-                  <a:schemeClr val="bg1"/>
-                </a:solidFill>
-                <a:latin typeface="Gotham Office" panose="02000000000000000000" pitchFamily="2" charset="0"/>
-                <a:cs typeface="Calibri"/>
-              </a:rPr>
-              <a:t>UCS brand colors </a:t>
-            </a:r>
-            <a:r>
-              <a:rPr lang="en-US" sz="4400" dirty="0">
-                <a:solidFill>
-                  <a:schemeClr val="bg2"/>
-                </a:solidFill>
-                <a:latin typeface="Gotham Office" panose="02000000000000000000" pitchFamily="2" charset="0"/>
-                <a:cs typeface="Calibri"/>
-              </a:rPr>
-              <a:t>for</a:t>
-            </a:r>
-            <a:r>
-              <a:rPr lang="en-US" sz="4400" dirty="0">
-                <a:solidFill>
-                  <a:schemeClr val="bg1"/>
-                </a:solidFill>
-                <a:latin typeface="Gotham Office" panose="02000000000000000000" pitchFamily="2" charset="0"/>
-                <a:cs typeface="Calibri"/>
-              </a:rPr>
-              <a:t> graphics/charts</a:t>
-            </a:r>
-          </a:p>
-        </p:txBody>
-      </p:sp>
-      <p:sp>
-        <p:nvSpPr>
-          <p:cNvPr id="12" name="TextBox 11">
-            <a:extLst>
-              <a:ext uri="{FF2B5EF4-FFF2-40B4-BE49-F238E27FC236}">
-                <a16:creationId xmlns:a16="http://schemas.microsoft.com/office/drawing/2014/main" id="{B408FA74-4ACC-4448-9BF5-09649D59BBED}"/>
-              </a:ext>
-            </a:extLst>
-          </p:cNvPr>
-          <p:cNvSpPr txBox="1"/>
-          <p:nvPr/>
-        </p:nvSpPr>
-        <p:spPr>
-          <a:xfrm>
-            <a:off x="4384438" y="1994028"/>
-            <a:ext cx="3751385" cy="646331"/>
+            <a:off x="1524000" y="2028616"/>
+            <a:ext cx="9144000" cy="2308324"/>
           </a:xfrm>
           <a:prstGeom prst="rect">
             <a:avLst/>
@@ -10117,1305 +10400,24 @@
           </a:bodyPr>
           <a:lstStyle/>
           <a:p>
+            <a:pPr algn="ctr"/>
             <a:r>
-              <a:rPr lang="en-US" dirty="0">
+              <a:rPr lang="en-US" sz="7200" b="1" dirty="0">
                 <a:solidFill>
-                  <a:schemeClr val="bg1"/>
-                </a:solidFill>
-                <a:latin typeface="Mercury Office" panose="02000000000000000000" pitchFamily="2" charset="0"/>
-                <a:cs typeface="Calibri"/>
-              </a:rPr>
-              <a:t>Additional info in notes section</a:t>
-            </a:r>
-          </a:p>
-          <a:p>
-            <a:endParaRPr lang="en-US" dirty="0"/>
-          </a:p>
-        </p:txBody>
-      </p:sp>
-      <p:grpSp>
-        <p:nvGrpSpPr>
-          <p:cNvPr id="3" name="Group 2">
-            <a:extLst>
-              <a:ext uri="{FF2B5EF4-FFF2-40B4-BE49-F238E27FC236}">
-                <a16:creationId xmlns:a16="http://schemas.microsoft.com/office/drawing/2014/main" id="{961371C7-37FB-5144-8A75-716E6430CCD8}"/>
-              </a:ext>
-            </a:extLst>
-          </p:cNvPr>
-          <p:cNvGrpSpPr/>
-          <p:nvPr/>
-        </p:nvGrpSpPr>
-        <p:grpSpPr>
-          <a:xfrm>
-            <a:off x="1319519" y="2653214"/>
-            <a:ext cx="9552962" cy="3458048"/>
-            <a:chOff x="1124847" y="2653214"/>
-            <a:chExt cx="9552962" cy="3458048"/>
-          </a:xfrm>
-        </p:grpSpPr>
-        <p:sp>
-          <p:nvSpPr>
-            <p:cNvPr id="13" name="Oval 12">
-              <a:extLst>
-                <a:ext uri="{FF2B5EF4-FFF2-40B4-BE49-F238E27FC236}">
-                  <a16:creationId xmlns:a16="http://schemas.microsoft.com/office/drawing/2014/main" id="{677501B3-3F07-FA44-B8DB-4551E6653994}"/>
-                </a:ext>
-              </a:extLst>
-            </p:cNvPr>
-            <p:cNvSpPr/>
-            <p:nvPr/>
-          </p:nvSpPr>
-          <p:spPr>
-            <a:xfrm>
-              <a:off x="1172325" y="2666070"/>
-              <a:ext cx="1602994" cy="1602994"/>
-            </a:xfrm>
-            <a:prstGeom prst="ellipse">
-              <a:avLst/>
-            </a:prstGeom>
-            <a:ln>
-              <a:noFill/>
-            </a:ln>
-          </p:spPr>
-          <p:style>
-            <a:lnRef idx="2">
-              <a:schemeClr val="accent1">
-                <a:shade val="50000"/>
-              </a:schemeClr>
-            </a:lnRef>
-            <a:fillRef idx="1">
-              <a:schemeClr val="accent1"/>
-            </a:fillRef>
-            <a:effectRef idx="0">
-              <a:schemeClr val="accent1"/>
-            </a:effectRef>
-            <a:fontRef idx="minor">
-              <a:schemeClr val="lt1"/>
-            </a:fontRef>
-          </p:style>
-          <p:txBody>
-            <a:bodyPr rtlCol="0" anchor="ctr"/>
-            <a:lstStyle/>
-            <a:p>
-              <a:pPr algn="ctr"/>
-              <a:endParaRPr lang="en-US" dirty="0"/>
-            </a:p>
-          </p:txBody>
-        </p:sp>
-        <p:sp>
-          <p:nvSpPr>
-            <p:cNvPr id="14" name="Oval 13">
-              <a:extLst>
-                <a:ext uri="{FF2B5EF4-FFF2-40B4-BE49-F238E27FC236}">
-                  <a16:creationId xmlns:a16="http://schemas.microsoft.com/office/drawing/2014/main" id="{2F8AB6CD-A2AB-2C4A-9088-C43290D37069}"/>
-                </a:ext>
-              </a:extLst>
-            </p:cNvPr>
-            <p:cNvSpPr/>
-            <p:nvPr/>
-          </p:nvSpPr>
-          <p:spPr>
-            <a:xfrm>
-              <a:off x="3085388" y="2699536"/>
-              <a:ext cx="1602994" cy="1602994"/>
-            </a:xfrm>
-            <a:prstGeom prst="ellipse">
-              <a:avLst/>
-            </a:prstGeom>
-            <a:solidFill>
-              <a:srgbClr val="FF522B"/>
-            </a:solidFill>
-            <a:ln>
-              <a:noFill/>
-            </a:ln>
-          </p:spPr>
-          <p:style>
-            <a:lnRef idx="2">
-              <a:schemeClr val="accent1">
-                <a:shade val="50000"/>
-              </a:schemeClr>
-            </a:lnRef>
-            <a:fillRef idx="1">
-              <a:schemeClr val="accent1"/>
-            </a:fillRef>
-            <a:effectRef idx="0">
-              <a:schemeClr val="accent1"/>
-            </a:effectRef>
-            <a:fontRef idx="minor">
-              <a:schemeClr val="lt1"/>
-            </a:fontRef>
-          </p:style>
-          <p:txBody>
-            <a:bodyPr rtlCol="0" anchor="ctr"/>
-            <a:lstStyle/>
-            <a:p>
-              <a:pPr algn="ctr"/>
-              <a:endParaRPr lang="en-US"/>
-            </a:p>
-          </p:txBody>
-        </p:sp>
-        <p:sp>
-          <p:nvSpPr>
-            <p:cNvPr id="15" name="Oval 14">
-              <a:extLst>
-                <a:ext uri="{FF2B5EF4-FFF2-40B4-BE49-F238E27FC236}">
-                  <a16:creationId xmlns:a16="http://schemas.microsoft.com/office/drawing/2014/main" id="{5332CE5D-BD53-B940-A0B8-111D1FBCEBE7}"/>
-                </a:ext>
-              </a:extLst>
-            </p:cNvPr>
-            <p:cNvSpPr/>
-            <p:nvPr/>
-          </p:nvSpPr>
-          <p:spPr>
-            <a:xfrm>
-              <a:off x="5095207" y="2666070"/>
-              <a:ext cx="1602994" cy="1602994"/>
-            </a:xfrm>
-            <a:prstGeom prst="ellipse">
-              <a:avLst/>
-            </a:prstGeom>
-            <a:solidFill>
-              <a:srgbClr val="FF0095"/>
-            </a:solidFill>
-            <a:ln>
-              <a:noFill/>
-            </a:ln>
-          </p:spPr>
-          <p:style>
-            <a:lnRef idx="2">
-              <a:schemeClr val="accent1">
-                <a:shade val="50000"/>
-              </a:schemeClr>
-            </a:lnRef>
-            <a:fillRef idx="1">
-              <a:schemeClr val="accent1"/>
-            </a:fillRef>
-            <a:effectRef idx="0">
-              <a:schemeClr val="accent1"/>
-            </a:effectRef>
-            <a:fontRef idx="minor">
-              <a:schemeClr val="lt1"/>
-            </a:fontRef>
-          </p:style>
-          <p:txBody>
-            <a:bodyPr rtlCol="0" anchor="ctr"/>
-            <a:lstStyle/>
-            <a:p>
-              <a:pPr algn="ctr"/>
-              <a:endParaRPr lang="en-US" dirty="0"/>
-            </a:p>
-          </p:txBody>
-        </p:sp>
-        <p:sp>
-          <p:nvSpPr>
-            <p:cNvPr id="16" name="Oval 15">
-              <a:extLst>
-                <a:ext uri="{FF2B5EF4-FFF2-40B4-BE49-F238E27FC236}">
-                  <a16:creationId xmlns:a16="http://schemas.microsoft.com/office/drawing/2014/main" id="{CBD5EA1E-22DF-9D41-A067-78509DF7EC79}"/>
-                </a:ext>
-              </a:extLst>
-            </p:cNvPr>
-            <p:cNvSpPr/>
-            <p:nvPr/>
-          </p:nvSpPr>
-          <p:spPr>
-            <a:xfrm>
-              <a:off x="7085011" y="2666070"/>
-              <a:ext cx="1602994" cy="1602994"/>
-            </a:xfrm>
-            <a:prstGeom prst="ellipse">
-              <a:avLst/>
-            </a:prstGeom>
-            <a:solidFill>
-              <a:srgbClr val="FFC600"/>
-            </a:solidFill>
-            <a:ln>
-              <a:noFill/>
-            </a:ln>
-          </p:spPr>
-          <p:style>
-            <a:lnRef idx="2">
-              <a:schemeClr val="accent1">
-                <a:shade val="50000"/>
-              </a:schemeClr>
-            </a:lnRef>
-            <a:fillRef idx="1">
-              <a:schemeClr val="accent1"/>
-            </a:fillRef>
-            <a:effectRef idx="0">
-              <a:schemeClr val="accent1"/>
-            </a:effectRef>
-            <a:fontRef idx="minor">
-              <a:schemeClr val="lt1"/>
-            </a:fontRef>
-          </p:style>
-          <p:txBody>
-            <a:bodyPr rtlCol="0" anchor="ctr"/>
-            <a:lstStyle/>
-            <a:p>
-              <a:pPr algn="ctr"/>
-              <a:endParaRPr lang="en-US" dirty="0"/>
-            </a:p>
-          </p:txBody>
-        </p:sp>
-        <p:sp>
-          <p:nvSpPr>
-            <p:cNvPr id="17" name="Oval 16">
-              <a:extLst>
-                <a:ext uri="{FF2B5EF4-FFF2-40B4-BE49-F238E27FC236}">
-                  <a16:creationId xmlns:a16="http://schemas.microsoft.com/office/drawing/2014/main" id="{1502AEDA-9B72-1A41-BA6A-46BA04367402}"/>
-                </a:ext>
-              </a:extLst>
-            </p:cNvPr>
-            <p:cNvSpPr/>
-            <p:nvPr/>
-          </p:nvSpPr>
-          <p:spPr>
-            <a:xfrm>
-              <a:off x="9074815" y="2653214"/>
-              <a:ext cx="1602994" cy="1602994"/>
-            </a:xfrm>
-            <a:prstGeom prst="ellipse">
-              <a:avLst/>
-            </a:prstGeom>
-            <a:solidFill>
-              <a:srgbClr val="FFE900"/>
-            </a:solidFill>
-            <a:ln>
-              <a:noFill/>
-            </a:ln>
-          </p:spPr>
-          <p:style>
-            <a:lnRef idx="2">
-              <a:schemeClr val="accent1">
-                <a:shade val="50000"/>
-              </a:schemeClr>
-            </a:lnRef>
-            <a:fillRef idx="1">
-              <a:schemeClr val="accent1"/>
-            </a:fillRef>
-            <a:effectRef idx="0">
-              <a:schemeClr val="accent1"/>
-            </a:effectRef>
-            <a:fontRef idx="minor">
-              <a:schemeClr val="lt1"/>
-            </a:fontRef>
-          </p:style>
-          <p:txBody>
-            <a:bodyPr rtlCol="0" anchor="ctr"/>
-            <a:lstStyle/>
-            <a:p>
-              <a:pPr algn="ctr"/>
-              <a:endParaRPr lang="en-US" dirty="0"/>
-            </a:p>
-          </p:txBody>
-        </p:sp>
-        <p:sp>
-          <p:nvSpPr>
-            <p:cNvPr id="18" name="Oval 17">
-              <a:extLst>
-                <a:ext uri="{FF2B5EF4-FFF2-40B4-BE49-F238E27FC236}">
-                  <a16:creationId xmlns:a16="http://schemas.microsoft.com/office/drawing/2014/main" id="{2C1F09C3-70BC-7748-B0A6-551C8821C51F}"/>
-                </a:ext>
-              </a:extLst>
-            </p:cNvPr>
-            <p:cNvSpPr/>
-            <p:nvPr/>
-          </p:nvSpPr>
-          <p:spPr>
-            <a:xfrm>
-              <a:off x="1124847" y="4508268"/>
-              <a:ext cx="1602994" cy="1602994"/>
-            </a:xfrm>
-            <a:prstGeom prst="ellipse">
-              <a:avLst/>
-            </a:prstGeom>
-            <a:solidFill>
-              <a:srgbClr val="6EC800"/>
-            </a:solidFill>
-            <a:ln>
-              <a:noFill/>
-            </a:ln>
-          </p:spPr>
-          <p:style>
-            <a:lnRef idx="2">
-              <a:schemeClr val="accent1">
-                <a:shade val="50000"/>
-              </a:schemeClr>
-            </a:lnRef>
-            <a:fillRef idx="1">
-              <a:schemeClr val="accent1"/>
-            </a:fillRef>
-            <a:effectRef idx="0">
-              <a:schemeClr val="accent1"/>
-            </a:effectRef>
-            <a:fontRef idx="minor">
-              <a:schemeClr val="lt1"/>
-            </a:fontRef>
-          </p:style>
-          <p:txBody>
-            <a:bodyPr rtlCol="0" anchor="ctr"/>
-            <a:lstStyle/>
-            <a:p>
-              <a:pPr algn="ctr"/>
-              <a:endParaRPr lang="en-US"/>
-            </a:p>
-          </p:txBody>
-        </p:sp>
-        <p:sp>
-          <p:nvSpPr>
-            <p:cNvPr id="19" name="Oval 18">
-              <a:extLst>
-                <a:ext uri="{FF2B5EF4-FFF2-40B4-BE49-F238E27FC236}">
-                  <a16:creationId xmlns:a16="http://schemas.microsoft.com/office/drawing/2014/main" id="{BDC653A9-9DB3-9E41-842E-7EB5A5DC0B69}"/>
-                </a:ext>
-              </a:extLst>
-            </p:cNvPr>
-            <p:cNvSpPr/>
-            <p:nvPr/>
-          </p:nvSpPr>
-          <p:spPr>
-            <a:xfrm>
-              <a:off x="3112339" y="4508268"/>
-              <a:ext cx="1602994" cy="1602994"/>
-            </a:xfrm>
-            <a:prstGeom prst="ellipse">
-              <a:avLst/>
-            </a:prstGeom>
-            <a:solidFill>
-              <a:srgbClr val="BBDC00"/>
-            </a:solidFill>
-            <a:ln>
-              <a:noFill/>
-            </a:ln>
-          </p:spPr>
-          <p:style>
-            <a:lnRef idx="2">
-              <a:schemeClr val="accent1">
-                <a:shade val="50000"/>
-              </a:schemeClr>
-            </a:lnRef>
-            <a:fillRef idx="1">
-              <a:schemeClr val="accent1"/>
-            </a:fillRef>
-            <a:effectRef idx="0">
-              <a:schemeClr val="accent1"/>
-            </a:effectRef>
-            <a:fontRef idx="minor">
-              <a:schemeClr val="lt1"/>
-            </a:fontRef>
-          </p:style>
-          <p:txBody>
-            <a:bodyPr rtlCol="0" anchor="ctr"/>
-            <a:lstStyle/>
-            <a:p>
-              <a:pPr algn="ctr"/>
-              <a:endParaRPr lang="en-US" dirty="0"/>
-            </a:p>
-          </p:txBody>
-        </p:sp>
-        <p:sp>
-          <p:nvSpPr>
-            <p:cNvPr id="20" name="Oval 19">
-              <a:extLst>
-                <a:ext uri="{FF2B5EF4-FFF2-40B4-BE49-F238E27FC236}">
-                  <a16:creationId xmlns:a16="http://schemas.microsoft.com/office/drawing/2014/main" id="{FBA56DD2-FF30-2240-B895-279AB1DB15B6}"/>
-                </a:ext>
-              </a:extLst>
-            </p:cNvPr>
-            <p:cNvSpPr/>
-            <p:nvPr/>
-          </p:nvSpPr>
-          <p:spPr>
-            <a:xfrm>
-              <a:off x="5099831" y="4508268"/>
-              <a:ext cx="1602994" cy="1602994"/>
-            </a:xfrm>
-            <a:prstGeom prst="ellipse">
-              <a:avLst/>
-            </a:prstGeom>
-            <a:solidFill>
-              <a:srgbClr val="3044B5"/>
-            </a:solidFill>
-            <a:ln>
-              <a:noFill/>
-            </a:ln>
-          </p:spPr>
-          <p:style>
-            <a:lnRef idx="2">
-              <a:schemeClr val="accent1">
-                <a:shade val="50000"/>
-              </a:schemeClr>
-            </a:lnRef>
-            <a:fillRef idx="1">
-              <a:schemeClr val="accent1"/>
-            </a:fillRef>
-            <a:effectRef idx="0">
-              <a:schemeClr val="accent1"/>
-            </a:effectRef>
-            <a:fontRef idx="minor">
-              <a:schemeClr val="lt1"/>
-            </a:fontRef>
-          </p:style>
-          <p:txBody>
-            <a:bodyPr rtlCol="0" anchor="ctr"/>
-            <a:lstStyle/>
-            <a:p>
-              <a:pPr algn="ctr"/>
-              <a:endParaRPr lang="en-US" dirty="0"/>
-            </a:p>
-          </p:txBody>
-        </p:sp>
-        <p:sp>
-          <p:nvSpPr>
-            <p:cNvPr id="22" name="Oval 21">
-              <a:extLst>
-                <a:ext uri="{FF2B5EF4-FFF2-40B4-BE49-F238E27FC236}">
-                  <a16:creationId xmlns:a16="http://schemas.microsoft.com/office/drawing/2014/main" id="{5B23B901-EF94-F242-87BE-8703AC3C8EA9}"/>
-                </a:ext>
-              </a:extLst>
-            </p:cNvPr>
-            <p:cNvSpPr/>
-            <p:nvPr/>
-          </p:nvSpPr>
-          <p:spPr>
-            <a:xfrm>
-              <a:off x="7087323" y="4508268"/>
-              <a:ext cx="1602994" cy="1602994"/>
-            </a:xfrm>
-            <a:prstGeom prst="ellipse">
-              <a:avLst/>
-            </a:prstGeom>
-            <a:solidFill>
-              <a:srgbClr val="007AA5"/>
-            </a:solidFill>
-            <a:ln>
-              <a:noFill/>
-            </a:ln>
-          </p:spPr>
-          <p:style>
-            <a:lnRef idx="2">
-              <a:schemeClr val="accent1">
-                <a:shade val="50000"/>
-              </a:schemeClr>
-            </a:lnRef>
-            <a:fillRef idx="1">
-              <a:schemeClr val="accent1"/>
-            </a:fillRef>
-            <a:effectRef idx="0">
-              <a:schemeClr val="accent1"/>
-            </a:effectRef>
-            <a:fontRef idx="minor">
-              <a:schemeClr val="lt1"/>
-            </a:fontRef>
-          </p:style>
-          <p:txBody>
-            <a:bodyPr rtlCol="0" anchor="ctr"/>
-            <a:lstStyle/>
-            <a:p>
-              <a:pPr algn="ctr"/>
-              <a:endParaRPr lang="en-US"/>
-            </a:p>
-          </p:txBody>
-        </p:sp>
-        <p:sp>
-          <p:nvSpPr>
-            <p:cNvPr id="23" name="Oval 22">
-              <a:extLst>
-                <a:ext uri="{FF2B5EF4-FFF2-40B4-BE49-F238E27FC236}">
-                  <a16:creationId xmlns:a16="http://schemas.microsoft.com/office/drawing/2014/main" id="{91E0B383-BD24-9C45-B98B-FCC7A09D491F}"/>
-                </a:ext>
-              </a:extLst>
-            </p:cNvPr>
-            <p:cNvSpPr/>
-            <p:nvPr/>
-          </p:nvSpPr>
-          <p:spPr>
-            <a:xfrm>
-              <a:off x="9074815" y="4508268"/>
-              <a:ext cx="1602994" cy="1602994"/>
-            </a:xfrm>
-            <a:prstGeom prst="ellipse">
-              <a:avLst/>
-            </a:prstGeom>
-            <a:solidFill>
-              <a:srgbClr val="00AEEF"/>
-            </a:solidFill>
-            <a:ln>
-              <a:noFill/>
-            </a:ln>
-          </p:spPr>
-          <p:style>
-            <a:lnRef idx="2">
-              <a:schemeClr val="accent1">
-                <a:shade val="50000"/>
-              </a:schemeClr>
-            </a:lnRef>
-            <a:fillRef idx="1">
-              <a:schemeClr val="accent1"/>
-            </a:fillRef>
-            <a:effectRef idx="0">
-              <a:schemeClr val="accent1"/>
-            </a:effectRef>
-            <a:fontRef idx="minor">
-              <a:schemeClr val="lt1"/>
-            </a:fontRef>
-          </p:style>
-          <p:txBody>
-            <a:bodyPr rtlCol="0" anchor="ctr"/>
-            <a:lstStyle/>
-            <a:p>
-              <a:pPr algn="ctr"/>
-              <a:endParaRPr lang="en-US" dirty="0"/>
-            </a:p>
-          </p:txBody>
-        </p:sp>
-        <p:sp>
-          <p:nvSpPr>
-            <p:cNvPr id="24" name="TextBox 23">
-              <a:extLst>
-                <a:ext uri="{FF2B5EF4-FFF2-40B4-BE49-F238E27FC236}">
-                  <a16:creationId xmlns:a16="http://schemas.microsoft.com/office/drawing/2014/main" id="{A708D197-643B-D848-9529-8D551AE6AA96}"/>
-                </a:ext>
-              </a:extLst>
-            </p:cNvPr>
-            <p:cNvSpPr txBox="1"/>
-            <p:nvPr/>
-          </p:nvSpPr>
-          <p:spPr>
-            <a:xfrm>
-              <a:off x="1489565" y="3160018"/>
-              <a:ext cx="972977" cy="738664"/>
-            </a:xfrm>
-            <a:prstGeom prst="rect">
-              <a:avLst/>
-            </a:prstGeom>
-            <a:noFill/>
-          </p:spPr>
-          <p:txBody>
-            <a:bodyPr wrap="square" rtlCol="0">
-              <a:spAutoFit/>
-            </a:bodyPr>
-            <a:lstStyle/>
-            <a:p>
-              <a:r>
-                <a:rPr lang="en-US" sz="1400" dirty="0">
-                  <a:latin typeface="Gotham Office" panose="02000000000000000000" pitchFamily="2" charset="0"/>
-                </a:rPr>
-                <a:t>R: 203</a:t>
-              </a:r>
-            </a:p>
-            <a:p>
-              <a:r>
-                <a:rPr lang="en-US" sz="1400" dirty="0">
-                  <a:latin typeface="Gotham Office" panose="02000000000000000000" pitchFamily="2" charset="0"/>
-                </a:rPr>
-                <a:t>B:  44</a:t>
-              </a:r>
-            </a:p>
-            <a:p>
-              <a:r>
-                <a:rPr lang="en-US" sz="1400" dirty="0">
-                  <a:latin typeface="Gotham Office" panose="02000000000000000000" pitchFamily="2" charset="0"/>
-                </a:rPr>
-                <a:t>G:  48</a:t>
-              </a:r>
-            </a:p>
-          </p:txBody>
-        </p:sp>
-        <p:sp>
-          <p:nvSpPr>
-            <p:cNvPr id="25" name="TextBox 24">
-              <a:extLst>
-                <a:ext uri="{FF2B5EF4-FFF2-40B4-BE49-F238E27FC236}">
-                  <a16:creationId xmlns:a16="http://schemas.microsoft.com/office/drawing/2014/main" id="{B43CD4D7-4047-0249-A200-1A6AAE3E5E37}"/>
-                </a:ext>
-              </a:extLst>
-            </p:cNvPr>
-            <p:cNvSpPr txBox="1"/>
-            <p:nvPr/>
-          </p:nvSpPr>
-          <p:spPr>
-            <a:xfrm>
-              <a:off x="3511429" y="3171893"/>
-              <a:ext cx="805722" cy="738664"/>
-            </a:xfrm>
-            <a:prstGeom prst="rect">
-              <a:avLst/>
-            </a:prstGeom>
-            <a:noFill/>
-          </p:spPr>
-          <p:txBody>
-            <a:bodyPr wrap="square" rtlCol="0">
-              <a:spAutoFit/>
-            </a:bodyPr>
-            <a:lstStyle/>
-            <a:p>
-              <a:r>
-                <a:rPr lang="en-US" sz="1400" dirty="0">
-                  <a:latin typeface="Gotham Office" panose="02000000000000000000" pitchFamily="2" charset="0"/>
-                </a:rPr>
-                <a:t>R: 255</a:t>
-              </a:r>
-            </a:p>
-            <a:p>
-              <a:r>
-                <a:rPr lang="en-US" sz="1400" dirty="0">
-                  <a:latin typeface="Gotham Office" panose="02000000000000000000" pitchFamily="2" charset="0"/>
-                </a:rPr>
-                <a:t>B: 82</a:t>
-              </a:r>
-            </a:p>
-            <a:p>
-              <a:r>
-                <a:rPr lang="en-US" sz="1400" dirty="0">
-                  <a:latin typeface="Gotham Office" panose="02000000000000000000" pitchFamily="2" charset="0"/>
-                </a:rPr>
-                <a:t>G: 43</a:t>
-              </a:r>
-            </a:p>
-          </p:txBody>
-        </p:sp>
-        <p:sp>
-          <p:nvSpPr>
-            <p:cNvPr id="26" name="TextBox 25">
-              <a:extLst>
-                <a:ext uri="{FF2B5EF4-FFF2-40B4-BE49-F238E27FC236}">
-                  <a16:creationId xmlns:a16="http://schemas.microsoft.com/office/drawing/2014/main" id="{75952D01-6DE7-C94A-B40C-15647F10067D}"/>
-                </a:ext>
-              </a:extLst>
-            </p:cNvPr>
-            <p:cNvSpPr txBox="1"/>
-            <p:nvPr/>
-          </p:nvSpPr>
-          <p:spPr>
-            <a:xfrm>
-              <a:off x="5498770" y="3160018"/>
-              <a:ext cx="805722" cy="738664"/>
-            </a:xfrm>
-            <a:prstGeom prst="rect">
-              <a:avLst/>
-            </a:prstGeom>
-            <a:noFill/>
-          </p:spPr>
-          <p:txBody>
-            <a:bodyPr wrap="square" rtlCol="0">
-              <a:spAutoFit/>
-            </a:bodyPr>
-            <a:lstStyle/>
-            <a:p>
-              <a:r>
-                <a:rPr lang="en-US" sz="1400" dirty="0">
-                  <a:latin typeface="Gotham Office" panose="02000000000000000000" pitchFamily="2" charset="0"/>
-                </a:rPr>
-                <a:t>R: 255</a:t>
-              </a:r>
-            </a:p>
-            <a:p>
-              <a:r>
-                <a:rPr lang="en-US" sz="1400" dirty="0">
-                  <a:latin typeface="Gotham Office" panose="02000000000000000000" pitchFamily="2" charset="0"/>
-                </a:rPr>
-                <a:t>B: 0</a:t>
-              </a:r>
-            </a:p>
-            <a:p>
-              <a:r>
-                <a:rPr lang="en-US" sz="1400" dirty="0">
-                  <a:latin typeface="Gotham Office" panose="02000000000000000000" pitchFamily="2" charset="0"/>
-                </a:rPr>
-                <a:t>G: 147</a:t>
-              </a:r>
-            </a:p>
-          </p:txBody>
-        </p:sp>
-        <p:sp>
-          <p:nvSpPr>
-            <p:cNvPr id="27" name="TextBox 26">
-              <a:extLst>
-                <a:ext uri="{FF2B5EF4-FFF2-40B4-BE49-F238E27FC236}">
-                  <a16:creationId xmlns:a16="http://schemas.microsoft.com/office/drawing/2014/main" id="{86B61CF1-B564-DC48-969C-6A3DEDC0999F}"/>
-                </a:ext>
-              </a:extLst>
-            </p:cNvPr>
-            <p:cNvSpPr txBox="1"/>
-            <p:nvPr/>
-          </p:nvSpPr>
-          <p:spPr>
-            <a:xfrm>
-              <a:off x="7530355" y="3160018"/>
-              <a:ext cx="805722" cy="738664"/>
-            </a:xfrm>
-            <a:prstGeom prst="rect">
-              <a:avLst/>
-            </a:prstGeom>
-            <a:noFill/>
-          </p:spPr>
-          <p:txBody>
-            <a:bodyPr wrap="square" rtlCol="0">
-              <a:spAutoFit/>
-            </a:bodyPr>
-            <a:lstStyle/>
-            <a:p>
-              <a:r>
-                <a:rPr lang="en-US" sz="1400" dirty="0">
-                  <a:latin typeface="Gotham Office" panose="02000000000000000000" pitchFamily="2" charset="0"/>
-                </a:rPr>
-                <a:t>R: 255</a:t>
-              </a:r>
-            </a:p>
-            <a:p>
-              <a:r>
-                <a:rPr lang="en-US" sz="1400" dirty="0">
-                  <a:latin typeface="Gotham Office" panose="02000000000000000000" pitchFamily="2" charset="0"/>
-                </a:rPr>
-                <a:t>B: 198</a:t>
-              </a:r>
-            </a:p>
-            <a:p>
-              <a:r>
-                <a:rPr lang="en-US" sz="1400" dirty="0">
-                  <a:latin typeface="Gotham Office" panose="02000000000000000000" pitchFamily="2" charset="0"/>
-                </a:rPr>
-                <a:t>G: 0</a:t>
-              </a:r>
-            </a:p>
-          </p:txBody>
-        </p:sp>
-        <p:sp>
-          <p:nvSpPr>
-            <p:cNvPr id="28" name="TextBox 27">
-              <a:extLst>
-                <a:ext uri="{FF2B5EF4-FFF2-40B4-BE49-F238E27FC236}">
-                  <a16:creationId xmlns:a16="http://schemas.microsoft.com/office/drawing/2014/main" id="{E44BDDA5-249B-E94E-95C0-D6B1C69D2DA4}"/>
-                </a:ext>
-              </a:extLst>
-            </p:cNvPr>
-            <p:cNvSpPr txBox="1"/>
-            <p:nvPr/>
-          </p:nvSpPr>
-          <p:spPr>
-            <a:xfrm>
-              <a:off x="9473451" y="3160018"/>
-              <a:ext cx="805722" cy="738664"/>
-            </a:xfrm>
-            <a:prstGeom prst="rect">
-              <a:avLst/>
-            </a:prstGeom>
-            <a:noFill/>
-          </p:spPr>
-          <p:txBody>
-            <a:bodyPr wrap="square" rtlCol="0">
-              <a:spAutoFit/>
-            </a:bodyPr>
-            <a:lstStyle/>
-            <a:p>
-              <a:r>
-                <a:rPr lang="en-US" sz="1400" dirty="0">
-                  <a:latin typeface="Gotham Office" panose="02000000000000000000" pitchFamily="2" charset="0"/>
-                </a:rPr>
-                <a:t>R: 255</a:t>
-              </a:r>
-            </a:p>
-            <a:p>
-              <a:r>
-                <a:rPr lang="en-US" sz="1400" dirty="0">
-                  <a:latin typeface="Gotham Office" panose="02000000000000000000" pitchFamily="2" charset="0"/>
-                </a:rPr>
-                <a:t>B: 233</a:t>
-              </a:r>
-            </a:p>
-            <a:p>
-              <a:r>
-                <a:rPr lang="en-US" sz="1400" dirty="0">
-                  <a:latin typeface="Gotham Office" panose="02000000000000000000" pitchFamily="2" charset="0"/>
-                </a:rPr>
-                <a:t>G: 0</a:t>
-              </a:r>
-            </a:p>
-          </p:txBody>
-        </p:sp>
-        <p:sp>
-          <p:nvSpPr>
-            <p:cNvPr id="29" name="TextBox 28">
-              <a:extLst>
-                <a:ext uri="{FF2B5EF4-FFF2-40B4-BE49-F238E27FC236}">
-                  <a16:creationId xmlns:a16="http://schemas.microsoft.com/office/drawing/2014/main" id="{D2CB1041-7A72-A94E-A4B3-5C708B1CF369}"/>
-                </a:ext>
-              </a:extLst>
-            </p:cNvPr>
-            <p:cNvSpPr txBox="1"/>
-            <p:nvPr/>
-          </p:nvSpPr>
-          <p:spPr>
-            <a:xfrm>
-              <a:off x="1489565" y="4961325"/>
-              <a:ext cx="972977" cy="738664"/>
-            </a:xfrm>
-            <a:prstGeom prst="rect">
-              <a:avLst/>
-            </a:prstGeom>
-            <a:noFill/>
-          </p:spPr>
-          <p:txBody>
-            <a:bodyPr wrap="square" rtlCol="0">
-              <a:spAutoFit/>
-            </a:bodyPr>
-            <a:lstStyle/>
-            <a:p>
-              <a:r>
-                <a:rPr lang="en-US" sz="1400" dirty="0">
-                  <a:latin typeface="Gotham Office" panose="02000000000000000000" pitchFamily="2" charset="0"/>
-                </a:rPr>
-                <a:t>R: 110</a:t>
-              </a:r>
-            </a:p>
-            <a:p>
-              <a:r>
-                <a:rPr lang="en-US" sz="1400" dirty="0">
-                  <a:latin typeface="Gotham Office" panose="02000000000000000000" pitchFamily="2" charset="0"/>
-                </a:rPr>
-                <a:t>B:  200</a:t>
-              </a:r>
-            </a:p>
-            <a:p>
-              <a:r>
-                <a:rPr lang="en-US" sz="1400" dirty="0">
-                  <a:latin typeface="Gotham Office" panose="02000000000000000000" pitchFamily="2" charset="0"/>
-                </a:rPr>
-                <a:t>G:  41</a:t>
-              </a:r>
-            </a:p>
-          </p:txBody>
-        </p:sp>
-        <p:sp>
-          <p:nvSpPr>
-            <p:cNvPr id="30" name="TextBox 29">
-              <a:extLst>
-                <a:ext uri="{FF2B5EF4-FFF2-40B4-BE49-F238E27FC236}">
-                  <a16:creationId xmlns:a16="http://schemas.microsoft.com/office/drawing/2014/main" id="{0C044239-CFEA-B54C-88C3-7636E1F79D29}"/>
-                </a:ext>
-              </a:extLst>
-            </p:cNvPr>
-            <p:cNvSpPr txBox="1"/>
-            <p:nvPr/>
-          </p:nvSpPr>
-          <p:spPr>
-            <a:xfrm>
-              <a:off x="3511429" y="4961325"/>
-              <a:ext cx="805722" cy="738664"/>
-            </a:xfrm>
-            <a:prstGeom prst="rect">
-              <a:avLst/>
-            </a:prstGeom>
-            <a:noFill/>
-          </p:spPr>
-          <p:txBody>
-            <a:bodyPr wrap="square" rtlCol="0">
-              <a:spAutoFit/>
-            </a:bodyPr>
-            <a:lstStyle/>
-            <a:p>
-              <a:r>
-                <a:rPr lang="en-US" sz="1400" dirty="0">
-                  <a:latin typeface="Gotham Office" panose="02000000000000000000" pitchFamily="2" charset="0"/>
-                </a:rPr>
-                <a:t>R: 187</a:t>
-              </a:r>
-            </a:p>
-            <a:p>
-              <a:r>
-                <a:rPr lang="en-US" sz="1400" dirty="0">
-                  <a:latin typeface="Gotham Office" panose="02000000000000000000" pitchFamily="2" charset="0"/>
-                </a:rPr>
-                <a:t>B: 220</a:t>
-              </a:r>
-            </a:p>
-            <a:p>
-              <a:r>
-                <a:rPr lang="en-US" sz="1400" dirty="0">
-                  <a:latin typeface="Gotham Office" panose="02000000000000000000" pitchFamily="2" charset="0"/>
-                </a:rPr>
-                <a:t>G: 0</a:t>
-              </a:r>
-            </a:p>
-          </p:txBody>
-        </p:sp>
-        <p:sp>
-          <p:nvSpPr>
-            <p:cNvPr id="31" name="TextBox 30">
-              <a:extLst>
-                <a:ext uri="{FF2B5EF4-FFF2-40B4-BE49-F238E27FC236}">
-                  <a16:creationId xmlns:a16="http://schemas.microsoft.com/office/drawing/2014/main" id="{D81E4642-69AA-D440-8C18-E8EAB9C19C0F}"/>
-                </a:ext>
-              </a:extLst>
-            </p:cNvPr>
-            <p:cNvSpPr txBox="1"/>
-            <p:nvPr/>
-          </p:nvSpPr>
-          <p:spPr>
-            <a:xfrm>
-              <a:off x="5498770" y="4961325"/>
-              <a:ext cx="805722" cy="954107"/>
-            </a:xfrm>
-            <a:prstGeom prst="rect">
-              <a:avLst/>
-            </a:prstGeom>
-            <a:noFill/>
-          </p:spPr>
-          <p:txBody>
-            <a:bodyPr wrap="square" rtlCol="0">
-              <a:spAutoFit/>
-            </a:bodyPr>
-            <a:lstStyle/>
-            <a:p>
-              <a:r>
-                <a:rPr lang="en-US" sz="1400" dirty="0">
-                  <a:solidFill>
-                    <a:schemeClr val="bg1"/>
-                  </a:solidFill>
-                  <a:latin typeface="Gotham Office" panose="02000000000000000000" pitchFamily="2" charset="0"/>
-                </a:rPr>
-                <a:t>R: 48</a:t>
-              </a:r>
-            </a:p>
-            <a:p>
-              <a:r>
-                <a:rPr lang="en-US" sz="1400" dirty="0">
-                  <a:solidFill>
-                    <a:schemeClr val="bg1"/>
-                  </a:solidFill>
-                  <a:latin typeface="Gotham Office" panose="02000000000000000000" pitchFamily="2" charset="0"/>
-                </a:rPr>
-                <a:t>B: 68</a:t>
-              </a:r>
-            </a:p>
-            <a:p>
-              <a:r>
-                <a:rPr lang="en-US" sz="1400" dirty="0">
-                  <a:solidFill>
-                    <a:schemeClr val="bg1"/>
-                  </a:solidFill>
-                  <a:latin typeface="Gotham Office" panose="02000000000000000000" pitchFamily="2" charset="0"/>
-                </a:rPr>
-                <a:t>G: 181</a:t>
-              </a:r>
-            </a:p>
-            <a:p>
-              <a:r>
-                <a:rPr lang="en-US" sz="1400" dirty="0">
-                  <a:latin typeface="Gotham Office" panose="02000000000000000000" pitchFamily="2" charset="0"/>
-                </a:rPr>
-                <a:t>     </a:t>
-              </a:r>
-              <a:endParaRPr lang="en-US" sz="1400" dirty="0">
-                <a:solidFill>
-                  <a:schemeClr val="bg1"/>
+                  <a:prstClr val="white"/>
                 </a:solidFill>
                 <a:latin typeface="Gotham Office" panose="02000000000000000000" pitchFamily="2" charset="0"/>
-              </a:endParaRPr>
-            </a:p>
-          </p:txBody>
-        </p:sp>
-        <p:sp>
-          <p:nvSpPr>
-            <p:cNvPr id="32" name="TextBox 31">
-              <a:extLst>
-                <a:ext uri="{FF2B5EF4-FFF2-40B4-BE49-F238E27FC236}">
-                  <a16:creationId xmlns:a16="http://schemas.microsoft.com/office/drawing/2014/main" id="{3A754B76-2146-4949-A250-06229CAB408B}"/>
-                </a:ext>
-              </a:extLst>
-            </p:cNvPr>
-            <p:cNvSpPr txBox="1"/>
-            <p:nvPr/>
-          </p:nvSpPr>
-          <p:spPr>
-            <a:xfrm>
-              <a:off x="7530355" y="4961325"/>
-              <a:ext cx="805722" cy="738664"/>
-            </a:xfrm>
-            <a:prstGeom prst="rect">
-              <a:avLst/>
-            </a:prstGeom>
-            <a:noFill/>
-          </p:spPr>
-          <p:txBody>
-            <a:bodyPr wrap="square" rtlCol="0">
-              <a:spAutoFit/>
-            </a:bodyPr>
-            <a:lstStyle/>
-            <a:p>
-              <a:r>
-                <a:rPr lang="en-US" sz="1400" dirty="0">
-                  <a:latin typeface="Gotham Office" panose="02000000000000000000" pitchFamily="2" charset="0"/>
-                </a:rPr>
-                <a:t>R: 0</a:t>
-              </a:r>
-            </a:p>
-            <a:p>
-              <a:r>
-                <a:rPr lang="en-US" sz="1400" dirty="0">
-                  <a:latin typeface="Gotham Office" panose="02000000000000000000" pitchFamily="2" charset="0"/>
-                </a:rPr>
-                <a:t>B: 122</a:t>
-              </a:r>
-            </a:p>
-            <a:p>
-              <a:r>
-                <a:rPr lang="en-US" sz="1400" dirty="0">
-                  <a:latin typeface="Gotham Office" panose="02000000000000000000" pitchFamily="2" charset="0"/>
-                </a:rPr>
-                <a:t>G: 165</a:t>
-              </a:r>
-            </a:p>
-          </p:txBody>
-        </p:sp>
-        <p:sp>
-          <p:nvSpPr>
-            <p:cNvPr id="33" name="TextBox 32">
-              <a:extLst>
-                <a:ext uri="{FF2B5EF4-FFF2-40B4-BE49-F238E27FC236}">
-                  <a16:creationId xmlns:a16="http://schemas.microsoft.com/office/drawing/2014/main" id="{98DBEB3D-96C8-0946-887D-7554D25E64C1}"/>
-                </a:ext>
-              </a:extLst>
-            </p:cNvPr>
-            <p:cNvSpPr txBox="1"/>
-            <p:nvPr/>
-          </p:nvSpPr>
-          <p:spPr>
-            <a:xfrm>
-              <a:off x="9473451" y="4961325"/>
-              <a:ext cx="805722" cy="738664"/>
-            </a:xfrm>
-            <a:prstGeom prst="rect">
-              <a:avLst/>
-            </a:prstGeom>
-            <a:noFill/>
-          </p:spPr>
-          <p:txBody>
-            <a:bodyPr wrap="square" rtlCol="0">
-              <a:spAutoFit/>
-            </a:bodyPr>
-            <a:lstStyle/>
-            <a:p>
-              <a:r>
-                <a:rPr lang="en-US" sz="1400" dirty="0">
-                  <a:latin typeface="Gotham Office" panose="02000000000000000000" pitchFamily="2" charset="0"/>
-                </a:rPr>
-                <a:t>R: 0</a:t>
-              </a:r>
-            </a:p>
-            <a:p>
-              <a:r>
-                <a:rPr lang="en-US" sz="1400" dirty="0">
-                  <a:latin typeface="Gotham Office" panose="02000000000000000000" pitchFamily="2" charset="0"/>
-                </a:rPr>
-                <a:t>B: 174</a:t>
-              </a:r>
-            </a:p>
-            <a:p>
-              <a:r>
-                <a:rPr lang="en-US" sz="1400" dirty="0">
-                  <a:latin typeface="Gotham Office" panose="02000000000000000000" pitchFamily="2" charset="0"/>
-                </a:rPr>
-                <a:t>G: 239</a:t>
-              </a:r>
-            </a:p>
-          </p:txBody>
-        </p:sp>
-        <p:sp>
-          <p:nvSpPr>
-            <p:cNvPr id="36" name="TextBox 35">
-              <a:extLst>
-                <a:ext uri="{FF2B5EF4-FFF2-40B4-BE49-F238E27FC236}">
-                  <a16:creationId xmlns:a16="http://schemas.microsoft.com/office/drawing/2014/main" id="{BA93D272-2A14-6E49-97F7-B4870FD2351C}"/>
-                </a:ext>
-              </a:extLst>
-            </p:cNvPr>
-            <p:cNvSpPr txBox="1"/>
-            <p:nvPr/>
-          </p:nvSpPr>
-          <p:spPr>
-            <a:xfrm>
-              <a:off x="3372250" y="3881848"/>
-              <a:ext cx="1334622" cy="261610"/>
-            </a:xfrm>
-            <a:prstGeom prst="rect">
-              <a:avLst/>
-            </a:prstGeom>
-            <a:noFill/>
-          </p:spPr>
-          <p:txBody>
-            <a:bodyPr wrap="square" rtlCol="0">
-              <a:spAutoFit/>
-            </a:bodyPr>
-            <a:lstStyle/>
-            <a:p>
-              <a:r>
-                <a:rPr lang="en-US" sz="1050" i="1" dirty="0">
-                  <a:latin typeface="Gotham Office" panose="02000000000000000000" pitchFamily="2" charset="0"/>
-                </a:rPr>
-                <a:t>theme color</a:t>
-              </a:r>
-            </a:p>
-          </p:txBody>
-        </p:sp>
-        <p:sp>
-          <p:nvSpPr>
-            <p:cNvPr id="37" name="TextBox 36">
-              <a:extLst>
-                <a:ext uri="{FF2B5EF4-FFF2-40B4-BE49-F238E27FC236}">
-                  <a16:creationId xmlns:a16="http://schemas.microsoft.com/office/drawing/2014/main" id="{A78A459E-D0FC-2248-811E-BF88AC339B68}"/>
-                </a:ext>
-              </a:extLst>
-            </p:cNvPr>
-            <p:cNvSpPr txBox="1"/>
-            <p:nvPr/>
-          </p:nvSpPr>
-          <p:spPr>
-            <a:xfrm>
-              <a:off x="1423477" y="5688252"/>
-              <a:ext cx="1334622" cy="261610"/>
-            </a:xfrm>
-            <a:prstGeom prst="rect">
-              <a:avLst/>
-            </a:prstGeom>
-            <a:noFill/>
-          </p:spPr>
-          <p:txBody>
-            <a:bodyPr wrap="square" rtlCol="0">
-              <a:spAutoFit/>
-            </a:bodyPr>
-            <a:lstStyle/>
-            <a:p>
-              <a:r>
-                <a:rPr lang="en-US" sz="1050" i="1" dirty="0">
-                  <a:latin typeface="Gotham Office" panose="02000000000000000000" pitchFamily="2" charset="0"/>
-                </a:rPr>
-                <a:t>theme color</a:t>
-              </a:r>
-            </a:p>
-          </p:txBody>
-        </p:sp>
-        <p:sp>
-          <p:nvSpPr>
-            <p:cNvPr id="38" name="TextBox 37">
-              <a:extLst>
-                <a:ext uri="{FF2B5EF4-FFF2-40B4-BE49-F238E27FC236}">
-                  <a16:creationId xmlns:a16="http://schemas.microsoft.com/office/drawing/2014/main" id="{4E3555B1-E86E-F146-9919-7138AA8CB6A1}"/>
-                </a:ext>
-              </a:extLst>
-            </p:cNvPr>
-            <p:cNvSpPr txBox="1"/>
-            <p:nvPr/>
-          </p:nvSpPr>
-          <p:spPr>
-            <a:xfrm>
-              <a:off x="7406386" y="5667426"/>
-              <a:ext cx="1334622" cy="261610"/>
-            </a:xfrm>
-            <a:prstGeom prst="rect">
-              <a:avLst/>
-            </a:prstGeom>
-            <a:noFill/>
-          </p:spPr>
-          <p:txBody>
-            <a:bodyPr wrap="square" rtlCol="0">
-              <a:spAutoFit/>
-            </a:bodyPr>
-            <a:lstStyle/>
-            <a:p>
-              <a:r>
-                <a:rPr lang="en-US" sz="1050" i="1" dirty="0">
-                  <a:latin typeface="Gotham Office" panose="02000000000000000000" pitchFamily="2" charset="0"/>
-                </a:rPr>
-                <a:t>theme color</a:t>
-              </a:r>
-            </a:p>
-          </p:txBody>
-        </p:sp>
-        <p:sp>
-          <p:nvSpPr>
-            <p:cNvPr id="39" name="TextBox 38">
-              <a:extLst>
-                <a:ext uri="{FF2B5EF4-FFF2-40B4-BE49-F238E27FC236}">
-                  <a16:creationId xmlns:a16="http://schemas.microsoft.com/office/drawing/2014/main" id="{1FD91ECE-A49D-2040-AD5D-C75CD17F8CCF}"/>
-                </a:ext>
-              </a:extLst>
-            </p:cNvPr>
-            <p:cNvSpPr txBox="1"/>
-            <p:nvPr/>
-          </p:nvSpPr>
-          <p:spPr>
-            <a:xfrm>
-              <a:off x="5354065" y="5677572"/>
-              <a:ext cx="1334622" cy="261610"/>
-            </a:xfrm>
-            <a:prstGeom prst="rect">
-              <a:avLst/>
-            </a:prstGeom>
-            <a:noFill/>
-          </p:spPr>
-          <p:txBody>
-            <a:bodyPr wrap="square" rtlCol="0">
-              <a:spAutoFit/>
-            </a:bodyPr>
-            <a:lstStyle/>
-            <a:p>
-              <a:r>
-                <a:rPr lang="en-US" sz="1050" i="1" dirty="0">
-                  <a:solidFill>
-                    <a:schemeClr val="bg1"/>
-                  </a:solidFill>
-                  <a:latin typeface="Gotham Office" panose="02000000000000000000" pitchFamily="2" charset="0"/>
-                </a:rPr>
-                <a:t>theme color</a:t>
-              </a:r>
-            </a:p>
-          </p:txBody>
-        </p:sp>
-        <p:sp>
-          <p:nvSpPr>
-            <p:cNvPr id="40" name="TextBox 39">
-              <a:extLst>
-                <a:ext uri="{FF2B5EF4-FFF2-40B4-BE49-F238E27FC236}">
-                  <a16:creationId xmlns:a16="http://schemas.microsoft.com/office/drawing/2014/main" id="{ADAB61C4-86FD-BB4D-AE75-178A89178AE2}"/>
-                </a:ext>
-              </a:extLst>
-            </p:cNvPr>
-            <p:cNvSpPr txBox="1"/>
-            <p:nvPr/>
-          </p:nvSpPr>
-          <p:spPr>
-            <a:xfrm>
-              <a:off x="9343187" y="5664651"/>
-              <a:ext cx="1334622" cy="261610"/>
-            </a:xfrm>
-            <a:prstGeom prst="rect">
-              <a:avLst/>
-            </a:prstGeom>
-            <a:noFill/>
-          </p:spPr>
-          <p:txBody>
-            <a:bodyPr wrap="square" rtlCol="0">
-              <a:spAutoFit/>
-            </a:bodyPr>
-            <a:lstStyle/>
-            <a:p>
-              <a:r>
-                <a:rPr lang="en-US" sz="1050" i="1" dirty="0">
-                  <a:latin typeface="Gotham Office" panose="02000000000000000000" pitchFamily="2" charset="0"/>
-                </a:rPr>
-                <a:t>theme color</a:t>
-              </a:r>
-            </a:p>
-          </p:txBody>
-        </p:sp>
-      </p:grpSp>
+                <a:cs typeface="Arial" panose="020B0604020202020204" pitchFamily="34" charset="0"/>
+              </a:rPr>
+              <a:t>Notebook 1: Winter OSW Analysis</a:t>
+            </a:r>
+          </a:p>
+        </p:txBody>
+      </p:sp>
     </p:spTree>
     <p:extLst>
       <p:ext uri="{BB962C8B-B14F-4D97-AF65-F5344CB8AC3E}">
-        <p14:creationId xmlns:p14="http://schemas.microsoft.com/office/powerpoint/2010/main" val="65253530"/>
+        <p14:creationId xmlns:p14="http://schemas.microsoft.com/office/powerpoint/2010/main" val="3499906704"/>
       </p:ext>
     </p:extLst>
   </p:cSld>
@@ -11444,68 +10446,102 @@
       </p:grpSpPr>
       <p:pic>
         <p:nvPicPr>
-          <p:cNvPr id="2" name="Picture 1">
-            <a:extLst>
-              <a:ext uri="{FF2B5EF4-FFF2-40B4-BE49-F238E27FC236}">
-                <a16:creationId xmlns:a16="http://schemas.microsoft.com/office/drawing/2014/main" id="{1DB0C96C-2CB7-A349-B3F3-147BFBEB55AA}"/>
+          <p:cNvPr id="15364" name="Picture 4">
+            <a:extLst>
+              <a:ext uri="{FF2B5EF4-FFF2-40B4-BE49-F238E27FC236}">
+                <a16:creationId xmlns:a16="http://schemas.microsoft.com/office/drawing/2014/main" id="{6A5D8D71-51C9-9C85-58E8-8A8A70BD4A58}"/>
               </a:ext>
             </a:extLst>
           </p:cNvPr>
           <p:cNvPicPr>
-            <a:picLocks noChangeAspect="1"/>
+            <a:picLocks noChangeAspect="1" noChangeArrowheads="1"/>
           </p:cNvPicPr>
           <p:nvPr/>
         </p:nvPicPr>
         <p:blipFill>
-          <a:blip r:embed="rId3"/>
+          <a:blip r:embed="rId2">
+            <a:extLst>
+              <a:ext uri="{28A0092B-C50C-407E-A947-70E740481C1C}">
+                <a14:useLocalDpi xmlns:a14="http://schemas.microsoft.com/office/drawing/2010/main" val="0"/>
+              </a:ext>
+            </a:extLst>
+          </a:blip>
+          <a:srcRect/>
           <a:stretch>
             <a:fillRect/>
           </a:stretch>
         </p:blipFill>
-        <p:spPr>
+        <p:spPr bwMode="auto">
           <a:xfrm>
-            <a:off x="749162" y="784984"/>
+            <a:off x="735910" y="1262060"/>
             <a:ext cx="5048250" cy="4333875"/>
           </a:xfrm>
           <a:prstGeom prst="rect">
             <a:avLst/>
           </a:prstGeom>
+          <a:noFill/>
+          <a:extLst>
+            <a:ext uri="{909E8E84-426E-40DD-AFC4-6F175D3DCCD1}">
+              <a14:hiddenFill xmlns:a14="http://schemas.microsoft.com/office/drawing/2010/main">
+                <a:solidFill>
+                  <a:srgbClr val="FFFFFF"/>
+                </a:solidFill>
+              </a14:hiddenFill>
+            </a:ext>
+          </a:extLst>
         </p:spPr>
       </p:pic>
       <p:pic>
         <p:nvPicPr>
-          <p:cNvPr id="3" name="Picture 2">
-            <a:extLst>
-              <a:ext uri="{FF2B5EF4-FFF2-40B4-BE49-F238E27FC236}">
-                <a16:creationId xmlns:a16="http://schemas.microsoft.com/office/drawing/2014/main" id="{77605C85-9013-5A7E-8B1B-B5604776B2C8}"/>
+          <p:cNvPr id="15366" name="Picture 6">
+            <a:extLst>
+              <a:ext uri="{FF2B5EF4-FFF2-40B4-BE49-F238E27FC236}">
+                <a16:creationId xmlns:a16="http://schemas.microsoft.com/office/drawing/2014/main" id="{9FD37391-9E51-523C-1C53-39D231180384}"/>
               </a:ext>
             </a:extLst>
           </p:cNvPr>
           <p:cNvPicPr>
-            <a:picLocks noChangeAspect="1"/>
+            <a:picLocks noChangeAspect="1" noChangeArrowheads="1"/>
           </p:cNvPicPr>
           <p:nvPr/>
         </p:nvPicPr>
         <p:blipFill>
-          <a:blip r:embed="rId4"/>
+          <a:blip r:embed="rId3">
+            <a:extLst>
+              <a:ext uri="{28A0092B-C50C-407E-A947-70E740481C1C}">
+                <a14:useLocalDpi xmlns:a14="http://schemas.microsoft.com/office/drawing/2010/main" val="0"/>
+              </a:ext>
+            </a:extLst>
+          </a:blip>
+          <a:srcRect/>
           <a:stretch>
             <a:fillRect/>
           </a:stretch>
         </p:blipFill>
-        <p:spPr>
+        <p:spPr bwMode="auto">
           <a:xfrm>
-            <a:off x="6394588" y="784984"/>
+            <a:off x="6407840" y="1262060"/>
             <a:ext cx="5048250" cy="4333875"/>
           </a:xfrm>
           <a:prstGeom prst="rect">
             <a:avLst/>
           </a:prstGeom>
+          <a:noFill/>
+          <a:extLst>
+            <a:ext uri="{909E8E84-426E-40DD-AFC4-6F175D3DCCD1}">
+              <a14:hiddenFill xmlns:a14="http://schemas.microsoft.com/office/drawing/2010/main">
+                <a:solidFill>
+                  <a:srgbClr val="FFFFFF"/>
+                </a:solidFill>
+              </a14:hiddenFill>
+            </a:ext>
+          </a:extLst>
         </p:spPr>
       </p:pic>
     </p:spTree>
     <p:extLst>
       <p:ext uri="{BB962C8B-B14F-4D97-AF65-F5344CB8AC3E}">
-        <p14:creationId xmlns:p14="http://schemas.microsoft.com/office/powerpoint/2010/main" val="2504327771"/>
+        <p14:creationId xmlns:p14="http://schemas.microsoft.com/office/powerpoint/2010/main" val="4268036222"/>
       </p:ext>
     </p:extLst>
   </p:cSld>
@@ -11534,68 +10570,102 @@
       </p:grpSpPr>
       <p:pic>
         <p:nvPicPr>
-          <p:cNvPr id="2" name="Picture 1">
-            <a:extLst>
-              <a:ext uri="{FF2B5EF4-FFF2-40B4-BE49-F238E27FC236}">
-                <a16:creationId xmlns:a16="http://schemas.microsoft.com/office/drawing/2014/main" id="{59B7702F-D3AE-211F-B8D0-02642A919420}"/>
+          <p:cNvPr id="16386" name="Picture 2">
+            <a:extLst>
+              <a:ext uri="{FF2B5EF4-FFF2-40B4-BE49-F238E27FC236}">
+                <a16:creationId xmlns:a16="http://schemas.microsoft.com/office/drawing/2014/main" id="{286BFF87-5EA7-DD18-FB00-D6C189C15F5F}"/>
               </a:ext>
             </a:extLst>
           </p:cNvPr>
           <p:cNvPicPr>
-            <a:picLocks noChangeAspect="1"/>
+            <a:picLocks noChangeAspect="1" noChangeArrowheads="1"/>
           </p:cNvPicPr>
           <p:nvPr/>
         </p:nvPicPr>
         <p:blipFill>
-          <a:blip r:embed="rId3"/>
+          <a:blip r:embed="rId2">
+            <a:extLst>
+              <a:ext uri="{28A0092B-C50C-407E-A947-70E740481C1C}">
+                <a14:useLocalDpi xmlns:a14="http://schemas.microsoft.com/office/drawing/2010/main" val="0"/>
+              </a:ext>
+            </a:extLst>
+          </a:blip>
+          <a:srcRect/>
           <a:stretch>
             <a:fillRect/>
           </a:stretch>
         </p:blipFill>
-        <p:spPr>
+        <p:spPr bwMode="auto">
           <a:xfrm>
-            <a:off x="709406" y="1262059"/>
+            <a:off x="678344" y="1262060"/>
             <a:ext cx="5048250" cy="4333875"/>
           </a:xfrm>
           <a:prstGeom prst="rect">
             <a:avLst/>
           </a:prstGeom>
+          <a:noFill/>
+          <a:extLst>
+            <a:ext uri="{909E8E84-426E-40DD-AFC4-6F175D3DCCD1}">
+              <a14:hiddenFill xmlns:a14="http://schemas.microsoft.com/office/drawing/2010/main">
+                <a:solidFill>
+                  <a:srgbClr val="FFFFFF"/>
+                </a:solidFill>
+              </a14:hiddenFill>
+            </a:ext>
+          </a:extLst>
         </p:spPr>
       </p:pic>
       <p:pic>
         <p:nvPicPr>
-          <p:cNvPr id="3" name="Picture 2">
-            <a:extLst>
-              <a:ext uri="{FF2B5EF4-FFF2-40B4-BE49-F238E27FC236}">
-                <a16:creationId xmlns:a16="http://schemas.microsoft.com/office/drawing/2014/main" id="{C874EE36-A2ED-D596-2A81-4803E92F1D4E}"/>
+          <p:cNvPr id="16388" name="Picture 4">
+            <a:extLst>
+              <a:ext uri="{FF2B5EF4-FFF2-40B4-BE49-F238E27FC236}">
+                <a16:creationId xmlns:a16="http://schemas.microsoft.com/office/drawing/2014/main" id="{FBE46ADB-48B4-7119-E263-37305C1FB10B}"/>
               </a:ext>
             </a:extLst>
           </p:cNvPr>
           <p:cNvPicPr>
-            <a:picLocks noChangeAspect="1"/>
+            <a:picLocks noChangeAspect="1" noChangeArrowheads="1"/>
           </p:cNvPicPr>
           <p:nvPr/>
         </p:nvPicPr>
         <p:blipFill>
-          <a:blip r:embed="rId4"/>
+          <a:blip r:embed="rId3">
+            <a:extLst>
+              <a:ext uri="{28A0092B-C50C-407E-A947-70E740481C1C}">
+                <a14:useLocalDpi xmlns:a14="http://schemas.microsoft.com/office/drawing/2010/main" val="0"/>
+              </a:ext>
+            </a:extLst>
+          </a:blip>
+          <a:srcRect/>
           <a:stretch>
             <a:fillRect/>
           </a:stretch>
         </p:blipFill>
-        <p:spPr>
+        <p:spPr bwMode="auto">
           <a:xfrm>
-            <a:off x="6434344" y="1262059"/>
-            <a:ext cx="5048250" cy="4333875"/>
+            <a:off x="6341581" y="1262061"/>
+            <a:ext cx="5172075" cy="4333875"/>
           </a:xfrm>
           <a:prstGeom prst="rect">
             <a:avLst/>
           </a:prstGeom>
+          <a:noFill/>
+          <a:extLst>
+            <a:ext uri="{909E8E84-426E-40DD-AFC4-6F175D3DCCD1}">
+              <a14:hiddenFill xmlns:a14="http://schemas.microsoft.com/office/drawing/2010/main">
+                <a:solidFill>
+                  <a:srgbClr val="FFFFFF"/>
+                </a:solidFill>
+              </a14:hiddenFill>
+            </a:ext>
+          </a:extLst>
         </p:spPr>
       </p:pic>
     </p:spTree>
     <p:extLst>
       <p:ext uri="{BB962C8B-B14F-4D97-AF65-F5344CB8AC3E}">
-        <p14:creationId xmlns:p14="http://schemas.microsoft.com/office/powerpoint/2010/main" val="728547961"/>
+        <p14:creationId xmlns:p14="http://schemas.microsoft.com/office/powerpoint/2010/main" val="378910861"/>
       </p:ext>
     </p:extLst>
   </p:cSld>
@@ -11624,212 +10694,96 @@
       </p:grpSpPr>
       <p:pic>
         <p:nvPicPr>
-          <p:cNvPr id="2" name="Picture 1">
-            <a:extLst>
-              <a:ext uri="{FF2B5EF4-FFF2-40B4-BE49-F238E27FC236}">
-                <a16:creationId xmlns:a16="http://schemas.microsoft.com/office/drawing/2014/main" id="{074ED847-0FC1-6180-B45E-D33960823D25}"/>
+          <p:cNvPr id="17410" name="Picture 2">
+            <a:extLst>
+              <a:ext uri="{FF2B5EF4-FFF2-40B4-BE49-F238E27FC236}">
+                <a16:creationId xmlns:a16="http://schemas.microsoft.com/office/drawing/2014/main" id="{F739C8FA-0E6A-0E2E-8710-37F7F5C6069D}"/>
               </a:ext>
             </a:extLst>
           </p:cNvPr>
           <p:cNvPicPr>
-            <a:picLocks noChangeAspect="1"/>
+            <a:picLocks noChangeAspect="1" noChangeArrowheads="1"/>
           </p:cNvPicPr>
           <p:nvPr/>
         </p:nvPicPr>
         <p:blipFill>
-          <a:blip r:embed="rId2"/>
+          <a:blip r:embed="rId2">
+            <a:extLst>
+              <a:ext uri="{28A0092B-C50C-407E-A947-70E740481C1C}">
+                <a14:useLocalDpi xmlns:a14="http://schemas.microsoft.com/office/drawing/2010/main" val="0"/>
+              </a:ext>
+            </a:extLst>
+          </a:blip>
+          <a:srcRect/>
           <a:stretch>
             <a:fillRect/>
           </a:stretch>
         </p:blipFill>
-        <p:spPr>
+        <p:spPr bwMode="auto">
           <a:xfrm>
-            <a:off x="709406" y="1156045"/>
+            <a:off x="682901" y="1262062"/>
             <a:ext cx="5048250" cy="4333875"/>
           </a:xfrm>
           <a:prstGeom prst="rect">
             <a:avLst/>
           </a:prstGeom>
+          <a:noFill/>
+          <a:extLst>
+            <a:ext uri="{909E8E84-426E-40DD-AFC4-6F175D3DCCD1}">
+              <a14:hiddenFill xmlns:a14="http://schemas.microsoft.com/office/drawing/2010/main">
+                <a:solidFill>
+                  <a:srgbClr val="FFFFFF"/>
+                </a:solidFill>
+              </a14:hiddenFill>
+            </a:ext>
+          </a:extLst>
         </p:spPr>
       </p:pic>
       <p:pic>
         <p:nvPicPr>
-          <p:cNvPr id="3" name="Picture 2">
-            <a:extLst>
-              <a:ext uri="{FF2B5EF4-FFF2-40B4-BE49-F238E27FC236}">
-                <a16:creationId xmlns:a16="http://schemas.microsoft.com/office/drawing/2014/main" id="{92FE9175-010A-36EE-FDD1-E1D497CF7CB7}"/>
+          <p:cNvPr id="17412" name="Picture 4">
+            <a:extLst>
+              <a:ext uri="{FF2B5EF4-FFF2-40B4-BE49-F238E27FC236}">
+                <a16:creationId xmlns:a16="http://schemas.microsoft.com/office/drawing/2014/main" id="{06F7545C-CE2B-1195-B352-60BB883EC7A8}"/>
               </a:ext>
             </a:extLst>
           </p:cNvPr>
           <p:cNvPicPr>
-            <a:picLocks noChangeAspect="1"/>
+            <a:picLocks noChangeAspect="1" noChangeArrowheads="1"/>
           </p:cNvPicPr>
           <p:nvPr/>
         </p:nvPicPr>
         <p:blipFill>
-          <a:blip r:embed="rId3"/>
+          <a:blip r:embed="rId3">
+            <a:extLst>
+              <a:ext uri="{28A0092B-C50C-407E-A947-70E740481C1C}">
+                <a14:useLocalDpi xmlns:a14="http://schemas.microsoft.com/office/drawing/2010/main" val="0"/>
+              </a:ext>
+            </a:extLst>
+          </a:blip>
+          <a:srcRect/>
           <a:stretch>
             <a:fillRect/>
           </a:stretch>
         </p:blipFill>
-        <p:spPr>
+        <p:spPr bwMode="auto">
           <a:xfrm>
-            <a:off x="6434344" y="1156045"/>
+            <a:off x="6460851" y="1262061"/>
             <a:ext cx="5048250" cy="4333875"/>
           </a:xfrm>
           <a:prstGeom prst="rect">
             <a:avLst/>
           </a:prstGeom>
-        </p:spPr>
-      </p:pic>
-    </p:spTree>
-    <p:extLst>
-      <p:ext uri="{BB962C8B-B14F-4D97-AF65-F5344CB8AC3E}">
-        <p14:creationId xmlns:p14="http://schemas.microsoft.com/office/powerpoint/2010/main" val="4268036222"/>
-      </p:ext>
-    </p:extLst>
-  </p:cSld>
-  <p:clrMapOvr>
-    <a:masterClrMapping/>
-  </p:clrMapOvr>
-</p:sld>
-</file>
-
-<file path=ppt/slides/slide23.xml><?xml version="1.0" encoding="utf-8"?>
-<p:sld xmlns:a="http://schemas.openxmlformats.org/drawingml/2006/main" xmlns:r="http://schemas.openxmlformats.org/officeDocument/2006/relationships" xmlns:p="http://schemas.openxmlformats.org/presentationml/2006/main">
-  <p:cSld>
-    <p:spTree>
-      <p:nvGrpSpPr>
-        <p:cNvPr id="1" name=""/>
-        <p:cNvGrpSpPr/>
-        <p:nvPr/>
-      </p:nvGrpSpPr>
-      <p:grpSpPr>
-        <a:xfrm>
-          <a:off x="0" y="0"/>
-          <a:ext cx="0" cy="0"/>
-          <a:chOff x="0" y="0"/>
-          <a:chExt cx="0" cy="0"/>
-        </a:xfrm>
-      </p:grpSpPr>
-      <p:pic>
-        <p:nvPicPr>
-          <p:cNvPr id="2" name="Picture 1">
-            <a:extLst>
-              <a:ext uri="{FF2B5EF4-FFF2-40B4-BE49-F238E27FC236}">
-                <a16:creationId xmlns:a16="http://schemas.microsoft.com/office/drawing/2014/main" id="{80F440F3-6625-2E3C-D191-A4DA0A989A6E}"/>
-              </a:ext>
-            </a:extLst>
-          </p:cNvPr>
-          <p:cNvPicPr>
-            <a:picLocks noChangeAspect="1"/>
-          </p:cNvPicPr>
-          <p:nvPr/>
-        </p:nvPicPr>
-        <p:blipFill>
-          <a:blip r:embed="rId2"/>
-          <a:stretch>
-            <a:fillRect/>
-          </a:stretch>
-        </p:blipFill>
-        <p:spPr>
-          <a:xfrm>
-            <a:off x="669649" y="1142791"/>
-            <a:ext cx="5048250" cy="4333875"/>
-          </a:xfrm>
-          <a:prstGeom prst="rect">
-            <a:avLst/>
-          </a:prstGeom>
-        </p:spPr>
-      </p:pic>
-      <p:pic>
-        <p:nvPicPr>
-          <p:cNvPr id="3" name="Picture 2">
-            <a:extLst>
-              <a:ext uri="{FF2B5EF4-FFF2-40B4-BE49-F238E27FC236}">
-                <a16:creationId xmlns:a16="http://schemas.microsoft.com/office/drawing/2014/main" id="{0F07845D-03C0-A190-0E06-EE1985D80072}"/>
-              </a:ext>
-            </a:extLst>
-          </p:cNvPr>
-          <p:cNvPicPr>
-            <a:picLocks noChangeAspect="1"/>
-          </p:cNvPicPr>
-          <p:nvPr/>
-        </p:nvPicPr>
-        <p:blipFill>
-          <a:blip r:embed="rId3"/>
-          <a:stretch>
-            <a:fillRect/>
-          </a:stretch>
-        </p:blipFill>
-        <p:spPr>
-          <a:xfrm>
-            <a:off x="6350276" y="1142792"/>
-            <a:ext cx="5172075" cy="4333875"/>
-          </a:xfrm>
-          <a:prstGeom prst="rect">
-            <a:avLst/>
-          </a:prstGeom>
-        </p:spPr>
-      </p:pic>
-    </p:spTree>
-    <p:extLst>
-      <p:ext uri="{BB962C8B-B14F-4D97-AF65-F5344CB8AC3E}">
-        <p14:creationId xmlns:p14="http://schemas.microsoft.com/office/powerpoint/2010/main" val="378910861"/>
-      </p:ext>
-    </p:extLst>
-  </p:cSld>
-  <p:clrMapOvr>
-    <a:masterClrMapping/>
-  </p:clrMapOvr>
-</p:sld>
-</file>
-
-<file path=ppt/slides/slide24.xml><?xml version="1.0" encoding="utf-8"?>
-<p:sld xmlns:a="http://schemas.openxmlformats.org/drawingml/2006/main" xmlns:r="http://schemas.openxmlformats.org/officeDocument/2006/relationships" xmlns:p="http://schemas.openxmlformats.org/presentationml/2006/main">
-  <p:cSld>
-    <p:spTree>
-      <p:nvGrpSpPr>
-        <p:cNvPr id="1" name=""/>
-        <p:cNvGrpSpPr/>
-        <p:nvPr/>
-      </p:nvGrpSpPr>
-      <p:grpSpPr>
-        <a:xfrm>
-          <a:off x="0" y="0"/>
-          <a:ext cx="0" cy="0"/>
-          <a:chOff x="0" y="0"/>
-          <a:chExt cx="0" cy="0"/>
-        </a:xfrm>
-      </p:grpSpPr>
-      <p:pic>
-        <p:nvPicPr>
-          <p:cNvPr id="2" name="Picture 1">
-            <a:extLst>
-              <a:ext uri="{FF2B5EF4-FFF2-40B4-BE49-F238E27FC236}">
-                <a16:creationId xmlns:a16="http://schemas.microsoft.com/office/drawing/2014/main" id="{D18E7E9F-3DB9-D49C-A830-7B311EBBC8FD}"/>
-              </a:ext>
-            </a:extLst>
-          </p:cNvPr>
-          <p:cNvPicPr>
-            <a:picLocks noChangeAspect="1"/>
-          </p:cNvPicPr>
-          <p:nvPr/>
-        </p:nvPicPr>
-        <p:blipFill>
-          <a:blip r:embed="rId2"/>
-          <a:stretch>
-            <a:fillRect/>
-          </a:stretch>
-        </p:blipFill>
-        <p:spPr>
-          <a:xfrm>
-            <a:off x="3571875" y="1262062"/>
-            <a:ext cx="5048250" cy="4333875"/>
-          </a:xfrm>
-          <a:prstGeom prst="rect">
-            <a:avLst/>
-          </a:prstGeom>
+          <a:noFill/>
+          <a:extLst>
+            <a:ext uri="{909E8E84-426E-40DD-AFC4-6F175D3DCCD1}">
+              <a14:hiddenFill xmlns:a14="http://schemas.microsoft.com/office/drawing/2010/main">
+                <a:solidFill>
+                  <a:srgbClr val="FFFFFF"/>
+                </a:solidFill>
+              </a14:hiddenFill>
+            </a:ext>
+          </a:extLst>
         </p:spPr>
       </p:pic>
     </p:spTree>
@@ -11848,14 +10802,6 @@
 <file path=ppt/slides/slide3.xml><?xml version="1.0" encoding="utf-8"?>
 <p:sld xmlns:a="http://schemas.openxmlformats.org/drawingml/2006/main" xmlns:r="http://schemas.openxmlformats.org/officeDocument/2006/relationships" xmlns:p="http://schemas.openxmlformats.org/presentationml/2006/main">
   <p:cSld>
-    <p:bg>
-      <p:bgPr>
-        <a:solidFill>
-          <a:srgbClr val="3044B5"/>
-        </a:solidFill>
-        <a:effectLst/>
-      </p:bgPr>
-    </p:bg>
     <p:spTree>
       <p:nvGrpSpPr>
         <p:cNvPr id="1" name=""/>
@@ -11875,7 +10821,7 @@
           <p:cNvPr id="2" name="TextBox 1">
             <a:extLst>
               <a:ext uri="{FF2B5EF4-FFF2-40B4-BE49-F238E27FC236}">
-                <a16:creationId xmlns:a16="http://schemas.microsoft.com/office/drawing/2014/main" id="{282B1677-928F-38E4-EDCE-B877D305C869}"/>
+                <a16:creationId xmlns:a16="http://schemas.microsoft.com/office/drawing/2014/main" id="{BC39DF0C-3F5D-8089-EE43-7B5F4782B1E2}"/>
               </a:ext>
             </a:extLst>
           </p:cNvPr>
@@ -11884,8 +10830,8 @@
         </p:nvSpPr>
         <p:spPr>
           <a:xfrm>
-            <a:off x="1524000" y="2028616"/>
-            <a:ext cx="9144000" cy="2308324"/>
+            <a:off x="277114" y="56242"/>
+            <a:ext cx="11637771" cy="954107"/>
           </a:xfrm>
           <a:prstGeom prst="rect">
             <a:avLst/>
@@ -11893,29 +10839,81 @@
           <a:noFill/>
         </p:spPr>
         <p:txBody>
-          <a:bodyPr wrap="square" rtlCol="0">
+          <a:bodyPr wrap="square" rtlCol="0" anchor="ctr">
             <a:spAutoFit/>
           </a:bodyPr>
           <a:lstStyle/>
           <a:p>
             <a:pPr algn="ctr"/>
             <a:r>
-              <a:rPr lang="en-US" sz="7200" b="1" dirty="0">
+              <a:rPr lang="en-US" sz="2800" b="1" dirty="0">
                 <a:solidFill>
                   <a:prstClr val="white"/>
                 </a:solidFill>
                 <a:latin typeface="Gotham Office" panose="02000000000000000000" pitchFamily="2" charset="0"/>
-                <a:cs typeface="Arial" panose="020B0604020202020204" pitchFamily="34" charset="0"/>
               </a:rPr>
-              <a:t>Notebook 1: Winter OSW Analysis</a:t>
+              <a:t>Winter 2021-2022 Load and Loads after Theoretical OSW Fleets</a:t>
             </a:r>
-          </a:p>
-        </p:txBody>
-      </p:sp>
+            <a:endParaRPr lang="en-US" sz="2800" b="1" baseline="30000" dirty="0">
+              <a:solidFill>
+                <a:prstClr val="white"/>
+              </a:solidFill>
+              <a:latin typeface="Gotham Office" panose="02000000000000000000" pitchFamily="2" charset="0"/>
+            </a:endParaRPr>
+          </a:p>
+        </p:txBody>
+      </p:sp>
+      <p:pic>
+        <p:nvPicPr>
+          <p:cNvPr id="1028" name="Picture 4">
+            <a:extLst>
+              <a:ext uri="{FF2B5EF4-FFF2-40B4-BE49-F238E27FC236}">
+                <a16:creationId xmlns:a16="http://schemas.microsoft.com/office/drawing/2014/main" id="{D38A2426-8A2F-6671-3244-393998DE3431}"/>
+              </a:ext>
+            </a:extLst>
+          </p:cNvPr>
+          <p:cNvPicPr>
+            <a:picLocks noChangeAspect="1" noChangeArrowheads="1"/>
+          </p:cNvPicPr>
+          <p:nvPr/>
+        </p:nvPicPr>
+        <p:blipFill>
+          <a:blip r:embed="rId2">
+            <a:extLst>
+              <a:ext uri="{28A0092B-C50C-407E-A947-70E740481C1C}">
+                <a14:useLocalDpi xmlns:a14="http://schemas.microsoft.com/office/drawing/2010/main" val="0"/>
+              </a:ext>
+            </a:extLst>
+          </a:blip>
+          <a:srcRect/>
+          <a:stretch>
+            <a:fillRect/>
+          </a:stretch>
+        </p:blipFill>
+        <p:spPr bwMode="auto">
+          <a:xfrm>
+            <a:off x="2100261" y="1076325"/>
+            <a:ext cx="7991475" cy="4705350"/>
+          </a:xfrm>
+          <a:prstGeom prst="rect">
+            <a:avLst/>
+          </a:prstGeom>
+          <a:noFill/>
+          <a:extLst>
+            <a:ext uri="{909E8E84-426E-40DD-AFC4-6F175D3DCCD1}">
+              <a14:hiddenFill xmlns:a14="http://schemas.microsoft.com/office/drawing/2010/main">
+                <a:solidFill>
+                  <a:srgbClr val="FFFFFF"/>
+                </a:solidFill>
+              </a14:hiddenFill>
+            </a:ext>
+          </a:extLst>
+        </p:spPr>
+      </p:pic>
     </p:spTree>
     <p:extLst>
       <p:ext uri="{BB962C8B-B14F-4D97-AF65-F5344CB8AC3E}">
-        <p14:creationId xmlns:p14="http://schemas.microsoft.com/office/powerpoint/2010/main" val="3499906704"/>
+        <p14:creationId xmlns:p14="http://schemas.microsoft.com/office/powerpoint/2010/main" val="3308027752"/>
       </p:ext>
     </p:extLst>
   </p:cSld>
@@ -11942,12 +10940,59 @@
           <a:chExt cx="0" cy="0"/>
         </a:xfrm>
       </p:grpSpPr>
+      <p:sp>
+        <p:nvSpPr>
+          <p:cNvPr id="3" name="TextBox 2">
+            <a:extLst>
+              <a:ext uri="{FF2B5EF4-FFF2-40B4-BE49-F238E27FC236}">
+                <a16:creationId xmlns:a16="http://schemas.microsoft.com/office/drawing/2014/main" id="{F958B001-C038-DE34-5098-1C2796E94624}"/>
+              </a:ext>
+            </a:extLst>
+          </p:cNvPr>
+          <p:cNvSpPr txBox="1"/>
+          <p:nvPr/>
+        </p:nvSpPr>
+        <p:spPr>
+          <a:xfrm>
+            <a:off x="24142" y="135756"/>
+            <a:ext cx="12167858" cy="954107"/>
+          </a:xfrm>
+          <a:prstGeom prst="rect">
+            <a:avLst/>
+          </a:prstGeom>
+          <a:noFill/>
+        </p:spPr>
+        <p:txBody>
+          <a:bodyPr wrap="square" rtlCol="0" anchor="ctr">
+            <a:spAutoFit/>
+          </a:bodyPr>
+          <a:lstStyle/>
+          <a:p>
+            <a:pPr algn="ctr"/>
+            <a:r>
+              <a:rPr lang="en-US" sz="2800" b="1" dirty="0">
+                <a:solidFill>
+                  <a:prstClr val="white"/>
+                </a:solidFill>
+                <a:latin typeface="Gotham Office" panose="02000000000000000000" pitchFamily="2" charset="0"/>
+              </a:rPr>
+              <a:t>Days of Elevated Risk with Varying MWs of OSW for Winters 2000 to 2022</a:t>
+            </a:r>
+            <a:endParaRPr lang="en-US" sz="2800" b="1" baseline="30000" dirty="0">
+              <a:solidFill>
+                <a:prstClr val="white"/>
+              </a:solidFill>
+              <a:latin typeface="Gotham Office" panose="02000000000000000000" pitchFamily="2" charset="0"/>
+            </a:endParaRPr>
+          </a:p>
+        </p:txBody>
+      </p:sp>
       <p:pic>
         <p:nvPicPr>
           <p:cNvPr id="2050" name="Picture 2">
             <a:extLst>
               <a:ext uri="{FF2B5EF4-FFF2-40B4-BE49-F238E27FC236}">
-                <a16:creationId xmlns:a16="http://schemas.microsoft.com/office/drawing/2014/main" id="{40BD2FFD-EBCE-15E8-129E-0A2B55762CCF}"/>
+                <a16:creationId xmlns:a16="http://schemas.microsoft.com/office/drawing/2014/main" id="{1E8AD506-7E6F-AC06-45F6-AD8B002912B3}"/>
               </a:ext>
             </a:extLst>
           </p:cNvPr>
@@ -11971,8 +11016,8 @@
         </p:blipFill>
         <p:spPr bwMode="auto">
           <a:xfrm>
-            <a:off x="2200275" y="957056"/>
-            <a:ext cx="7791450" cy="4705350"/>
+            <a:off x="0" y="1401763"/>
+            <a:ext cx="12192000" cy="4052887"/>
           </a:xfrm>
           <a:prstGeom prst="rect">
             <a:avLst/>
@@ -11989,57 +11034,10 @@
           </a:extLst>
         </p:spPr>
       </p:pic>
-      <p:sp>
-        <p:nvSpPr>
-          <p:cNvPr id="2" name="TextBox 1">
-            <a:extLst>
-              <a:ext uri="{FF2B5EF4-FFF2-40B4-BE49-F238E27FC236}">
-                <a16:creationId xmlns:a16="http://schemas.microsoft.com/office/drawing/2014/main" id="{BC39DF0C-3F5D-8089-EE43-7B5F4782B1E2}"/>
-              </a:ext>
-            </a:extLst>
-          </p:cNvPr>
-          <p:cNvSpPr txBox="1"/>
-          <p:nvPr/>
-        </p:nvSpPr>
-        <p:spPr>
-          <a:xfrm>
-            <a:off x="277114" y="271685"/>
-            <a:ext cx="11637771" cy="523220"/>
-          </a:xfrm>
-          <a:prstGeom prst="rect">
-            <a:avLst/>
-          </a:prstGeom>
-          <a:noFill/>
-        </p:spPr>
-        <p:txBody>
-          <a:bodyPr wrap="square" rtlCol="0" anchor="ctr">
-            <a:spAutoFit/>
-          </a:bodyPr>
-          <a:lstStyle/>
-          <a:p>
-            <a:pPr algn="ctr"/>
-            <a:r>
-              <a:rPr lang="en-US" sz="2800" b="1" dirty="0">
-                <a:solidFill>
-                  <a:prstClr val="white"/>
-                </a:solidFill>
-                <a:latin typeface="Gotham Office" panose="02000000000000000000" pitchFamily="2" charset="0"/>
-              </a:rPr>
-              <a:t>Winter 2021-2022 Load and Loads after Theoretical OSW Installations</a:t>
-            </a:r>
-            <a:endParaRPr lang="en-US" sz="2800" b="1" baseline="30000" dirty="0">
-              <a:solidFill>
-                <a:prstClr val="white"/>
-              </a:solidFill>
-              <a:latin typeface="Gotham Office" panose="02000000000000000000" pitchFamily="2" charset="0"/>
-            </a:endParaRPr>
-          </a:p>
-        </p:txBody>
-      </p:sp>
     </p:spTree>
     <p:extLst>
       <p:ext uri="{BB962C8B-B14F-4D97-AF65-F5344CB8AC3E}">
-        <p14:creationId xmlns:p14="http://schemas.microsoft.com/office/powerpoint/2010/main" val="3308027752"/>
+        <p14:creationId xmlns:p14="http://schemas.microsoft.com/office/powerpoint/2010/main" val="2002264308"/>
       </p:ext>
     </p:extLst>
   </p:cSld>
@@ -12052,6 +11050,14 @@
 <file path=ppt/slides/slide5.xml><?xml version="1.0" encoding="utf-8"?>
 <p:sld xmlns:a="http://schemas.openxmlformats.org/drawingml/2006/main" xmlns:r="http://schemas.openxmlformats.org/officeDocument/2006/relationships" xmlns:p="http://schemas.openxmlformats.org/presentationml/2006/main">
   <p:cSld>
+    <p:bg>
+      <p:bgPr>
+        <a:solidFill>
+          <a:srgbClr val="007AA5"/>
+        </a:solidFill>
+        <a:effectLst/>
+      </p:bgPr>
+    </p:bg>
     <p:spTree>
       <p:nvGrpSpPr>
         <p:cNvPr id="1" name=""/>
@@ -12066,52 +11072,22 @@
           <a:chExt cx="0" cy="0"/>
         </a:xfrm>
       </p:grpSpPr>
-      <p:pic>
-        <p:nvPicPr>
-          <p:cNvPr id="2" name="Picture 1">
-            <a:extLst>
-              <a:ext uri="{FF2B5EF4-FFF2-40B4-BE49-F238E27FC236}">
-                <a16:creationId xmlns:a16="http://schemas.microsoft.com/office/drawing/2014/main" id="{D747779B-79DB-16E8-D612-2934267B5EB2}"/>
-              </a:ext>
-            </a:extLst>
-          </p:cNvPr>
-          <p:cNvPicPr>
-            <a:picLocks noChangeAspect="1"/>
-          </p:cNvPicPr>
+      <p:sp>
+        <p:nvSpPr>
+          <p:cNvPr id="3" name="TextBox 2">
+            <a:extLst>
+              <a:ext uri="{FF2B5EF4-FFF2-40B4-BE49-F238E27FC236}">
+                <a16:creationId xmlns:a16="http://schemas.microsoft.com/office/drawing/2014/main" id="{4BAB5C5C-CADD-AFA2-FD76-3B107008A444}"/>
+              </a:ext>
+            </a:extLst>
+          </p:cNvPr>
+          <p:cNvSpPr txBox="1"/>
           <p:nvPr/>
-        </p:nvPicPr>
-        <p:blipFill>
-          <a:blip r:embed="rId2"/>
-          <a:stretch>
-            <a:fillRect/>
-          </a:stretch>
-        </p:blipFill>
+        </p:nvSpPr>
         <p:spPr>
           <a:xfrm>
-            <a:off x="13252" y="1406471"/>
-            <a:ext cx="12167858" cy="4045058"/>
-          </a:xfrm>
-          <a:prstGeom prst="rect">
-            <a:avLst/>
-          </a:prstGeom>
-        </p:spPr>
-      </p:pic>
-      <p:sp>
-        <p:nvSpPr>
-          <p:cNvPr id="3" name="TextBox 2">
-            <a:extLst>
-              <a:ext uri="{FF2B5EF4-FFF2-40B4-BE49-F238E27FC236}">
-                <a16:creationId xmlns:a16="http://schemas.microsoft.com/office/drawing/2014/main" id="{F958B001-C038-DE34-5098-1C2796E94624}"/>
-              </a:ext>
-            </a:extLst>
-          </p:cNvPr>
-          <p:cNvSpPr txBox="1"/>
-          <p:nvPr/>
-        </p:nvSpPr>
-        <p:spPr>
-          <a:xfrm>
-            <a:off x="24142" y="135756"/>
-            <a:ext cx="12167858" cy="954107"/>
+            <a:off x="1524000" y="1720840"/>
+            <a:ext cx="9144000" cy="3416320"/>
           </a:xfrm>
           <a:prstGeom prst="rect">
             <a:avLst/>
@@ -12119,34 +11095,42 @@
           <a:noFill/>
         </p:spPr>
         <p:txBody>
-          <a:bodyPr wrap="square" rtlCol="0" anchor="ctr">
+          <a:bodyPr wrap="square" rtlCol="0">
             <a:spAutoFit/>
           </a:bodyPr>
           <a:lstStyle/>
           <a:p>
             <a:pPr algn="ctr"/>
             <a:r>
-              <a:rPr lang="en-US" sz="2800" b="1" dirty="0">
+              <a:rPr lang="en-US" sz="7200" b="1" dirty="0">
                 <a:solidFill>
                   <a:prstClr val="white"/>
                 </a:solidFill>
                 <a:latin typeface="Gotham Office" panose="02000000000000000000" pitchFamily="2" charset="0"/>
+                <a:cs typeface="Arial" panose="020B0604020202020204" pitchFamily="34" charset="0"/>
               </a:rPr>
-              <a:t>Days of Elevated Risk with Varying Levels of OSW Capacity for Winters 2000 to 2022</a:t>
+              <a:t>Notebook 2: </a:t>
             </a:r>
-            <a:endParaRPr lang="en-US" sz="2800" b="1" baseline="30000" dirty="0">
-              <a:solidFill>
-                <a:prstClr val="white"/>
-              </a:solidFill>
-              <a:latin typeface="Gotham Office" panose="02000000000000000000" pitchFamily="2" charset="0"/>
-            </a:endParaRPr>
+          </a:p>
+          <a:p>
+            <a:pPr algn="ctr"/>
+            <a:r>
+              <a:rPr lang="en-US" sz="7200" b="1" dirty="0">
+                <a:solidFill>
+                  <a:prstClr val="white"/>
+                </a:solidFill>
+                <a:latin typeface="Gotham Office" panose="02000000000000000000" pitchFamily="2" charset="0"/>
+                <a:cs typeface="Arial" panose="020B0604020202020204" pitchFamily="34" charset="0"/>
+              </a:rPr>
+              <a:t>Non-winter OSW Analysis</a:t>
+            </a:r>
           </a:p>
         </p:txBody>
       </p:sp>
     </p:spTree>
     <p:extLst>
       <p:ext uri="{BB962C8B-B14F-4D97-AF65-F5344CB8AC3E}">
-        <p14:creationId xmlns:p14="http://schemas.microsoft.com/office/powerpoint/2010/main" val="2002264308"/>
+        <p14:creationId xmlns:p14="http://schemas.microsoft.com/office/powerpoint/2010/main" val="3413482869"/>
       </p:ext>
     </p:extLst>
   </p:cSld>
@@ -12173,52 +11157,22 @@
           <a:chExt cx="0" cy="0"/>
         </a:xfrm>
       </p:grpSpPr>
-      <p:pic>
-        <p:nvPicPr>
-          <p:cNvPr id="2" name="Picture 1">
-            <a:extLst>
-              <a:ext uri="{FF2B5EF4-FFF2-40B4-BE49-F238E27FC236}">
-                <a16:creationId xmlns:a16="http://schemas.microsoft.com/office/drawing/2014/main" id="{806C24D2-328C-0F1D-374E-402FF33E8D57}"/>
-              </a:ext>
-            </a:extLst>
-          </p:cNvPr>
-          <p:cNvPicPr>
-            <a:picLocks noChangeAspect="1"/>
-          </p:cNvPicPr>
+      <p:sp>
+        <p:nvSpPr>
+          <p:cNvPr id="3" name="TextBox 2">
+            <a:extLst>
+              <a:ext uri="{FF2B5EF4-FFF2-40B4-BE49-F238E27FC236}">
+                <a16:creationId xmlns:a16="http://schemas.microsoft.com/office/drawing/2014/main" id="{48DCFD48-67D9-6B80-4EA0-0555E8D5489D}"/>
+              </a:ext>
+            </a:extLst>
+          </p:cNvPr>
+          <p:cNvSpPr txBox="1"/>
           <p:nvPr/>
-        </p:nvPicPr>
-        <p:blipFill>
-          <a:blip r:embed="rId2"/>
-          <a:stretch>
-            <a:fillRect/>
-          </a:stretch>
-        </p:blipFill>
+        </p:nvSpPr>
         <p:spPr>
           <a:xfrm>
-            <a:off x="0" y="1402458"/>
-            <a:ext cx="12192000" cy="4053083"/>
-          </a:xfrm>
-          <a:prstGeom prst="rect">
-            <a:avLst/>
-          </a:prstGeom>
-        </p:spPr>
-      </p:pic>
-      <p:sp>
-        <p:nvSpPr>
-          <p:cNvPr id="5" name="TextBox 4">
-            <a:extLst>
-              <a:ext uri="{FF2B5EF4-FFF2-40B4-BE49-F238E27FC236}">
-                <a16:creationId xmlns:a16="http://schemas.microsoft.com/office/drawing/2014/main" id="{A2FEB93C-8DF4-E152-848A-6EC7CB797A66}"/>
-              </a:ext>
-            </a:extLst>
-          </p:cNvPr>
-          <p:cNvSpPr txBox="1"/>
-          <p:nvPr/>
-        </p:nvSpPr>
-        <p:spPr>
-          <a:xfrm>
-            <a:off x="24142" y="351199"/>
-            <a:ext cx="12167858" cy="523220"/>
+            <a:off x="277114" y="271685"/>
+            <a:ext cx="11637771" cy="523220"/>
           </a:xfrm>
           <a:prstGeom prst="rect">
             <a:avLst/>
@@ -12239,7 +11193,7 @@
                 </a:solidFill>
                 <a:latin typeface="Gotham Office" panose="02000000000000000000" pitchFamily="2" charset="0"/>
               </a:rPr>
-              <a:t>Days of High Risk with Varying Levels of OSW Capacity for Winters 2000 to 2022</a:t>
+              <a:t>Spring 2020 Load and Loads after Theoretical OSW Fleets</a:t>
             </a:r>
             <a:endParaRPr lang="en-US" sz="2800" b="1" baseline="30000" dirty="0">
               <a:solidFill>
@@ -12250,10 +11204,57 @@
           </a:p>
         </p:txBody>
       </p:sp>
+      <p:pic>
+        <p:nvPicPr>
+          <p:cNvPr id="3074" name="Picture 2">
+            <a:extLst>
+              <a:ext uri="{FF2B5EF4-FFF2-40B4-BE49-F238E27FC236}">
+                <a16:creationId xmlns:a16="http://schemas.microsoft.com/office/drawing/2014/main" id="{D3560410-4D61-D4AD-4288-193AB3B7471C}"/>
+              </a:ext>
+            </a:extLst>
+          </p:cNvPr>
+          <p:cNvPicPr>
+            <a:picLocks noChangeAspect="1" noChangeArrowheads="1"/>
+          </p:cNvPicPr>
+          <p:nvPr/>
+        </p:nvPicPr>
+        <p:blipFill>
+          <a:blip r:embed="rId2">
+            <a:extLst>
+              <a:ext uri="{28A0092B-C50C-407E-A947-70E740481C1C}">
+                <a14:useLocalDpi xmlns:a14="http://schemas.microsoft.com/office/drawing/2010/main" val="0"/>
+              </a:ext>
+            </a:extLst>
+          </a:blip>
+          <a:srcRect/>
+          <a:stretch>
+            <a:fillRect/>
+          </a:stretch>
+        </p:blipFill>
+        <p:spPr bwMode="auto">
+          <a:xfrm>
+            <a:off x="2100261" y="1076325"/>
+            <a:ext cx="7991475" cy="4705350"/>
+          </a:xfrm>
+          <a:prstGeom prst="rect">
+            <a:avLst/>
+          </a:prstGeom>
+          <a:noFill/>
+          <a:extLst>
+            <a:ext uri="{909E8E84-426E-40DD-AFC4-6F175D3DCCD1}">
+              <a14:hiddenFill xmlns:a14="http://schemas.microsoft.com/office/drawing/2010/main">
+                <a:solidFill>
+                  <a:srgbClr val="FFFFFF"/>
+                </a:solidFill>
+              </a14:hiddenFill>
+            </a:ext>
+          </a:extLst>
+        </p:spPr>
+      </p:pic>
     </p:spTree>
     <p:extLst>
       <p:ext uri="{BB962C8B-B14F-4D97-AF65-F5344CB8AC3E}">
-        <p14:creationId xmlns:p14="http://schemas.microsoft.com/office/powerpoint/2010/main" val="296057206"/>
+        <p14:creationId xmlns:p14="http://schemas.microsoft.com/office/powerpoint/2010/main" val="2102227046"/>
       </p:ext>
     </p:extLst>
   </p:cSld>
@@ -12266,10 +11267,134 @@
 <file path=ppt/slides/slide7.xml><?xml version="1.0" encoding="utf-8"?>
 <p:sld xmlns:a="http://schemas.openxmlformats.org/drawingml/2006/main" xmlns:r="http://schemas.openxmlformats.org/officeDocument/2006/relationships" xmlns:p="http://schemas.openxmlformats.org/presentationml/2006/main">
   <p:cSld>
+    <p:spTree>
+      <p:nvGrpSpPr>
+        <p:cNvPr id="1" name=""/>
+        <p:cNvGrpSpPr/>
+        <p:nvPr/>
+      </p:nvGrpSpPr>
+      <p:grpSpPr>
+        <a:xfrm>
+          <a:off x="0" y="0"/>
+          <a:ext cx="0" cy="0"/>
+          <a:chOff x="0" y="0"/>
+          <a:chExt cx="0" cy="0"/>
+        </a:xfrm>
+      </p:grpSpPr>
+      <p:sp>
+        <p:nvSpPr>
+          <p:cNvPr id="3" name="TextBox 2">
+            <a:extLst>
+              <a:ext uri="{FF2B5EF4-FFF2-40B4-BE49-F238E27FC236}">
+                <a16:creationId xmlns:a16="http://schemas.microsoft.com/office/drawing/2014/main" id="{3F0B3D5C-0DA3-5371-EC06-B59F7580B432}"/>
+              </a:ext>
+            </a:extLst>
+          </p:cNvPr>
+          <p:cNvSpPr txBox="1"/>
+          <p:nvPr/>
+        </p:nvSpPr>
+        <p:spPr>
+          <a:xfrm>
+            <a:off x="24142" y="135756"/>
+            <a:ext cx="12167858" cy="954107"/>
+          </a:xfrm>
+          <a:prstGeom prst="rect">
+            <a:avLst/>
+          </a:prstGeom>
+          <a:noFill/>
+        </p:spPr>
+        <p:txBody>
+          <a:bodyPr wrap="square" rtlCol="0" anchor="ctr">
+            <a:spAutoFit/>
+          </a:bodyPr>
+          <a:lstStyle/>
+          <a:p>
+            <a:pPr algn="ctr"/>
+            <a:r>
+              <a:rPr lang="en-US" sz="2800" b="1" dirty="0">
+                <a:solidFill>
+                  <a:prstClr val="white"/>
+                </a:solidFill>
+                <a:latin typeface="Gotham Office" panose="02000000000000000000" pitchFamily="2" charset="0"/>
+              </a:rPr>
+              <a:t>Days of Elevated Risk with Varying MWs of OSW for Spring Months 2000 to 2022</a:t>
+            </a:r>
+            <a:endParaRPr lang="en-US" sz="2800" b="1" baseline="30000" dirty="0">
+              <a:solidFill>
+                <a:prstClr val="white"/>
+              </a:solidFill>
+              <a:latin typeface="Gotham Office" panose="02000000000000000000" pitchFamily="2" charset="0"/>
+            </a:endParaRPr>
+          </a:p>
+        </p:txBody>
+      </p:sp>
+      <p:pic>
+        <p:nvPicPr>
+          <p:cNvPr id="4098" name="Picture 2">
+            <a:extLst>
+              <a:ext uri="{FF2B5EF4-FFF2-40B4-BE49-F238E27FC236}">
+                <a16:creationId xmlns:a16="http://schemas.microsoft.com/office/drawing/2014/main" id="{1C4BD9E8-BC44-5119-DAB6-65BFDE1FF295}"/>
+              </a:ext>
+            </a:extLst>
+          </p:cNvPr>
+          <p:cNvPicPr>
+            <a:picLocks noChangeAspect="1" noChangeArrowheads="1"/>
+          </p:cNvPicPr>
+          <p:nvPr/>
+        </p:nvPicPr>
+        <p:blipFill>
+          <a:blip r:embed="rId2">
+            <a:extLst>
+              <a:ext uri="{28A0092B-C50C-407E-A947-70E740481C1C}">
+                <a14:useLocalDpi xmlns:a14="http://schemas.microsoft.com/office/drawing/2010/main" val="0"/>
+              </a:ext>
+            </a:extLst>
+          </a:blip>
+          <a:srcRect/>
+          <a:stretch>
+            <a:fillRect/>
+          </a:stretch>
+        </p:blipFill>
+        <p:spPr bwMode="auto">
+          <a:xfrm>
+            <a:off x="0" y="1401763"/>
+            <a:ext cx="12192000" cy="4052887"/>
+          </a:xfrm>
+          <a:prstGeom prst="rect">
+            <a:avLst/>
+          </a:prstGeom>
+          <a:noFill/>
+          <a:extLst>
+            <a:ext uri="{909E8E84-426E-40DD-AFC4-6F175D3DCCD1}">
+              <a14:hiddenFill xmlns:a14="http://schemas.microsoft.com/office/drawing/2010/main">
+                <a:solidFill>
+                  <a:srgbClr val="FFFFFF"/>
+                </a:solidFill>
+              </a14:hiddenFill>
+            </a:ext>
+          </a:extLst>
+        </p:spPr>
+      </p:pic>
+    </p:spTree>
+    <p:extLst>
+      <p:ext uri="{BB962C8B-B14F-4D97-AF65-F5344CB8AC3E}">
+        <p14:creationId xmlns:p14="http://schemas.microsoft.com/office/powerpoint/2010/main" val="1820511277"/>
+      </p:ext>
+    </p:extLst>
+  </p:cSld>
+  <p:clrMapOvr>
+    <a:masterClrMapping/>
+  </p:clrMapOvr>
+</p:sld>
+</file>
+
+<file path=ppt/slides/slide8.xml><?xml version="1.0" encoding="utf-8"?>
+<p:sld xmlns:a="http://schemas.openxmlformats.org/drawingml/2006/main" xmlns:r="http://schemas.openxmlformats.org/officeDocument/2006/relationships" xmlns:p="http://schemas.openxmlformats.org/presentationml/2006/main">
+  <p:cSld>
     <p:bg>
       <p:bgPr>
         <a:solidFill>
-          <a:srgbClr val="007AA5"/>
+          <a:srgbClr val="FF0093"/>
         </a:solidFill>
         <a:effectLst/>
       </p:bgPr>
@@ -12290,10 +11415,10 @@
       </p:grpSpPr>
       <p:sp>
         <p:nvSpPr>
-          <p:cNvPr id="3" name="TextBox 2">
-            <a:extLst>
-              <a:ext uri="{FF2B5EF4-FFF2-40B4-BE49-F238E27FC236}">
-                <a16:creationId xmlns:a16="http://schemas.microsoft.com/office/drawing/2014/main" id="{4BAB5C5C-CADD-AFA2-FD76-3B107008A444}"/>
+          <p:cNvPr id="2" name="TextBox 1">
+            <a:extLst>
+              <a:ext uri="{FF2B5EF4-FFF2-40B4-BE49-F238E27FC236}">
+                <a16:creationId xmlns:a16="http://schemas.microsoft.com/office/drawing/2014/main" id="{B04394C9-E3AA-2ACC-FBDD-BDA4ECF954C9}"/>
               </a:ext>
             </a:extLst>
           </p:cNvPr>
@@ -12302,8 +11427,8 @@
         </p:nvSpPr>
         <p:spPr>
           <a:xfrm>
-            <a:off x="1524000" y="1720840"/>
-            <a:ext cx="9144000" cy="3416320"/>
+            <a:off x="1524000" y="2028616"/>
+            <a:ext cx="9144000" cy="2308324"/>
           </a:xfrm>
           <a:prstGeom prst="rect">
             <a:avLst/>
@@ -12325,20 +11450,7 @@
                 <a:latin typeface="Gotham Office" panose="02000000000000000000" pitchFamily="2" charset="0"/>
                 <a:cs typeface="Arial" panose="020B0604020202020204" pitchFamily="34" charset="0"/>
               </a:rPr>
-              <a:t>Notebook 2: </a:t>
-            </a:r>
-          </a:p>
-          <a:p>
-            <a:pPr algn="ctr"/>
-            <a:r>
-              <a:rPr lang="en-US" sz="7200" b="1" dirty="0">
-                <a:solidFill>
-                  <a:prstClr val="white"/>
-                </a:solidFill>
-                <a:latin typeface="Gotham Office" panose="02000000000000000000" pitchFamily="2" charset="0"/>
-                <a:cs typeface="Arial" panose="020B0604020202020204" pitchFamily="34" charset="0"/>
-              </a:rPr>
-              <a:t>Non-winter OSW Analysis</a:t>
+              <a:t>Notebook 3: Winter OSW + Solar Analysis</a:t>
             </a:r>
           </a:p>
         </p:txBody>
@@ -12346,114 +11458,7 @@
     </p:spTree>
     <p:extLst>
       <p:ext uri="{BB962C8B-B14F-4D97-AF65-F5344CB8AC3E}">
-        <p14:creationId xmlns:p14="http://schemas.microsoft.com/office/powerpoint/2010/main" val="3413482869"/>
-      </p:ext>
-    </p:extLst>
-  </p:cSld>
-  <p:clrMapOvr>
-    <a:masterClrMapping/>
-  </p:clrMapOvr>
-</p:sld>
-</file>
-
-<file path=ppt/slides/slide8.xml><?xml version="1.0" encoding="utf-8"?>
-<p:sld xmlns:a="http://schemas.openxmlformats.org/drawingml/2006/main" xmlns:r="http://schemas.openxmlformats.org/officeDocument/2006/relationships" xmlns:p="http://schemas.openxmlformats.org/presentationml/2006/main">
-  <p:cSld>
-    <p:spTree>
-      <p:nvGrpSpPr>
-        <p:cNvPr id="1" name=""/>
-        <p:cNvGrpSpPr/>
-        <p:nvPr/>
-      </p:nvGrpSpPr>
-      <p:grpSpPr>
-        <a:xfrm>
-          <a:off x="0" y="0"/>
-          <a:ext cx="0" cy="0"/>
-          <a:chOff x="0" y="0"/>
-          <a:chExt cx="0" cy="0"/>
-        </a:xfrm>
-      </p:grpSpPr>
-      <p:pic>
-        <p:nvPicPr>
-          <p:cNvPr id="2" name="Picture 1">
-            <a:extLst>
-              <a:ext uri="{FF2B5EF4-FFF2-40B4-BE49-F238E27FC236}">
-                <a16:creationId xmlns:a16="http://schemas.microsoft.com/office/drawing/2014/main" id="{156FF4DD-BA39-F4C7-98FB-042CD885F6C1}"/>
-              </a:ext>
-            </a:extLst>
-          </p:cNvPr>
-          <p:cNvPicPr>
-            <a:picLocks noChangeAspect="1"/>
-          </p:cNvPicPr>
-          <p:nvPr/>
-        </p:nvPicPr>
-        <p:blipFill>
-          <a:blip r:embed="rId2"/>
-          <a:stretch>
-            <a:fillRect/>
-          </a:stretch>
-        </p:blipFill>
-        <p:spPr>
-          <a:xfrm>
-            <a:off x="2200275" y="1076325"/>
-            <a:ext cx="7791450" cy="4705350"/>
-          </a:xfrm>
-          <a:prstGeom prst="rect">
-            <a:avLst/>
-          </a:prstGeom>
-        </p:spPr>
-      </p:pic>
-      <p:sp>
-        <p:nvSpPr>
-          <p:cNvPr id="3" name="TextBox 2">
-            <a:extLst>
-              <a:ext uri="{FF2B5EF4-FFF2-40B4-BE49-F238E27FC236}">
-                <a16:creationId xmlns:a16="http://schemas.microsoft.com/office/drawing/2014/main" id="{48DCFD48-67D9-6B80-4EA0-0555E8D5489D}"/>
-              </a:ext>
-            </a:extLst>
-          </p:cNvPr>
-          <p:cNvSpPr txBox="1"/>
-          <p:nvPr/>
-        </p:nvSpPr>
-        <p:spPr>
-          <a:xfrm>
-            <a:off x="277114" y="271685"/>
-            <a:ext cx="11637771" cy="523220"/>
-          </a:xfrm>
-          <a:prstGeom prst="rect">
-            <a:avLst/>
-          </a:prstGeom>
-          <a:noFill/>
-        </p:spPr>
-        <p:txBody>
-          <a:bodyPr wrap="square" rtlCol="0" anchor="ctr">
-            <a:spAutoFit/>
-          </a:bodyPr>
-          <a:lstStyle/>
-          <a:p>
-            <a:pPr algn="ctr"/>
-            <a:r>
-              <a:rPr lang="en-US" sz="2800" b="1" dirty="0">
-                <a:solidFill>
-                  <a:prstClr val="white"/>
-                </a:solidFill>
-                <a:latin typeface="Gotham Office" panose="02000000000000000000" pitchFamily="2" charset="0"/>
-              </a:rPr>
-              <a:t>Spring 2020 Load and Loads after Theoretical OSW Installations</a:t>
-            </a:r>
-            <a:endParaRPr lang="en-US" sz="2800" b="1" baseline="30000" dirty="0">
-              <a:solidFill>
-                <a:prstClr val="white"/>
-              </a:solidFill>
-              <a:latin typeface="Gotham Office" panose="02000000000000000000" pitchFamily="2" charset="0"/>
-            </a:endParaRPr>
-          </a:p>
-        </p:txBody>
-      </p:sp>
-    </p:spTree>
-    <p:extLst>
-      <p:ext uri="{BB962C8B-B14F-4D97-AF65-F5344CB8AC3E}">
-        <p14:creationId xmlns:p14="http://schemas.microsoft.com/office/powerpoint/2010/main" val="2102227046"/>
+        <p14:creationId xmlns:p14="http://schemas.microsoft.com/office/powerpoint/2010/main" val="896129942"/>
       </p:ext>
     </p:extLst>
   </p:cSld>
@@ -12480,52 +11485,22 @@
           <a:chExt cx="0" cy="0"/>
         </a:xfrm>
       </p:grpSpPr>
-      <p:pic>
-        <p:nvPicPr>
-          <p:cNvPr id="2" name="Picture 1">
-            <a:extLst>
-              <a:ext uri="{FF2B5EF4-FFF2-40B4-BE49-F238E27FC236}">
-                <a16:creationId xmlns:a16="http://schemas.microsoft.com/office/drawing/2014/main" id="{C216B790-6AA6-31E5-E5C1-7BE684B93665}"/>
-              </a:ext>
-            </a:extLst>
-          </p:cNvPr>
-          <p:cNvPicPr>
-            <a:picLocks noChangeAspect="1"/>
-          </p:cNvPicPr>
+      <p:sp>
+        <p:nvSpPr>
+          <p:cNvPr id="3" name="TextBox 2">
+            <a:extLst>
+              <a:ext uri="{FF2B5EF4-FFF2-40B4-BE49-F238E27FC236}">
+                <a16:creationId xmlns:a16="http://schemas.microsoft.com/office/drawing/2014/main" id="{3F9BFEA8-806D-3CB8-42C7-D616CA2477C8}"/>
+              </a:ext>
+            </a:extLst>
+          </p:cNvPr>
+          <p:cNvSpPr txBox="1"/>
           <p:nvPr/>
-        </p:nvPicPr>
-        <p:blipFill>
-          <a:blip r:embed="rId2"/>
-          <a:stretch>
-            <a:fillRect/>
-          </a:stretch>
-        </p:blipFill>
+        </p:nvSpPr>
         <p:spPr>
           <a:xfrm>
-            <a:off x="0" y="1402458"/>
-            <a:ext cx="12192000" cy="4053083"/>
-          </a:xfrm>
-          <a:prstGeom prst="rect">
-            <a:avLst/>
-          </a:prstGeom>
-        </p:spPr>
-      </p:pic>
-      <p:sp>
-        <p:nvSpPr>
-          <p:cNvPr id="3" name="TextBox 2">
-            <a:extLst>
-              <a:ext uri="{FF2B5EF4-FFF2-40B4-BE49-F238E27FC236}">
-                <a16:creationId xmlns:a16="http://schemas.microsoft.com/office/drawing/2014/main" id="{3F0B3D5C-0DA3-5371-EC06-B59F7580B432}"/>
-              </a:ext>
-            </a:extLst>
-          </p:cNvPr>
-          <p:cNvSpPr txBox="1"/>
-          <p:nvPr/>
-        </p:nvSpPr>
-        <p:spPr>
-          <a:xfrm>
-            <a:off x="24142" y="135756"/>
-            <a:ext cx="12167858" cy="954107"/>
+            <a:off x="277114" y="56242"/>
+            <a:ext cx="11637771" cy="954107"/>
           </a:xfrm>
           <a:prstGeom prst="rect">
             <a:avLst/>
@@ -12546,7 +11521,7 @@
                 </a:solidFill>
                 <a:latin typeface="Gotham Office" panose="02000000000000000000" pitchFamily="2" charset="0"/>
               </a:rPr>
-              <a:t>Days of Elevated Risk with Varying Levels of OSW Capacity for Select Non-winter Months 2000 to 2022</a:t>
+              <a:t>Winter 2021-2022 Load and Loads after Theoretical OSW and 12000 MW Solar Fleets</a:t>
             </a:r>
             <a:endParaRPr lang="en-US" sz="2800" b="1" baseline="30000" dirty="0">
               <a:solidFill>
@@ -12557,10 +11532,57 @@
           </a:p>
         </p:txBody>
       </p:sp>
+      <p:pic>
+        <p:nvPicPr>
+          <p:cNvPr id="5122" name="Picture 2">
+            <a:extLst>
+              <a:ext uri="{FF2B5EF4-FFF2-40B4-BE49-F238E27FC236}">
+                <a16:creationId xmlns:a16="http://schemas.microsoft.com/office/drawing/2014/main" id="{84488649-FBF4-3D1D-FCE3-2CF779F6A96E}"/>
+              </a:ext>
+            </a:extLst>
+          </p:cNvPr>
+          <p:cNvPicPr>
+            <a:picLocks noChangeAspect="1" noChangeArrowheads="1"/>
+          </p:cNvPicPr>
+          <p:nvPr/>
+        </p:nvPicPr>
+        <p:blipFill>
+          <a:blip r:embed="rId2">
+            <a:extLst>
+              <a:ext uri="{28A0092B-C50C-407E-A947-70E740481C1C}">
+                <a14:useLocalDpi xmlns:a14="http://schemas.microsoft.com/office/drawing/2010/main" val="0"/>
+              </a:ext>
+            </a:extLst>
+          </a:blip>
+          <a:srcRect/>
+          <a:stretch>
+            <a:fillRect/>
+          </a:stretch>
+        </p:blipFill>
+        <p:spPr bwMode="auto">
+          <a:xfrm>
+            <a:off x="1514474" y="1076325"/>
+            <a:ext cx="9163050" cy="4705350"/>
+          </a:xfrm>
+          <a:prstGeom prst="rect">
+            <a:avLst/>
+          </a:prstGeom>
+          <a:noFill/>
+          <a:extLst>
+            <a:ext uri="{909E8E84-426E-40DD-AFC4-6F175D3DCCD1}">
+              <a14:hiddenFill xmlns:a14="http://schemas.microsoft.com/office/drawing/2010/main">
+                <a:solidFill>
+                  <a:srgbClr val="FFFFFF"/>
+                </a:solidFill>
+              </a14:hiddenFill>
+            </a:ext>
+          </a:extLst>
+        </p:spPr>
+      </p:pic>
     </p:spTree>
     <p:extLst>
       <p:ext uri="{BB962C8B-B14F-4D97-AF65-F5344CB8AC3E}">
-        <p14:creationId xmlns:p14="http://schemas.microsoft.com/office/powerpoint/2010/main" val="1820511277"/>
+        <p14:creationId xmlns:p14="http://schemas.microsoft.com/office/powerpoint/2010/main" val="3661765130"/>
       </p:ext>
     </p:extLst>
   </p:cSld>
@@ -13446,6 +12468,15 @@
 </file>
 
 <file path=customXml/item1.xml><?xml version="1.0" encoding="utf-8"?>
+<?mso-contentType ?>
+<FormTemplates xmlns="http://schemas.microsoft.com/sharepoint/v3/contenttype/forms">
+  <Display>DocumentLibraryForm</Display>
+  <Edit>DocumentLibraryForm</Edit>
+  <New>DocumentLibraryForm</New>
+</FormTemplates>
+</file>
+
+<file path=customXml/item2.xml><?xml version="1.0" encoding="utf-8"?>
 <ct:contentTypeSchema xmlns:ct="http://schemas.microsoft.com/office/2006/metadata/contentType" xmlns:ma="http://schemas.microsoft.com/office/2006/metadata/properties/metaAttributes" ct:_="" ma:_="" ma:contentTypeName="Document" ma:contentTypeID="0x010100071672BF0CB54741AFC5C35B6D86198B" ma:contentTypeVersion="5" ma:contentTypeDescription="Create a new document." ma:contentTypeScope="" ma:versionID="1e3231bde591b7b3755b5c1dfe2cefb3">
   <xsd:schema xmlns:xsd="http://www.w3.org/2001/XMLSchema" xmlns:xs="http://www.w3.org/2001/XMLSchema" xmlns:p="http://schemas.microsoft.com/office/2006/metadata/properties" xmlns:ns2="3cc3407d-6f52-438c-99b5-d64c1f186337" targetNamespace="http://schemas.microsoft.com/office/2006/metadata/properties" ma:root="true" ma:fieldsID="cf0e4784e7e91fe3f924110e3d359cbf" ns2:_="">
     <xsd:import namespace="3cc3407d-6f52-438c-99b5-d64c1f186337"/>
@@ -13589,15 +12620,6 @@
 </ct:contentTypeSchema>
 </file>
 
-<file path=customXml/item2.xml><?xml version="1.0" encoding="utf-8"?>
-<?mso-contentType ?>
-<FormTemplates xmlns="http://schemas.microsoft.com/sharepoint/v3/contenttype/forms">
-  <Display>DocumentLibraryForm</Display>
-  <Edit>DocumentLibraryForm</Edit>
-  <New>DocumentLibraryForm</New>
-</FormTemplates>
-</file>
-
 <file path=customXml/item3.xml><?xml version="1.0" encoding="utf-8"?>
 <p:properties xmlns:p="http://schemas.microsoft.com/office/2006/metadata/properties" xmlns:xsi="http://www.w3.org/2001/XMLSchema-instance" xmlns:pc="http://schemas.microsoft.com/office/infopath/2007/PartnerControls">
   <documentManagement/>
@@ -13605,6 +12627,14 @@
 </file>
 
 <file path=customXml/itemProps1.xml><?xml version="1.0" encoding="utf-8"?>
+<ds:datastoreItem xmlns:ds="http://schemas.openxmlformats.org/officeDocument/2006/customXml" ds:itemID="{B33011B9-BBB0-414C-AC7F-55F934C0EC20}">
+  <ds:schemaRefs>
+    <ds:schemaRef ds:uri="http://schemas.microsoft.com/sharepoint/v3/contenttype/forms"/>
+  </ds:schemaRefs>
+</ds:datastoreItem>
+</file>
+
+<file path=customXml/itemProps2.xml><?xml version="1.0" encoding="utf-8"?>
 <ds:datastoreItem xmlns:ds="http://schemas.openxmlformats.org/officeDocument/2006/customXml" ds:itemID="{6AB5338E-F024-4071-ABFE-EBBC1533E727}">
   <ds:schemaRefs>
     <ds:schemaRef ds:uri="http://schemas.microsoft.com/office/2006/metadata/contentType"/>
@@ -13618,14 +12648,6 @@
     <ds:schemaRef ds:uri="http://purl.org/dc/elements/1.1/"/>
     <ds:schemaRef ds:uri="http://purl.org/dc/terms/"/>
     <ds:schemaRef ds:uri="http://schemas.microsoft.com/internal/obd"/>
-  </ds:schemaRefs>
-</ds:datastoreItem>
-</file>
-
-<file path=customXml/itemProps2.xml><?xml version="1.0" encoding="utf-8"?>
-<ds:datastoreItem xmlns:ds="http://schemas.openxmlformats.org/officeDocument/2006/customXml" ds:itemID="{B33011B9-BBB0-414C-AC7F-55F934C0EC20}">
-  <ds:schemaRefs>
-    <ds:schemaRef ds:uri="http://schemas.microsoft.com/sharepoint/v3/contenttype/forms"/>
   </ds:schemaRefs>
 </ds:datastoreItem>
 </file>
